--- a/Presentation/fake_news_detector_dec_2022.pptx
+++ b/Presentation/fake_news_detector_dec_2022.pptx
@@ -2,7 +2,7 @@
 <file path=ppt/presentation.xml><?xml version="1.0" encoding="utf-8"?>
 <p:presentation xmlns:a="http://schemas.openxmlformats.org/drawingml/2006/main" xmlns:r="http://schemas.openxmlformats.org/officeDocument/2006/relationships" xmlns:p="http://schemas.openxmlformats.org/presentationml/2006/main" saveSubsetFonts="1">
   <p:sldMasterIdLst>
-    <p:sldMasterId id="2147483648" r:id="rId1"/>
+    <p:sldMasterId id="2147483660" r:id="rId1"/>
   </p:sldMasterIdLst>
   <p:sldIdLst>
     <p:sldId id="256" r:id="rId2"/>
@@ -18,15 +18,21 @@
     <p:sldId id="269" r:id="rId12"/>
     <p:sldId id="266" r:id="rId13"/>
     <p:sldId id="268" r:id="rId14"/>
-    <p:sldId id="267" r:id="rId15"/>
+    <p:sldId id="272" r:id="rId15"/>
+    <p:sldId id="273" r:id="rId16"/>
+    <p:sldId id="276" r:id="rId17"/>
+    <p:sldId id="270" r:id="rId18"/>
+    <p:sldId id="275" r:id="rId19"/>
+    <p:sldId id="274" r:id="rId20"/>
+    <p:sldId id="277" r:id="rId21"/>
   </p:sldIdLst>
   <p:sldSz cx="12192000" cy="6858000"/>
   <p:notesSz cx="6858000" cy="9144000"/>
   <p:defaultTextStyle>
     <a:defPPr>
-      <a:defRPr lang="en-NL"/>
+      <a:defRPr lang="en-US"/>
     </a:defPPr>
-    <a:lvl1pPr marL="0" algn="l" defTabSz="914400" rtl="0" eaLnBrk="1" latinLnBrk="0" hangingPunct="1">
+    <a:lvl1pPr marL="0" algn="l" defTabSz="457200" rtl="0" eaLnBrk="1" latinLnBrk="0" hangingPunct="1">
       <a:defRPr sz="1800" kern="1200">
         <a:solidFill>
           <a:schemeClr val="tx1"/>
@@ -36,7 +42,7 @@
         <a:cs typeface="+mn-cs"/>
       </a:defRPr>
     </a:lvl1pPr>
-    <a:lvl2pPr marL="457200" algn="l" defTabSz="914400" rtl="0" eaLnBrk="1" latinLnBrk="0" hangingPunct="1">
+    <a:lvl2pPr marL="457200" algn="l" defTabSz="457200" rtl="0" eaLnBrk="1" latinLnBrk="0" hangingPunct="1">
       <a:defRPr sz="1800" kern="1200">
         <a:solidFill>
           <a:schemeClr val="tx1"/>
@@ -46,7 +52,7 @@
         <a:cs typeface="+mn-cs"/>
       </a:defRPr>
     </a:lvl2pPr>
-    <a:lvl3pPr marL="914400" algn="l" defTabSz="914400" rtl="0" eaLnBrk="1" latinLnBrk="0" hangingPunct="1">
+    <a:lvl3pPr marL="914400" algn="l" defTabSz="457200" rtl="0" eaLnBrk="1" latinLnBrk="0" hangingPunct="1">
       <a:defRPr sz="1800" kern="1200">
         <a:solidFill>
           <a:schemeClr val="tx1"/>
@@ -56,7 +62,7 @@
         <a:cs typeface="+mn-cs"/>
       </a:defRPr>
     </a:lvl3pPr>
-    <a:lvl4pPr marL="1371600" algn="l" defTabSz="914400" rtl="0" eaLnBrk="1" latinLnBrk="0" hangingPunct="1">
+    <a:lvl4pPr marL="1371600" algn="l" defTabSz="457200" rtl="0" eaLnBrk="1" latinLnBrk="0" hangingPunct="1">
       <a:defRPr sz="1800" kern="1200">
         <a:solidFill>
           <a:schemeClr val="tx1"/>
@@ -66,7 +72,7 @@
         <a:cs typeface="+mn-cs"/>
       </a:defRPr>
     </a:lvl4pPr>
-    <a:lvl5pPr marL="1828800" algn="l" defTabSz="914400" rtl="0" eaLnBrk="1" latinLnBrk="0" hangingPunct="1">
+    <a:lvl5pPr marL="1828800" algn="l" defTabSz="457200" rtl="0" eaLnBrk="1" latinLnBrk="0" hangingPunct="1">
       <a:defRPr sz="1800" kern="1200">
         <a:solidFill>
           <a:schemeClr val="tx1"/>
@@ -76,7 +82,7 @@
         <a:cs typeface="+mn-cs"/>
       </a:defRPr>
     </a:lvl5pPr>
-    <a:lvl6pPr marL="2286000" algn="l" defTabSz="914400" rtl="0" eaLnBrk="1" latinLnBrk="0" hangingPunct="1">
+    <a:lvl6pPr marL="2286000" algn="l" defTabSz="457200" rtl="0" eaLnBrk="1" latinLnBrk="0" hangingPunct="1">
       <a:defRPr sz="1800" kern="1200">
         <a:solidFill>
           <a:schemeClr val="tx1"/>
@@ -86,7 +92,7 @@
         <a:cs typeface="+mn-cs"/>
       </a:defRPr>
     </a:lvl6pPr>
-    <a:lvl7pPr marL="2743200" algn="l" defTabSz="914400" rtl="0" eaLnBrk="1" latinLnBrk="0" hangingPunct="1">
+    <a:lvl7pPr marL="2743200" algn="l" defTabSz="457200" rtl="0" eaLnBrk="1" latinLnBrk="0" hangingPunct="1">
       <a:defRPr sz="1800" kern="1200">
         <a:solidFill>
           <a:schemeClr val="tx1"/>
@@ -96,7 +102,7 @@
         <a:cs typeface="+mn-cs"/>
       </a:defRPr>
     </a:lvl7pPr>
-    <a:lvl8pPr marL="3200400" algn="l" defTabSz="914400" rtl="0" eaLnBrk="1" latinLnBrk="0" hangingPunct="1">
+    <a:lvl8pPr marL="3200400" algn="l" defTabSz="457200" rtl="0" eaLnBrk="1" latinLnBrk="0" hangingPunct="1">
       <a:defRPr sz="1800" kern="1200">
         <a:solidFill>
           <a:schemeClr val="tx1"/>
@@ -106,7 +112,7 @@
         <a:cs typeface="+mn-cs"/>
       </a:defRPr>
     </a:lvl8pPr>
-    <a:lvl9pPr marL="3657600" algn="l" defTabSz="914400" rtl="0" eaLnBrk="1" latinLnBrk="0" hangingPunct="1">
+    <a:lvl9pPr marL="3657600" algn="l" defTabSz="457200" rtl="0" eaLnBrk="1" latinLnBrk="0" hangingPunct="1">
       <a:defRPr sz="1800" kern="1200">
         <a:solidFill>
           <a:schemeClr val="tx1"/>
@@ -117,6 +123,11 @@
       </a:defRPr>
     </a:lvl9pPr>
   </p:defaultTextStyle>
+  <p:extLst>
+    <p:ext uri="{EFAFB233-063F-42B5-8137-9DF3F51BA10A}">
+      <p15:sldGuideLst xmlns:p15="http://schemas.microsoft.com/office/powerpoint/2012/main"/>
+    </p:ext>
+  </p:extLst>
 </p:presentation>
 </file>
 
@@ -137,33 +148,59 @@
           <a:chExt cx="0" cy="0"/>
         </a:xfrm>
       </p:grpSpPr>
-      <p:sp>
-        <p:nvSpPr>
-          <p:cNvPr id="2" name="Title 1">
+      <p:pic>
+        <p:nvPicPr>
+          <p:cNvPr id="7" name="Picture 6" descr="Droplets-HD-Title-R1d.png"/>
+          <p:cNvPicPr>
+            <a:picLocks noChangeAspect="1"/>
+          </p:cNvPicPr>
+          <p:nvPr/>
+        </p:nvPicPr>
+        <p:blipFill>
+          <a:blip r:embed="rId2">
             <a:extLst>
-              <a:ext uri="{FF2B5EF4-FFF2-40B4-BE49-F238E27FC236}">
-                <a16:creationId xmlns:a16="http://schemas.microsoft.com/office/drawing/2014/main" id="{17784822-D9C7-312D-A487-69E535D2AC52}"/>
+              <a:ext uri="{28A0092B-C50C-407E-A947-70E740481C1C}">
+                <a14:useLocalDpi xmlns:a14="http://schemas.microsoft.com/office/drawing/2010/main" val="0"/>
               </a:ext>
             </a:extLst>
-          </p:cNvPr>
-          <p:cNvSpPr>
-            <a:spLocks noGrp="1"/>
-          </p:cNvSpPr>
-          <p:nvPr>
-            <p:ph type="ctrTitle"/>
-          </p:nvPr>
-        </p:nvSpPr>
+          </a:blip>
+          <a:stretch>
+            <a:fillRect/>
+          </a:stretch>
+        </p:blipFill>
         <p:spPr>
           <a:xfrm>
-            <a:off x="1524000" y="1122363"/>
-            <a:ext cx="9144000" cy="2387600"/>
+            <a:off x="0" y="0"/>
+            <a:ext cx="12192000" cy="6858000"/>
+          </a:xfrm>
+          <a:prstGeom prst="rect">
+            <a:avLst/>
+          </a:prstGeom>
+        </p:spPr>
+      </p:pic>
+      <p:sp>
+        <p:nvSpPr>
+          <p:cNvPr id="2" name="Title 1"/>
+          <p:cNvSpPr>
+            <a:spLocks noGrp="1"/>
+          </p:cNvSpPr>
+          <p:nvPr>
+            <p:ph type="ctrTitle"/>
+          </p:nvPr>
+        </p:nvSpPr>
+        <p:spPr>
+          <a:xfrm>
+            <a:off x="1751012" y="1300785"/>
+            <a:ext cx="8689976" cy="2509213"/>
           </a:xfrm>
         </p:spPr>
         <p:txBody>
-          <a:bodyPr anchor="b"/>
+          <a:bodyPr anchor="b">
+            <a:normAutofit/>
+          </a:bodyPr>
           <a:lstStyle>
             <a:lvl1pPr algn="ctr">
-              <a:defRPr sz="6000"/>
+              <a:defRPr sz="4800"/>
             </a:lvl1pPr>
           </a:lstStyle>
           <a:p>
@@ -171,19 +208,13 @@
               <a:rPr lang="en-US"/>
               <a:t>Click to edit Master title style</a:t>
             </a:r>
-            <a:endParaRPr lang="en-GB"/>
-          </a:p>
-        </p:txBody>
-      </p:sp>
-      <p:sp>
-        <p:nvSpPr>
-          <p:cNvPr id="3" name="Subtitle 2">
-            <a:extLst>
-              <a:ext uri="{FF2B5EF4-FFF2-40B4-BE49-F238E27FC236}">
-                <a16:creationId xmlns:a16="http://schemas.microsoft.com/office/drawing/2014/main" id="{C79A40DA-CF26-63C3-111D-FF39DB5852CC}"/>
-              </a:ext>
-            </a:extLst>
-          </p:cNvPr>
+            <a:endParaRPr lang="en-US" dirty="0"/>
+          </a:p>
+        </p:txBody>
+      </p:sp>
+      <p:sp>
+        <p:nvSpPr>
+          <p:cNvPr id="3" name="Subtitle 2"/>
           <p:cNvSpPr>
             <a:spLocks noGrp="1"/>
           </p:cNvSpPr>
@@ -193,16 +224,24 @@
         </p:nvSpPr>
         <p:spPr>
           <a:xfrm>
-            <a:off x="1524000" y="3602038"/>
-            <a:ext cx="9144000" cy="1655762"/>
+            <a:off x="1751012" y="3886200"/>
+            <a:ext cx="8689976" cy="1371599"/>
           </a:xfrm>
         </p:spPr>
         <p:txBody>
-          <a:bodyPr/>
+          <a:bodyPr>
+            <a:normAutofit/>
+          </a:bodyPr>
           <a:lstStyle>
             <a:lvl1pPr marL="0" indent="0" algn="ctr">
               <a:buNone/>
-              <a:defRPr sz="2400"/>
+              <a:defRPr sz="2200">
+                <a:solidFill>
+                  <a:schemeClr val="bg1">
+                    <a:lumMod val="50000"/>
+                  </a:schemeClr>
+                </a:solidFill>
+              </a:defRPr>
             </a:lvl1pPr>
             <a:lvl2pPr marL="457200" indent="0" algn="ctr">
               <a:buNone/>
@@ -242,19 +281,13 @@
               <a:rPr lang="en-US"/>
               <a:t>Click to edit Master subtitle style</a:t>
             </a:r>
-            <a:endParaRPr lang="en-GB"/>
-          </a:p>
-        </p:txBody>
-      </p:sp>
-      <p:sp>
-        <p:nvSpPr>
-          <p:cNvPr id="4" name="Date Placeholder 3">
-            <a:extLst>
-              <a:ext uri="{FF2B5EF4-FFF2-40B4-BE49-F238E27FC236}">
-                <a16:creationId xmlns:a16="http://schemas.microsoft.com/office/drawing/2014/main" id="{0A0C2C93-98E5-F06A-F7A4-348473934AEC}"/>
-              </a:ext>
-            </a:extLst>
-          </p:cNvPr>
+            <a:endParaRPr lang="en-US" dirty="0"/>
+          </a:p>
+        </p:txBody>
+      </p:sp>
+      <p:sp>
+        <p:nvSpPr>
+          <p:cNvPr id="4" name="Date Placeholder 3"/>
           <p:cNvSpPr>
             <a:spLocks noGrp="1"/>
           </p:cNvSpPr>
@@ -269,7 +302,7 @@
           <a:p>
             <a:fld id="{B7122F82-5FE7-4748-9719-10DEE637913C}" type="datetimeFigureOut">
               <a:rPr lang="en-GB" smtClean="0"/>
-              <a:t>01/12/2022</a:t>
+              <a:t>02/12/2022</a:t>
             </a:fld>
             <a:endParaRPr lang="en-GB"/>
           </a:p>
@@ -277,13 +310,7 @@
       </p:sp>
       <p:sp>
         <p:nvSpPr>
-          <p:cNvPr id="5" name="Footer Placeholder 4">
-            <a:extLst>
-              <a:ext uri="{FF2B5EF4-FFF2-40B4-BE49-F238E27FC236}">
-                <a16:creationId xmlns:a16="http://schemas.microsoft.com/office/drawing/2014/main" id="{D90F9529-91E9-0D0C-22DB-741989D94EEC}"/>
-              </a:ext>
-            </a:extLst>
-          </p:cNvPr>
+          <p:cNvPr id="5" name="Footer Placeholder 4"/>
           <p:cNvSpPr>
             <a:spLocks noGrp="1"/>
           </p:cNvSpPr>
@@ -302,13 +329,7 @@
       </p:sp>
       <p:sp>
         <p:nvSpPr>
-          <p:cNvPr id="6" name="Slide Number Placeholder 5">
-            <a:extLst>
-              <a:ext uri="{FF2B5EF4-FFF2-40B4-BE49-F238E27FC236}">
-                <a16:creationId xmlns:a16="http://schemas.microsoft.com/office/drawing/2014/main" id="{9D6AB7B0-44B6-AA44-BCD7-BECDFBC2104E}"/>
-              </a:ext>
-            </a:extLst>
-          </p:cNvPr>
+          <p:cNvPr id="6" name="Slide Number Placeholder 5"/>
           <p:cNvSpPr>
             <a:spLocks noGrp="1"/>
           </p:cNvSpPr>
@@ -332,7 +353,7 @@
     </p:spTree>
     <p:extLst>
       <p:ext uri="{BB962C8B-B14F-4D97-AF65-F5344CB8AC3E}">
-        <p14:creationId xmlns:p14="http://schemas.microsoft.com/office/powerpoint/2010/main" val="3488852428"/>
+        <p14:creationId xmlns:p14="http://schemas.microsoft.com/office/powerpoint/2010/main" val="3655381041"/>
       </p:ext>
     </p:extLst>
   </p:cSld>
@@ -343,6 +364,2713 @@
 </file>
 
 <file path=ppt/slideLayouts/slideLayout10.xml><?xml version="1.0" encoding="utf-8"?>
+<p:sldLayout xmlns:a="http://schemas.openxmlformats.org/drawingml/2006/main" xmlns:r="http://schemas.openxmlformats.org/officeDocument/2006/relationships" xmlns:p="http://schemas.openxmlformats.org/presentationml/2006/main" preserve="1">
+  <p:cSld name="Panoramic Picture with Caption">
+    <p:spTree>
+      <p:nvGrpSpPr>
+        <p:cNvPr id="1" name=""/>
+        <p:cNvGrpSpPr/>
+        <p:nvPr/>
+      </p:nvGrpSpPr>
+      <p:grpSpPr>
+        <a:xfrm>
+          <a:off x="0" y="0"/>
+          <a:ext cx="0" cy="0"/>
+          <a:chOff x="0" y="0"/>
+          <a:chExt cx="0" cy="0"/>
+        </a:xfrm>
+      </p:grpSpPr>
+      <p:pic>
+        <p:nvPicPr>
+          <p:cNvPr id="10" name="Picture 9" descr="Droplets-HD-Content-R1d.png"/>
+          <p:cNvPicPr>
+            <a:picLocks noChangeAspect="1"/>
+          </p:cNvPicPr>
+          <p:nvPr/>
+        </p:nvPicPr>
+        <p:blipFill>
+          <a:blip r:embed="rId2">
+            <a:extLst>
+              <a:ext uri="{28A0092B-C50C-407E-A947-70E740481C1C}">
+                <a14:useLocalDpi xmlns:a14="http://schemas.microsoft.com/office/drawing/2010/main" val="0"/>
+              </a:ext>
+            </a:extLst>
+          </a:blip>
+          <a:stretch>
+            <a:fillRect/>
+          </a:stretch>
+        </p:blipFill>
+        <p:spPr>
+          <a:xfrm>
+            <a:off x="0" y="0"/>
+            <a:ext cx="12192000" cy="6858000"/>
+          </a:xfrm>
+          <a:prstGeom prst="rect">
+            <a:avLst/>
+          </a:prstGeom>
+        </p:spPr>
+      </p:pic>
+      <p:sp>
+        <p:nvSpPr>
+          <p:cNvPr id="2" name="Title 1"/>
+          <p:cNvSpPr>
+            <a:spLocks noGrp="1"/>
+          </p:cNvSpPr>
+          <p:nvPr>
+            <p:ph type="title"/>
+          </p:nvPr>
+        </p:nvSpPr>
+        <p:spPr>
+          <a:xfrm>
+            <a:off x="913794" y="4289374"/>
+            <a:ext cx="10364432" cy="811610"/>
+          </a:xfrm>
+        </p:spPr>
+        <p:txBody>
+          <a:bodyPr anchor="b"/>
+          <a:lstStyle>
+            <a:lvl1pPr>
+              <a:defRPr sz="3200"/>
+            </a:lvl1pPr>
+          </a:lstStyle>
+          <a:p>
+            <a:r>
+              <a:rPr lang="en-US"/>
+              <a:t>Click to edit Master title style</a:t>
+            </a:r>
+            <a:endParaRPr lang="en-US" dirty="0"/>
+          </a:p>
+        </p:txBody>
+      </p:sp>
+      <p:sp>
+        <p:nvSpPr>
+          <p:cNvPr id="3" name="Picture Placeholder 2"/>
+          <p:cNvSpPr>
+            <a:spLocks noGrp="1" noChangeAspect="1"/>
+          </p:cNvSpPr>
+          <p:nvPr>
+            <p:ph type="pic" idx="1"/>
+          </p:nvPr>
+        </p:nvSpPr>
+        <p:spPr>
+          <a:xfrm>
+            <a:off x="1184744" y="698261"/>
+            <a:ext cx="9822532" cy="3214136"/>
+          </a:xfrm>
+          <a:prstGeom prst="roundRect">
+            <a:avLst>
+              <a:gd name="adj" fmla="val 4944"/>
+            </a:avLst>
+          </a:prstGeom>
+          <a:noFill/>
+          <a:ln w="82550" cap="sq">
+            <a:solidFill>
+              <a:srgbClr val="EAEAEA"/>
+            </a:solidFill>
+            <a:miter lim="800000"/>
+          </a:ln>
+          <a:effectLst/>
+          <a:scene3d>
+            <a:camera prst="orthographicFront"/>
+            <a:lightRig rig="threePt" dir="t">
+              <a:rot lat="0" lon="0" rev="2700000"/>
+            </a:lightRig>
+          </a:scene3d>
+          <a:sp3d contourW="6350">
+            <a:bevelT h="38100"/>
+            <a:contourClr>
+              <a:srgbClr val="C0C0C0"/>
+            </a:contourClr>
+          </a:sp3d>
+        </p:spPr>
+        <p:txBody>
+          <a:bodyPr anchor="t"/>
+          <a:lstStyle>
+            <a:lvl1pPr marL="0" indent="0" algn="ctr">
+              <a:buNone/>
+              <a:defRPr sz="3200"/>
+            </a:lvl1pPr>
+            <a:lvl2pPr marL="457200" indent="0">
+              <a:buNone/>
+              <a:defRPr sz="2800"/>
+            </a:lvl2pPr>
+            <a:lvl3pPr marL="914400" indent="0">
+              <a:buNone/>
+              <a:defRPr sz="2400"/>
+            </a:lvl3pPr>
+            <a:lvl4pPr marL="1371600" indent="0">
+              <a:buNone/>
+              <a:defRPr sz="2000"/>
+            </a:lvl4pPr>
+            <a:lvl5pPr marL="1828800" indent="0">
+              <a:buNone/>
+              <a:defRPr sz="2000"/>
+            </a:lvl5pPr>
+            <a:lvl6pPr marL="2286000" indent="0">
+              <a:buNone/>
+              <a:defRPr sz="2000"/>
+            </a:lvl6pPr>
+            <a:lvl7pPr marL="2743200" indent="0">
+              <a:buNone/>
+              <a:defRPr sz="2000"/>
+            </a:lvl7pPr>
+            <a:lvl8pPr marL="3200400" indent="0">
+              <a:buNone/>
+              <a:defRPr sz="2000"/>
+            </a:lvl8pPr>
+            <a:lvl9pPr marL="3657600" indent="0">
+              <a:buNone/>
+              <a:defRPr sz="2000"/>
+            </a:lvl9pPr>
+          </a:lstStyle>
+          <a:p>
+            <a:r>
+              <a:rPr lang="en-US"/>
+              <a:t>Click icon to add picture</a:t>
+            </a:r>
+            <a:endParaRPr lang="en-US" dirty="0"/>
+          </a:p>
+        </p:txBody>
+      </p:sp>
+      <p:sp>
+        <p:nvSpPr>
+          <p:cNvPr id="4" name="Text Placeholder 3"/>
+          <p:cNvSpPr>
+            <a:spLocks noGrp="1"/>
+          </p:cNvSpPr>
+          <p:nvPr>
+            <p:ph type="body" sz="half" idx="2"/>
+          </p:nvPr>
+        </p:nvSpPr>
+        <p:spPr>
+          <a:xfrm>
+            <a:off x="913774" y="5108728"/>
+            <a:ext cx="10364452" cy="682472"/>
+          </a:xfrm>
+        </p:spPr>
+        <p:txBody>
+          <a:bodyPr/>
+          <a:lstStyle>
+            <a:lvl1pPr marL="0" indent="0" algn="ctr">
+              <a:buNone/>
+              <a:defRPr sz="1600"/>
+            </a:lvl1pPr>
+            <a:lvl2pPr marL="457200" indent="0">
+              <a:buNone/>
+              <a:defRPr sz="1400"/>
+            </a:lvl2pPr>
+            <a:lvl3pPr marL="914400" indent="0">
+              <a:buNone/>
+              <a:defRPr sz="1200"/>
+            </a:lvl3pPr>
+            <a:lvl4pPr marL="1371600" indent="0">
+              <a:buNone/>
+              <a:defRPr sz="1000"/>
+            </a:lvl4pPr>
+            <a:lvl5pPr marL="1828800" indent="0">
+              <a:buNone/>
+              <a:defRPr sz="1000"/>
+            </a:lvl5pPr>
+            <a:lvl6pPr marL="2286000" indent="0">
+              <a:buNone/>
+              <a:defRPr sz="1000"/>
+            </a:lvl6pPr>
+            <a:lvl7pPr marL="2743200" indent="0">
+              <a:buNone/>
+              <a:defRPr sz="1000"/>
+            </a:lvl7pPr>
+            <a:lvl8pPr marL="3200400" indent="0">
+              <a:buNone/>
+              <a:defRPr sz="1000"/>
+            </a:lvl8pPr>
+            <a:lvl9pPr marL="3657600" indent="0">
+              <a:buNone/>
+              <a:defRPr sz="1000"/>
+            </a:lvl9pPr>
+          </a:lstStyle>
+          <a:p>
+            <a:pPr lvl="0"/>
+            <a:r>
+              <a:rPr lang="en-US"/>
+              <a:t>Click to edit Master text styles</a:t>
+            </a:r>
+          </a:p>
+        </p:txBody>
+      </p:sp>
+      <p:sp>
+        <p:nvSpPr>
+          <p:cNvPr id="5" name="Date Placeholder 4"/>
+          <p:cNvSpPr>
+            <a:spLocks noGrp="1"/>
+          </p:cNvSpPr>
+          <p:nvPr>
+            <p:ph type="dt" sz="half" idx="10"/>
+          </p:nvPr>
+        </p:nvSpPr>
+        <p:spPr/>
+        <p:txBody>
+          <a:bodyPr/>
+          <a:lstStyle/>
+          <a:p>
+            <a:fld id="{B7122F82-5FE7-4748-9719-10DEE637913C}" type="datetimeFigureOut">
+              <a:rPr lang="en-GB" smtClean="0"/>
+              <a:t>02/12/2022</a:t>
+            </a:fld>
+            <a:endParaRPr lang="en-GB"/>
+          </a:p>
+        </p:txBody>
+      </p:sp>
+      <p:sp>
+        <p:nvSpPr>
+          <p:cNvPr id="6" name="Footer Placeholder 5"/>
+          <p:cNvSpPr>
+            <a:spLocks noGrp="1"/>
+          </p:cNvSpPr>
+          <p:nvPr>
+            <p:ph type="ftr" sz="quarter" idx="11"/>
+          </p:nvPr>
+        </p:nvSpPr>
+        <p:spPr/>
+        <p:txBody>
+          <a:bodyPr/>
+          <a:lstStyle/>
+          <a:p>
+            <a:endParaRPr lang="en-GB"/>
+          </a:p>
+        </p:txBody>
+      </p:sp>
+      <p:sp>
+        <p:nvSpPr>
+          <p:cNvPr id="7" name="Slide Number Placeholder 6"/>
+          <p:cNvSpPr>
+            <a:spLocks noGrp="1"/>
+          </p:cNvSpPr>
+          <p:nvPr>
+            <p:ph type="sldNum" sz="quarter" idx="12"/>
+          </p:nvPr>
+        </p:nvSpPr>
+        <p:spPr/>
+        <p:txBody>
+          <a:bodyPr/>
+          <a:lstStyle/>
+          <a:p>
+            <a:fld id="{594B8F33-4579-4A5F-BBB3-651942039C70}" type="slidenum">
+              <a:rPr lang="en-GB" smtClean="0"/>
+              <a:t>‹#›</a:t>
+            </a:fld>
+            <a:endParaRPr lang="en-GB"/>
+          </a:p>
+        </p:txBody>
+      </p:sp>
+    </p:spTree>
+    <p:extLst>
+      <p:ext uri="{BB962C8B-B14F-4D97-AF65-F5344CB8AC3E}">
+        <p14:creationId xmlns:p14="http://schemas.microsoft.com/office/powerpoint/2010/main" val="2974013832"/>
+      </p:ext>
+    </p:extLst>
+  </p:cSld>
+  <p:clrMapOvr>
+    <a:masterClrMapping/>
+  </p:clrMapOvr>
+</p:sldLayout>
+</file>
+
+<file path=ppt/slideLayouts/slideLayout11.xml><?xml version="1.0" encoding="utf-8"?>
+<p:sldLayout xmlns:a="http://schemas.openxmlformats.org/drawingml/2006/main" xmlns:r="http://schemas.openxmlformats.org/officeDocument/2006/relationships" xmlns:p="http://schemas.openxmlformats.org/presentationml/2006/main" preserve="1">
+  <p:cSld name="Title and Caption">
+    <p:spTree>
+      <p:nvGrpSpPr>
+        <p:cNvPr id="1" name=""/>
+        <p:cNvGrpSpPr/>
+        <p:nvPr/>
+      </p:nvGrpSpPr>
+      <p:grpSpPr>
+        <a:xfrm>
+          <a:off x="0" y="0"/>
+          <a:ext cx="0" cy="0"/>
+          <a:chOff x="0" y="0"/>
+          <a:chExt cx="0" cy="0"/>
+        </a:xfrm>
+      </p:grpSpPr>
+      <p:pic>
+        <p:nvPicPr>
+          <p:cNvPr id="8" name="Picture 7" descr="Droplets-HD-Content-R1d.png"/>
+          <p:cNvPicPr>
+            <a:picLocks noChangeAspect="1"/>
+          </p:cNvPicPr>
+          <p:nvPr/>
+        </p:nvPicPr>
+        <p:blipFill>
+          <a:blip r:embed="rId2">
+            <a:extLst>
+              <a:ext uri="{28A0092B-C50C-407E-A947-70E740481C1C}">
+                <a14:useLocalDpi xmlns:a14="http://schemas.microsoft.com/office/drawing/2010/main" val="0"/>
+              </a:ext>
+            </a:extLst>
+          </a:blip>
+          <a:stretch>
+            <a:fillRect/>
+          </a:stretch>
+        </p:blipFill>
+        <p:spPr>
+          <a:xfrm>
+            <a:off x="0" y="0"/>
+            <a:ext cx="12192000" cy="6858000"/>
+          </a:xfrm>
+          <a:prstGeom prst="rect">
+            <a:avLst/>
+          </a:prstGeom>
+        </p:spPr>
+      </p:pic>
+      <p:sp>
+        <p:nvSpPr>
+          <p:cNvPr id="2" name="Title 1"/>
+          <p:cNvSpPr>
+            <a:spLocks noGrp="1"/>
+          </p:cNvSpPr>
+          <p:nvPr>
+            <p:ph type="title"/>
+          </p:nvPr>
+        </p:nvSpPr>
+        <p:spPr>
+          <a:xfrm>
+            <a:off x="913774" y="609599"/>
+            <a:ext cx="10364452" cy="3427245"/>
+          </a:xfrm>
+        </p:spPr>
+        <p:txBody>
+          <a:bodyPr anchor="ctr"/>
+          <a:lstStyle>
+            <a:lvl1pPr algn="ctr">
+              <a:defRPr sz="3200"/>
+            </a:lvl1pPr>
+          </a:lstStyle>
+          <a:p>
+            <a:r>
+              <a:rPr lang="en-US"/>
+              <a:t>Click to edit Master title style</a:t>
+            </a:r>
+            <a:endParaRPr lang="en-US" dirty="0"/>
+          </a:p>
+        </p:txBody>
+      </p:sp>
+      <p:sp>
+        <p:nvSpPr>
+          <p:cNvPr id="4" name="Text Placeholder 3"/>
+          <p:cNvSpPr>
+            <a:spLocks noGrp="1"/>
+          </p:cNvSpPr>
+          <p:nvPr>
+            <p:ph type="body" sz="half" idx="2"/>
+          </p:nvPr>
+        </p:nvSpPr>
+        <p:spPr>
+          <a:xfrm>
+            <a:off x="913775" y="4204821"/>
+            <a:ext cx="10364452" cy="1586380"/>
+          </a:xfrm>
+        </p:spPr>
+        <p:txBody>
+          <a:bodyPr anchor="ctr"/>
+          <a:lstStyle>
+            <a:lvl1pPr marL="0" indent="0" algn="ctr">
+              <a:buNone/>
+              <a:defRPr sz="1600"/>
+            </a:lvl1pPr>
+            <a:lvl2pPr marL="457200" indent="0">
+              <a:buNone/>
+              <a:defRPr sz="1400"/>
+            </a:lvl2pPr>
+            <a:lvl3pPr marL="914400" indent="0">
+              <a:buNone/>
+              <a:defRPr sz="1200"/>
+            </a:lvl3pPr>
+            <a:lvl4pPr marL="1371600" indent="0">
+              <a:buNone/>
+              <a:defRPr sz="1000"/>
+            </a:lvl4pPr>
+            <a:lvl5pPr marL="1828800" indent="0">
+              <a:buNone/>
+              <a:defRPr sz="1000"/>
+            </a:lvl5pPr>
+            <a:lvl6pPr marL="2286000" indent="0">
+              <a:buNone/>
+              <a:defRPr sz="1000"/>
+            </a:lvl6pPr>
+            <a:lvl7pPr marL="2743200" indent="0">
+              <a:buNone/>
+              <a:defRPr sz="1000"/>
+            </a:lvl7pPr>
+            <a:lvl8pPr marL="3200400" indent="0">
+              <a:buNone/>
+              <a:defRPr sz="1000"/>
+            </a:lvl8pPr>
+            <a:lvl9pPr marL="3657600" indent="0">
+              <a:buNone/>
+              <a:defRPr sz="1000"/>
+            </a:lvl9pPr>
+          </a:lstStyle>
+          <a:p>
+            <a:pPr lvl="0"/>
+            <a:r>
+              <a:rPr lang="en-US"/>
+              <a:t>Click to edit Master text styles</a:t>
+            </a:r>
+          </a:p>
+        </p:txBody>
+      </p:sp>
+      <p:sp>
+        <p:nvSpPr>
+          <p:cNvPr id="5" name="Date Placeholder 4"/>
+          <p:cNvSpPr>
+            <a:spLocks noGrp="1"/>
+          </p:cNvSpPr>
+          <p:nvPr>
+            <p:ph type="dt" sz="half" idx="10"/>
+          </p:nvPr>
+        </p:nvSpPr>
+        <p:spPr/>
+        <p:txBody>
+          <a:bodyPr/>
+          <a:lstStyle/>
+          <a:p>
+            <a:fld id="{B7122F82-5FE7-4748-9719-10DEE637913C}" type="datetimeFigureOut">
+              <a:rPr lang="en-GB" smtClean="0"/>
+              <a:t>02/12/2022</a:t>
+            </a:fld>
+            <a:endParaRPr lang="en-GB"/>
+          </a:p>
+        </p:txBody>
+      </p:sp>
+      <p:sp>
+        <p:nvSpPr>
+          <p:cNvPr id="6" name="Footer Placeholder 5"/>
+          <p:cNvSpPr>
+            <a:spLocks noGrp="1"/>
+          </p:cNvSpPr>
+          <p:nvPr>
+            <p:ph type="ftr" sz="quarter" idx="11"/>
+          </p:nvPr>
+        </p:nvSpPr>
+        <p:spPr/>
+        <p:txBody>
+          <a:bodyPr/>
+          <a:lstStyle/>
+          <a:p>
+            <a:endParaRPr lang="en-GB"/>
+          </a:p>
+        </p:txBody>
+      </p:sp>
+      <p:sp>
+        <p:nvSpPr>
+          <p:cNvPr id="7" name="Slide Number Placeholder 6"/>
+          <p:cNvSpPr>
+            <a:spLocks noGrp="1"/>
+          </p:cNvSpPr>
+          <p:nvPr>
+            <p:ph type="sldNum" sz="quarter" idx="12"/>
+          </p:nvPr>
+        </p:nvSpPr>
+        <p:spPr/>
+        <p:txBody>
+          <a:bodyPr/>
+          <a:lstStyle/>
+          <a:p>
+            <a:fld id="{594B8F33-4579-4A5F-BBB3-651942039C70}" type="slidenum">
+              <a:rPr lang="en-GB" smtClean="0"/>
+              <a:t>‹#›</a:t>
+            </a:fld>
+            <a:endParaRPr lang="en-GB"/>
+          </a:p>
+        </p:txBody>
+      </p:sp>
+    </p:spTree>
+    <p:extLst>
+      <p:ext uri="{BB962C8B-B14F-4D97-AF65-F5344CB8AC3E}">
+        <p14:creationId xmlns:p14="http://schemas.microsoft.com/office/powerpoint/2010/main" val="1449961447"/>
+      </p:ext>
+    </p:extLst>
+  </p:cSld>
+  <p:clrMapOvr>
+    <a:masterClrMapping/>
+  </p:clrMapOvr>
+</p:sldLayout>
+</file>
+
+<file path=ppt/slideLayouts/slideLayout12.xml><?xml version="1.0" encoding="utf-8"?>
+<p:sldLayout xmlns:a="http://schemas.openxmlformats.org/drawingml/2006/main" xmlns:r="http://schemas.openxmlformats.org/officeDocument/2006/relationships" xmlns:p="http://schemas.openxmlformats.org/presentationml/2006/main" preserve="1">
+  <p:cSld name="Quote with Caption">
+    <p:spTree>
+      <p:nvGrpSpPr>
+        <p:cNvPr id="1" name=""/>
+        <p:cNvGrpSpPr/>
+        <p:nvPr/>
+      </p:nvGrpSpPr>
+      <p:grpSpPr>
+        <a:xfrm>
+          <a:off x="0" y="0"/>
+          <a:ext cx="0" cy="0"/>
+          <a:chOff x="0" y="0"/>
+          <a:chExt cx="0" cy="0"/>
+        </a:xfrm>
+      </p:grpSpPr>
+      <p:pic>
+        <p:nvPicPr>
+          <p:cNvPr id="11" name="Picture 10" descr="Droplets-HD-Content-R1d.png"/>
+          <p:cNvPicPr>
+            <a:picLocks noChangeAspect="1"/>
+          </p:cNvPicPr>
+          <p:nvPr/>
+        </p:nvPicPr>
+        <p:blipFill>
+          <a:blip r:embed="rId2">
+            <a:extLst>
+              <a:ext uri="{28A0092B-C50C-407E-A947-70E740481C1C}">
+                <a14:useLocalDpi xmlns:a14="http://schemas.microsoft.com/office/drawing/2010/main" val="0"/>
+              </a:ext>
+            </a:extLst>
+          </a:blip>
+          <a:stretch>
+            <a:fillRect/>
+          </a:stretch>
+        </p:blipFill>
+        <p:spPr>
+          <a:xfrm>
+            <a:off x="0" y="0"/>
+            <a:ext cx="12192000" cy="6858000"/>
+          </a:xfrm>
+          <a:prstGeom prst="rect">
+            <a:avLst/>
+          </a:prstGeom>
+        </p:spPr>
+      </p:pic>
+      <p:sp>
+        <p:nvSpPr>
+          <p:cNvPr id="2" name="Title 1"/>
+          <p:cNvSpPr>
+            <a:spLocks noGrp="1"/>
+          </p:cNvSpPr>
+          <p:nvPr>
+            <p:ph type="title"/>
+          </p:nvPr>
+        </p:nvSpPr>
+        <p:spPr>
+          <a:xfrm>
+            <a:off x="1446212" y="609600"/>
+            <a:ext cx="9302752" cy="2992904"/>
+          </a:xfrm>
+        </p:spPr>
+        <p:txBody>
+          <a:bodyPr anchor="ctr"/>
+          <a:lstStyle>
+            <a:lvl1pPr>
+              <a:defRPr sz="3200"/>
+            </a:lvl1pPr>
+          </a:lstStyle>
+          <a:p>
+            <a:r>
+              <a:rPr lang="en-US"/>
+              <a:t>Click to edit Master title style</a:t>
+            </a:r>
+            <a:endParaRPr lang="en-US" dirty="0"/>
+          </a:p>
+        </p:txBody>
+      </p:sp>
+      <p:sp>
+        <p:nvSpPr>
+          <p:cNvPr id="12" name="Text Placeholder 3"/>
+          <p:cNvSpPr>
+            <a:spLocks noGrp="1"/>
+          </p:cNvSpPr>
+          <p:nvPr>
+            <p:ph type="body" sz="half" idx="13"/>
+          </p:nvPr>
+        </p:nvSpPr>
+        <p:spPr>
+          <a:xfrm>
+            <a:off x="1720644" y="3610032"/>
+            <a:ext cx="8752299" cy="594788"/>
+          </a:xfrm>
+        </p:spPr>
+        <p:txBody>
+          <a:bodyPr anchor="t">
+            <a:normAutofit/>
+          </a:bodyPr>
+          <a:lstStyle>
+            <a:lvl1pPr marL="0" indent="0">
+              <a:buNone/>
+              <a:defRPr sz="1400"/>
+            </a:lvl1pPr>
+            <a:lvl2pPr marL="457200" indent="0">
+              <a:buNone/>
+              <a:defRPr sz="1400"/>
+            </a:lvl2pPr>
+            <a:lvl3pPr marL="914400" indent="0">
+              <a:buNone/>
+              <a:defRPr sz="1200"/>
+            </a:lvl3pPr>
+            <a:lvl4pPr marL="1371600" indent="0">
+              <a:buNone/>
+              <a:defRPr sz="1000"/>
+            </a:lvl4pPr>
+            <a:lvl5pPr marL="1828800" indent="0">
+              <a:buNone/>
+              <a:defRPr sz="1000"/>
+            </a:lvl5pPr>
+            <a:lvl6pPr marL="2286000" indent="0">
+              <a:buNone/>
+              <a:defRPr sz="1000"/>
+            </a:lvl6pPr>
+            <a:lvl7pPr marL="2743200" indent="0">
+              <a:buNone/>
+              <a:defRPr sz="1000"/>
+            </a:lvl7pPr>
+            <a:lvl8pPr marL="3200400" indent="0">
+              <a:buNone/>
+              <a:defRPr sz="1000"/>
+            </a:lvl8pPr>
+            <a:lvl9pPr marL="3657600" indent="0">
+              <a:buNone/>
+              <a:defRPr sz="1000"/>
+            </a:lvl9pPr>
+          </a:lstStyle>
+          <a:p>
+            <a:pPr lvl="0"/>
+            <a:r>
+              <a:rPr lang="en-US"/>
+              <a:t>Click to edit Master text styles</a:t>
+            </a:r>
+          </a:p>
+        </p:txBody>
+      </p:sp>
+      <p:sp>
+        <p:nvSpPr>
+          <p:cNvPr id="4" name="Text Placeholder 3"/>
+          <p:cNvSpPr>
+            <a:spLocks noGrp="1"/>
+          </p:cNvSpPr>
+          <p:nvPr>
+            <p:ph type="body" sz="half" idx="2"/>
+          </p:nvPr>
+        </p:nvSpPr>
+        <p:spPr>
+          <a:xfrm>
+            <a:off x="913774" y="4372796"/>
+            <a:ext cx="10364452" cy="1421053"/>
+          </a:xfrm>
+        </p:spPr>
+        <p:txBody>
+          <a:bodyPr anchor="ctr">
+            <a:normAutofit/>
+          </a:bodyPr>
+          <a:lstStyle>
+            <a:lvl1pPr marL="0" indent="0" algn="ctr">
+              <a:buNone/>
+              <a:defRPr sz="1600"/>
+            </a:lvl1pPr>
+            <a:lvl2pPr marL="457200" indent="0">
+              <a:buNone/>
+              <a:defRPr sz="1400"/>
+            </a:lvl2pPr>
+            <a:lvl3pPr marL="914400" indent="0">
+              <a:buNone/>
+              <a:defRPr sz="1200"/>
+            </a:lvl3pPr>
+            <a:lvl4pPr marL="1371600" indent="0">
+              <a:buNone/>
+              <a:defRPr sz="1000"/>
+            </a:lvl4pPr>
+            <a:lvl5pPr marL="1828800" indent="0">
+              <a:buNone/>
+              <a:defRPr sz="1000"/>
+            </a:lvl5pPr>
+            <a:lvl6pPr marL="2286000" indent="0">
+              <a:buNone/>
+              <a:defRPr sz="1000"/>
+            </a:lvl6pPr>
+            <a:lvl7pPr marL="2743200" indent="0">
+              <a:buNone/>
+              <a:defRPr sz="1000"/>
+            </a:lvl7pPr>
+            <a:lvl8pPr marL="3200400" indent="0">
+              <a:buNone/>
+              <a:defRPr sz="1000"/>
+            </a:lvl8pPr>
+            <a:lvl9pPr marL="3657600" indent="0">
+              <a:buNone/>
+              <a:defRPr sz="1000"/>
+            </a:lvl9pPr>
+          </a:lstStyle>
+          <a:p>
+            <a:pPr lvl="0"/>
+            <a:r>
+              <a:rPr lang="en-US"/>
+              <a:t>Click to edit Master text styles</a:t>
+            </a:r>
+          </a:p>
+        </p:txBody>
+      </p:sp>
+      <p:sp>
+        <p:nvSpPr>
+          <p:cNvPr id="5" name="Date Placeholder 4"/>
+          <p:cNvSpPr>
+            <a:spLocks noGrp="1"/>
+          </p:cNvSpPr>
+          <p:nvPr>
+            <p:ph type="dt" sz="half" idx="10"/>
+          </p:nvPr>
+        </p:nvSpPr>
+        <p:spPr/>
+        <p:txBody>
+          <a:bodyPr/>
+          <a:lstStyle/>
+          <a:p>
+            <a:fld id="{B7122F82-5FE7-4748-9719-10DEE637913C}" type="datetimeFigureOut">
+              <a:rPr lang="en-GB" smtClean="0"/>
+              <a:t>02/12/2022</a:t>
+            </a:fld>
+            <a:endParaRPr lang="en-GB"/>
+          </a:p>
+        </p:txBody>
+      </p:sp>
+      <p:sp>
+        <p:nvSpPr>
+          <p:cNvPr id="6" name="Footer Placeholder 5"/>
+          <p:cNvSpPr>
+            <a:spLocks noGrp="1"/>
+          </p:cNvSpPr>
+          <p:nvPr>
+            <p:ph type="ftr" sz="quarter" idx="11"/>
+          </p:nvPr>
+        </p:nvSpPr>
+        <p:spPr/>
+        <p:txBody>
+          <a:bodyPr/>
+          <a:lstStyle/>
+          <a:p>
+            <a:endParaRPr lang="en-GB"/>
+          </a:p>
+        </p:txBody>
+      </p:sp>
+      <p:sp>
+        <p:nvSpPr>
+          <p:cNvPr id="7" name="Slide Number Placeholder 6"/>
+          <p:cNvSpPr>
+            <a:spLocks noGrp="1"/>
+          </p:cNvSpPr>
+          <p:nvPr>
+            <p:ph type="sldNum" sz="quarter" idx="12"/>
+          </p:nvPr>
+        </p:nvSpPr>
+        <p:spPr/>
+        <p:txBody>
+          <a:bodyPr/>
+          <a:lstStyle/>
+          <a:p>
+            <a:fld id="{594B8F33-4579-4A5F-BBB3-651942039C70}" type="slidenum">
+              <a:rPr lang="en-GB" smtClean="0"/>
+              <a:t>‹#›</a:t>
+            </a:fld>
+            <a:endParaRPr lang="en-GB"/>
+          </a:p>
+        </p:txBody>
+      </p:sp>
+      <p:sp>
+        <p:nvSpPr>
+          <p:cNvPr id="13" name="TextBox 12"/>
+          <p:cNvSpPr txBox="1"/>
+          <p:nvPr/>
+        </p:nvSpPr>
+        <p:spPr>
+          <a:xfrm>
+            <a:off x="1001488" y="754166"/>
+            <a:ext cx="609600" cy="584776"/>
+          </a:xfrm>
+          <a:prstGeom prst="rect">
+            <a:avLst/>
+          </a:prstGeom>
+        </p:spPr>
+        <p:txBody>
+          <a:bodyPr vert="horz" lIns="91440" tIns="45720" rIns="91440" bIns="45720" rtlCol="0" anchor="ctr">
+            <a:noAutofit/>
+          </a:bodyPr>
+          <a:lstStyle>
+            <a:lvl1pPr>
+              <a:spcBef>
+                <a:spcPct val="0"/>
+              </a:spcBef>
+              <a:buNone/>
+              <a:defRPr sz="3200" b="0" cap="all">
+                <a:ln w="3175" cmpd="sng">
+                  <a:noFill/>
+                </a:ln>
+                <a:effectLst>
+                  <a:glow rad="38100">
+                    <a:schemeClr val="bg1">
+                      <a:lumMod val="65000"/>
+                      <a:lumOff val="35000"/>
+                      <a:alpha val="40000"/>
+                    </a:schemeClr>
+                  </a:glow>
+                  <a:outerShdw blurRad="28575" dist="38100" dir="14040000" algn="tl" rotWithShape="0">
+                    <a:srgbClr val="000000">
+                      <a:alpha val="25000"/>
+                    </a:srgbClr>
+                  </a:outerShdw>
+                </a:effectLst>
+              </a:defRPr>
+            </a:lvl1pPr>
+            <a:lvl2pPr>
+              <a:defRPr>
+                <a:solidFill>
+                  <a:schemeClr val="tx2"/>
+                </a:solidFill>
+              </a:defRPr>
+            </a:lvl2pPr>
+            <a:lvl3pPr>
+              <a:defRPr>
+                <a:solidFill>
+                  <a:schemeClr val="tx2"/>
+                </a:solidFill>
+              </a:defRPr>
+            </a:lvl3pPr>
+            <a:lvl4pPr>
+              <a:defRPr>
+                <a:solidFill>
+                  <a:schemeClr val="tx2"/>
+                </a:solidFill>
+              </a:defRPr>
+            </a:lvl4pPr>
+            <a:lvl5pPr>
+              <a:defRPr>
+                <a:solidFill>
+                  <a:schemeClr val="tx2"/>
+                </a:solidFill>
+              </a:defRPr>
+            </a:lvl5pPr>
+            <a:lvl6pPr>
+              <a:defRPr>
+                <a:solidFill>
+                  <a:schemeClr val="tx2"/>
+                </a:solidFill>
+              </a:defRPr>
+            </a:lvl6pPr>
+            <a:lvl7pPr>
+              <a:defRPr>
+                <a:solidFill>
+                  <a:schemeClr val="tx2"/>
+                </a:solidFill>
+              </a:defRPr>
+            </a:lvl7pPr>
+            <a:lvl8pPr>
+              <a:defRPr>
+                <a:solidFill>
+                  <a:schemeClr val="tx2"/>
+                </a:solidFill>
+              </a:defRPr>
+            </a:lvl8pPr>
+            <a:lvl9pPr>
+              <a:defRPr>
+                <a:solidFill>
+                  <a:schemeClr val="tx2"/>
+                </a:solidFill>
+              </a:defRPr>
+            </a:lvl9pPr>
+          </a:lstStyle>
+          <a:p>
+            <a:pPr lvl="0"/>
+            <a:r>
+              <a:rPr lang="en-US" sz="8000" dirty="0">
+                <a:solidFill>
+                  <a:schemeClr val="tx1"/>
+                </a:solidFill>
+                <a:effectLst/>
+              </a:rPr>
+              <a:t>“</a:t>
+            </a:r>
+          </a:p>
+        </p:txBody>
+      </p:sp>
+      <p:sp>
+        <p:nvSpPr>
+          <p:cNvPr id="14" name="TextBox 13"/>
+          <p:cNvSpPr txBox="1"/>
+          <p:nvPr/>
+        </p:nvSpPr>
+        <p:spPr>
+          <a:xfrm>
+            <a:off x="10557558" y="2993578"/>
+            <a:ext cx="609600" cy="584776"/>
+          </a:xfrm>
+          <a:prstGeom prst="rect">
+            <a:avLst/>
+          </a:prstGeom>
+        </p:spPr>
+        <p:txBody>
+          <a:bodyPr vert="horz" lIns="91440" tIns="45720" rIns="91440" bIns="45720" rtlCol="0" anchor="ctr">
+            <a:noAutofit/>
+          </a:bodyPr>
+          <a:lstStyle>
+            <a:lvl1pPr>
+              <a:spcBef>
+                <a:spcPct val="0"/>
+              </a:spcBef>
+              <a:buNone/>
+              <a:defRPr sz="3200" b="0" cap="all">
+                <a:ln w="3175" cmpd="sng">
+                  <a:noFill/>
+                </a:ln>
+                <a:effectLst>
+                  <a:glow rad="38100">
+                    <a:schemeClr val="bg1">
+                      <a:lumMod val="65000"/>
+                      <a:lumOff val="35000"/>
+                      <a:alpha val="40000"/>
+                    </a:schemeClr>
+                  </a:glow>
+                  <a:outerShdw blurRad="28575" dist="38100" dir="14040000" algn="tl" rotWithShape="0">
+                    <a:srgbClr val="000000">
+                      <a:alpha val="25000"/>
+                    </a:srgbClr>
+                  </a:outerShdw>
+                </a:effectLst>
+              </a:defRPr>
+            </a:lvl1pPr>
+            <a:lvl2pPr>
+              <a:defRPr>
+                <a:solidFill>
+                  <a:schemeClr val="tx2"/>
+                </a:solidFill>
+              </a:defRPr>
+            </a:lvl2pPr>
+            <a:lvl3pPr>
+              <a:defRPr>
+                <a:solidFill>
+                  <a:schemeClr val="tx2"/>
+                </a:solidFill>
+              </a:defRPr>
+            </a:lvl3pPr>
+            <a:lvl4pPr>
+              <a:defRPr>
+                <a:solidFill>
+                  <a:schemeClr val="tx2"/>
+                </a:solidFill>
+              </a:defRPr>
+            </a:lvl4pPr>
+            <a:lvl5pPr>
+              <a:defRPr>
+                <a:solidFill>
+                  <a:schemeClr val="tx2"/>
+                </a:solidFill>
+              </a:defRPr>
+            </a:lvl5pPr>
+            <a:lvl6pPr>
+              <a:defRPr>
+                <a:solidFill>
+                  <a:schemeClr val="tx2"/>
+                </a:solidFill>
+              </a:defRPr>
+            </a:lvl6pPr>
+            <a:lvl7pPr>
+              <a:defRPr>
+                <a:solidFill>
+                  <a:schemeClr val="tx2"/>
+                </a:solidFill>
+              </a:defRPr>
+            </a:lvl7pPr>
+            <a:lvl8pPr>
+              <a:defRPr>
+                <a:solidFill>
+                  <a:schemeClr val="tx2"/>
+                </a:solidFill>
+              </a:defRPr>
+            </a:lvl8pPr>
+            <a:lvl9pPr>
+              <a:defRPr>
+                <a:solidFill>
+                  <a:schemeClr val="tx2"/>
+                </a:solidFill>
+              </a:defRPr>
+            </a:lvl9pPr>
+          </a:lstStyle>
+          <a:p>
+            <a:pPr lvl="0" algn="r"/>
+            <a:r>
+              <a:rPr lang="en-US" sz="8000" dirty="0">
+                <a:solidFill>
+                  <a:schemeClr val="tx1"/>
+                </a:solidFill>
+                <a:effectLst/>
+              </a:rPr>
+              <a:t>”</a:t>
+            </a:r>
+          </a:p>
+        </p:txBody>
+      </p:sp>
+    </p:spTree>
+    <p:extLst>
+      <p:ext uri="{BB962C8B-B14F-4D97-AF65-F5344CB8AC3E}">
+        <p14:creationId xmlns:p14="http://schemas.microsoft.com/office/powerpoint/2010/main" val="235708386"/>
+      </p:ext>
+    </p:extLst>
+  </p:cSld>
+  <p:clrMapOvr>
+    <a:masterClrMapping/>
+  </p:clrMapOvr>
+</p:sldLayout>
+</file>
+
+<file path=ppt/slideLayouts/slideLayout13.xml><?xml version="1.0" encoding="utf-8"?>
+<p:sldLayout xmlns:a="http://schemas.openxmlformats.org/drawingml/2006/main" xmlns:r="http://schemas.openxmlformats.org/officeDocument/2006/relationships" xmlns:p="http://schemas.openxmlformats.org/presentationml/2006/main" preserve="1">
+  <p:cSld name="Name Card">
+    <p:spTree>
+      <p:nvGrpSpPr>
+        <p:cNvPr id="1" name=""/>
+        <p:cNvGrpSpPr/>
+        <p:nvPr/>
+      </p:nvGrpSpPr>
+      <p:grpSpPr>
+        <a:xfrm>
+          <a:off x="0" y="0"/>
+          <a:ext cx="0" cy="0"/>
+          <a:chOff x="0" y="0"/>
+          <a:chExt cx="0" cy="0"/>
+        </a:xfrm>
+      </p:grpSpPr>
+      <p:pic>
+        <p:nvPicPr>
+          <p:cNvPr id="8" name="Picture 7" descr="Droplets-HD-Content-R1d.png"/>
+          <p:cNvPicPr>
+            <a:picLocks noChangeAspect="1"/>
+          </p:cNvPicPr>
+          <p:nvPr/>
+        </p:nvPicPr>
+        <p:blipFill>
+          <a:blip r:embed="rId2">
+            <a:extLst>
+              <a:ext uri="{28A0092B-C50C-407E-A947-70E740481C1C}">
+                <a14:useLocalDpi xmlns:a14="http://schemas.microsoft.com/office/drawing/2010/main" val="0"/>
+              </a:ext>
+            </a:extLst>
+          </a:blip>
+          <a:stretch>
+            <a:fillRect/>
+          </a:stretch>
+        </p:blipFill>
+        <p:spPr>
+          <a:xfrm>
+            <a:off x="0" y="0"/>
+            <a:ext cx="12192000" cy="6858000"/>
+          </a:xfrm>
+          <a:prstGeom prst="rect">
+            <a:avLst/>
+          </a:prstGeom>
+        </p:spPr>
+      </p:pic>
+      <p:sp>
+        <p:nvSpPr>
+          <p:cNvPr id="2" name="Title 1"/>
+          <p:cNvSpPr>
+            <a:spLocks noGrp="1"/>
+          </p:cNvSpPr>
+          <p:nvPr>
+            <p:ph type="title"/>
+          </p:nvPr>
+        </p:nvSpPr>
+        <p:spPr>
+          <a:xfrm>
+            <a:off x="913775" y="2138721"/>
+            <a:ext cx="10364452" cy="2511835"/>
+          </a:xfrm>
+        </p:spPr>
+        <p:txBody>
+          <a:bodyPr anchor="b"/>
+          <a:lstStyle>
+            <a:lvl1pPr algn="ctr">
+              <a:defRPr sz="3200"/>
+            </a:lvl1pPr>
+          </a:lstStyle>
+          <a:p>
+            <a:r>
+              <a:rPr lang="en-US"/>
+              <a:t>Click to edit Master title style</a:t>
+            </a:r>
+            <a:endParaRPr lang="en-US" dirty="0"/>
+          </a:p>
+        </p:txBody>
+      </p:sp>
+      <p:sp>
+        <p:nvSpPr>
+          <p:cNvPr id="4" name="Text Placeholder 3"/>
+          <p:cNvSpPr>
+            <a:spLocks noGrp="1"/>
+          </p:cNvSpPr>
+          <p:nvPr>
+            <p:ph type="body" sz="half" idx="2"/>
+          </p:nvPr>
+        </p:nvSpPr>
+        <p:spPr>
+          <a:xfrm>
+            <a:off x="913775" y="4662335"/>
+            <a:ext cx="10364452" cy="1140644"/>
+          </a:xfrm>
+        </p:spPr>
+        <p:txBody>
+          <a:bodyPr anchor="t"/>
+          <a:lstStyle>
+            <a:lvl1pPr marL="0" indent="0" algn="ctr">
+              <a:buNone/>
+              <a:defRPr sz="1600"/>
+            </a:lvl1pPr>
+            <a:lvl2pPr marL="457200" indent="0">
+              <a:buNone/>
+              <a:defRPr sz="1400"/>
+            </a:lvl2pPr>
+            <a:lvl3pPr marL="914400" indent="0">
+              <a:buNone/>
+              <a:defRPr sz="1200"/>
+            </a:lvl3pPr>
+            <a:lvl4pPr marL="1371600" indent="0">
+              <a:buNone/>
+              <a:defRPr sz="1000"/>
+            </a:lvl4pPr>
+            <a:lvl5pPr marL="1828800" indent="0">
+              <a:buNone/>
+              <a:defRPr sz="1000"/>
+            </a:lvl5pPr>
+            <a:lvl6pPr marL="2286000" indent="0">
+              <a:buNone/>
+              <a:defRPr sz="1000"/>
+            </a:lvl6pPr>
+            <a:lvl7pPr marL="2743200" indent="0">
+              <a:buNone/>
+              <a:defRPr sz="1000"/>
+            </a:lvl7pPr>
+            <a:lvl8pPr marL="3200400" indent="0">
+              <a:buNone/>
+              <a:defRPr sz="1000"/>
+            </a:lvl8pPr>
+            <a:lvl9pPr marL="3657600" indent="0">
+              <a:buNone/>
+              <a:defRPr sz="1000"/>
+            </a:lvl9pPr>
+          </a:lstStyle>
+          <a:p>
+            <a:pPr lvl="0"/>
+            <a:r>
+              <a:rPr lang="en-US"/>
+              <a:t>Click to edit Master text styles</a:t>
+            </a:r>
+          </a:p>
+        </p:txBody>
+      </p:sp>
+      <p:sp>
+        <p:nvSpPr>
+          <p:cNvPr id="5" name="Date Placeholder 4"/>
+          <p:cNvSpPr>
+            <a:spLocks noGrp="1"/>
+          </p:cNvSpPr>
+          <p:nvPr>
+            <p:ph type="dt" sz="half" idx="10"/>
+          </p:nvPr>
+        </p:nvSpPr>
+        <p:spPr/>
+        <p:txBody>
+          <a:bodyPr/>
+          <a:lstStyle/>
+          <a:p>
+            <a:fld id="{B7122F82-5FE7-4748-9719-10DEE637913C}" type="datetimeFigureOut">
+              <a:rPr lang="en-GB" smtClean="0"/>
+              <a:t>02/12/2022</a:t>
+            </a:fld>
+            <a:endParaRPr lang="en-GB"/>
+          </a:p>
+        </p:txBody>
+      </p:sp>
+      <p:sp>
+        <p:nvSpPr>
+          <p:cNvPr id="6" name="Footer Placeholder 5"/>
+          <p:cNvSpPr>
+            <a:spLocks noGrp="1"/>
+          </p:cNvSpPr>
+          <p:nvPr>
+            <p:ph type="ftr" sz="quarter" idx="11"/>
+          </p:nvPr>
+        </p:nvSpPr>
+        <p:spPr/>
+        <p:txBody>
+          <a:bodyPr/>
+          <a:lstStyle/>
+          <a:p>
+            <a:endParaRPr lang="en-GB"/>
+          </a:p>
+        </p:txBody>
+      </p:sp>
+      <p:sp>
+        <p:nvSpPr>
+          <p:cNvPr id="7" name="Slide Number Placeholder 6"/>
+          <p:cNvSpPr>
+            <a:spLocks noGrp="1"/>
+          </p:cNvSpPr>
+          <p:nvPr>
+            <p:ph type="sldNum" sz="quarter" idx="12"/>
+          </p:nvPr>
+        </p:nvSpPr>
+        <p:spPr/>
+        <p:txBody>
+          <a:bodyPr/>
+          <a:lstStyle/>
+          <a:p>
+            <a:fld id="{594B8F33-4579-4A5F-BBB3-651942039C70}" type="slidenum">
+              <a:rPr lang="en-GB" smtClean="0"/>
+              <a:t>‹#›</a:t>
+            </a:fld>
+            <a:endParaRPr lang="en-GB"/>
+          </a:p>
+        </p:txBody>
+      </p:sp>
+    </p:spTree>
+    <p:extLst>
+      <p:ext uri="{BB962C8B-B14F-4D97-AF65-F5344CB8AC3E}">
+        <p14:creationId xmlns:p14="http://schemas.microsoft.com/office/powerpoint/2010/main" val="2795421498"/>
+      </p:ext>
+    </p:extLst>
+  </p:cSld>
+  <p:clrMapOvr>
+    <a:masterClrMapping/>
+  </p:clrMapOvr>
+</p:sldLayout>
+</file>
+
+<file path=ppt/slideLayouts/slideLayout14.xml><?xml version="1.0" encoding="utf-8"?>
+<p:sldLayout xmlns:a="http://schemas.openxmlformats.org/drawingml/2006/main" xmlns:r="http://schemas.openxmlformats.org/officeDocument/2006/relationships" xmlns:p="http://schemas.openxmlformats.org/presentationml/2006/main" preserve="1">
+  <p:cSld name="3 Column">
+    <p:spTree>
+      <p:nvGrpSpPr>
+        <p:cNvPr id="1" name=""/>
+        <p:cNvGrpSpPr/>
+        <p:nvPr/>
+      </p:nvGrpSpPr>
+      <p:grpSpPr>
+        <a:xfrm>
+          <a:off x="0" y="0"/>
+          <a:ext cx="0" cy="0"/>
+          <a:chOff x="0" y="0"/>
+          <a:chExt cx="0" cy="0"/>
+        </a:xfrm>
+      </p:grpSpPr>
+      <p:pic>
+        <p:nvPicPr>
+          <p:cNvPr id="13" name="Picture 12" descr="Droplets-HD-Content-R1d.png"/>
+          <p:cNvPicPr>
+            <a:picLocks noChangeAspect="1"/>
+          </p:cNvPicPr>
+          <p:nvPr/>
+        </p:nvPicPr>
+        <p:blipFill>
+          <a:blip r:embed="rId2">
+            <a:extLst>
+              <a:ext uri="{28A0092B-C50C-407E-A947-70E740481C1C}">
+                <a14:useLocalDpi xmlns:a14="http://schemas.microsoft.com/office/drawing/2010/main" val="0"/>
+              </a:ext>
+            </a:extLst>
+          </a:blip>
+          <a:stretch>
+            <a:fillRect/>
+          </a:stretch>
+        </p:blipFill>
+        <p:spPr>
+          <a:xfrm>
+            <a:off x="0" y="0"/>
+            <a:ext cx="12192000" cy="6858000"/>
+          </a:xfrm>
+          <a:prstGeom prst="rect">
+            <a:avLst/>
+          </a:prstGeom>
+        </p:spPr>
+      </p:pic>
+      <p:sp>
+        <p:nvSpPr>
+          <p:cNvPr id="15" name="Title 1"/>
+          <p:cNvSpPr>
+            <a:spLocks noGrp="1"/>
+          </p:cNvSpPr>
+          <p:nvPr>
+            <p:ph type="title"/>
+          </p:nvPr>
+        </p:nvSpPr>
+        <p:spPr>
+          <a:xfrm>
+            <a:off x="913774" y="609600"/>
+            <a:ext cx="10364452" cy="1605094"/>
+          </a:xfrm>
+        </p:spPr>
+        <p:txBody>
+          <a:bodyPr/>
+          <a:lstStyle/>
+          <a:p>
+            <a:r>
+              <a:rPr lang="en-US"/>
+              <a:t>Click to edit Master title style</a:t>
+            </a:r>
+            <a:endParaRPr lang="en-US" dirty="0"/>
+          </a:p>
+        </p:txBody>
+      </p:sp>
+      <p:sp>
+        <p:nvSpPr>
+          <p:cNvPr id="7" name="Text Placeholder 2"/>
+          <p:cNvSpPr>
+            <a:spLocks noGrp="1"/>
+          </p:cNvSpPr>
+          <p:nvPr>
+            <p:ph type="body" idx="1"/>
+          </p:nvPr>
+        </p:nvSpPr>
+        <p:spPr>
+          <a:xfrm>
+            <a:off x="913774" y="2367093"/>
+            <a:ext cx="3298976" cy="576262"/>
+          </a:xfrm>
+        </p:spPr>
+        <p:txBody>
+          <a:bodyPr anchor="b">
+            <a:noAutofit/>
+          </a:bodyPr>
+          <a:lstStyle>
+            <a:lvl1pPr marL="0" indent="0" algn="ctr">
+              <a:lnSpc>
+                <a:spcPct val="85000"/>
+              </a:lnSpc>
+              <a:buNone/>
+              <a:defRPr sz="2400" b="0">
+                <a:solidFill>
+                  <a:schemeClr val="tx1"/>
+                </a:solidFill>
+              </a:defRPr>
+            </a:lvl1pPr>
+            <a:lvl2pPr marL="457200" indent="0">
+              <a:buNone/>
+              <a:defRPr sz="2000" b="1"/>
+            </a:lvl2pPr>
+            <a:lvl3pPr marL="914400" indent="0">
+              <a:buNone/>
+              <a:defRPr sz="1800" b="1"/>
+            </a:lvl3pPr>
+            <a:lvl4pPr marL="1371600" indent="0">
+              <a:buNone/>
+              <a:defRPr sz="1600" b="1"/>
+            </a:lvl4pPr>
+            <a:lvl5pPr marL="1828800" indent="0">
+              <a:buNone/>
+              <a:defRPr sz="1600" b="1"/>
+            </a:lvl5pPr>
+            <a:lvl6pPr marL="2286000" indent="0">
+              <a:buNone/>
+              <a:defRPr sz="1600" b="1"/>
+            </a:lvl6pPr>
+            <a:lvl7pPr marL="2743200" indent="0">
+              <a:buNone/>
+              <a:defRPr sz="1600" b="1"/>
+            </a:lvl7pPr>
+            <a:lvl8pPr marL="3200400" indent="0">
+              <a:buNone/>
+              <a:defRPr sz="1600" b="1"/>
+            </a:lvl8pPr>
+            <a:lvl9pPr marL="3657600" indent="0">
+              <a:buNone/>
+              <a:defRPr sz="1600" b="1"/>
+            </a:lvl9pPr>
+          </a:lstStyle>
+          <a:p>
+            <a:pPr lvl="0"/>
+            <a:r>
+              <a:rPr lang="en-US"/>
+              <a:t>Click to edit Master text styles</a:t>
+            </a:r>
+          </a:p>
+        </p:txBody>
+      </p:sp>
+      <p:sp>
+        <p:nvSpPr>
+          <p:cNvPr id="8" name="Text Placeholder 3"/>
+          <p:cNvSpPr>
+            <a:spLocks noGrp="1"/>
+          </p:cNvSpPr>
+          <p:nvPr>
+            <p:ph type="body" sz="half" idx="15"/>
+          </p:nvPr>
+        </p:nvSpPr>
+        <p:spPr>
+          <a:xfrm>
+            <a:off x="913774" y="2943355"/>
+            <a:ext cx="3298976" cy="2847845"/>
+          </a:xfrm>
+        </p:spPr>
+        <p:txBody>
+          <a:bodyPr anchor="t">
+            <a:normAutofit/>
+          </a:bodyPr>
+          <a:lstStyle>
+            <a:lvl1pPr marL="0" indent="0" algn="ctr">
+              <a:buNone/>
+              <a:defRPr sz="1400"/>
+            </a:lvl1pPr>
+            <a:lvl2pPr marL="457200" indent="0">
+              <a:buNone/>
+              <a:defRPr sz="1200"/>
+            </a:lvl2pPr>
+            <a:lvl3pPr marL="914400" indent="0">
+              <a:buNone/>
+              <a:defRPr sz="1000"/>
+            </a:lvl3pPr>
+            <a:lvl4pPr marL="1371600" indent="0">
+              <a:buNone/>
+              <a:defRPr sz="900"/>
+            </a:lvl4pPr>
+            <a:lvl5pPr marL="1828800" indent="0">
+              <a:buNone/>
+              <a:defRPr sz="900"/>
+            </a:lvl5pPr>
+            <a:lvl6pPr marL="2286000" indent="0">
+              <a:buNone/>
+              <a:defRPr sz="900"/>
+            </a:lvl6pPr>
+            <a:lvl7pPr marL="2743200" indent="0">
+              <a:buNone/>
+              <a:defRPr sz="900"/>
+            </a:lvl7pPr>
+            <a:lvl8pPr marL="3200400" indent="0">
+              <a:buNone/>
+              <a:defRPr sz="900"/>
+            </a:lvl8pPr>
+            <a:lvl9pPr marL="3657600" indent="0">
+              <a:buNone/>
+              <a:defRPr sz="900"/>
+            </a:lvl9pPr>
+          </a:lstStyle>
+          <a:p>
+            <a:pPr lvl="0"/>
+            <a:r>
+              <a:rPr lang="en-US"/>
+              <a:t>Click to edit Master text styles</a:t>
+            </a:r>
+          </a:p>
+        </p:txBody>
+      </p:sp>
+      <p:sp>
+        <p:nvSpPr>
+          <p:cNvPr id="9" name="Text Placeholder 4"/>
+          <p:cNvSpPr>
+            <a:spLocks noGrp="1"/>
+          </p:cNvSpPr>
+          <p:nvPr>
+            <p:ph type="body" sz="quarter" idx="3"/>
+          </p:nvPr>
+        </p:nvSpPr>
+        <p:spPr>
+          <a:xfrm>
+            <a:off x="4452389" y="2367093"/>
+            <a:ext cx="3291521" cy="576262"/>
+          </a:xfrm>
+        </p:spPr>
+        <p:txBody>
+          <a:bodyPr anchor="b">
+            <a:noAutofit/>
+          </a:bodyPr>
+          <a:lstStyle>
+            <a:lvl1pPr marL="0" indent="0" algn="ctr">
+              <a:lnSpc>
+                <a:spcPct val="85000"/>
+              </a:lnSpc>
+              <a:buNone/>
+              <a:defRPr sz="2400" b="0">
+                <a:solidFill>
+                  <a:schemeClr val="tx1"/>
+                </a:solidFill>
+              </a:defRPr>
+            </a:lvl1pPr>
+            <a:lvl2pPr marL="457200" indent="0">
+              <a:buNone/>
+              <a:defRPr sz="2000" b="1"/>
+            </a:lvl2pPr>
+            <a:lvl3pPr marL="914400" indent="0">
+              <a:buNone/>
+              <a:defRPr sz="1800" b="1"/>
+            </a:lvl3pPr>
+            <a:lvl4pPr marL="1371600" indent="0">
+              <a:buNone/>
+              <a:defRPr sz="1600" b="1"/>
+            </a:lvl4pPr>
+            <a:lvl5pPr marL="1828800" indent="0">
+              <a:buNone/>
+              <a:defRPr sz="1600" b="1"/>
+            </a:lvl5pPr>
+            <a:lvl6pPr marL="2286000" indent="0">
+              <a:buNone/>
+              <a:defRPr sz="1600" b="1"/>
+            </a:lvl6pPr>
+            <a:lvl7pPr marL="2743200" indent="0">
+              <a:buNone/>
+              <a:defRPr sz="1600" b="1"/>
+            </a:lvl7pPr>
+            <a:lvl8pPr marL="3200400" indent="0">
+              <a:buNone/>
+              <a:defRPr sz="1600" b="1"/>
+            </a:lvl8pPr>
+            <a:lvl9pPr marL="3657600" indent="0">
+              <a:buNone/>
+              <a:defRPr sz="1600" b="1"/>
+            </a:lvl9pPr>
+          </a:lstStyle>
+          <a:p>
+            <a:pPr lvl="0"/>
+            <a:r>
+              <a:rPr lang="en-US"/>
+              <a:t>Click to edit Master text styles</a:t>
+            </a:r>
+          </a:p>
+        </p:txBody>
+      </p:sp>
+      <p:sp>
+        <p:nvSpPr>
+          <p:cNvPr id="10" name="Text Placeholder 3"/>
+          <p:cNvSpPr>
+            <a:spLocks noGrp="1"/>
+          </p:cNvSpPr>
+          <p:nvPr>
+            <p:ph type="body" sz="half" idx="16"/>
+          </p:nvPr>
+        </p:nvSpPr>
+        <p:spPr>
+          <a:xfrm>
+            <a:off x="4441348" y="2943355"/>
+            <a:ext cx="3303351" cy="2847845"/>
+          </a:xfrm>
+        </p:spPr>
+        <p:txBody>
+          <a:bodyPr anchor="t">
+            <a:normAutofit/>
+          </a:bodyPr>
+          <a:lstStyle>
+            <a:lvl1pPr marL="0" indent="0" algn="ctr">
+              <a:buNone/>
+              <a:defRPr sz="1400"/>
+            </a:lvl1pPr>
+            <a:lvl2pPr marL="457200" indent="0">
+              <a:buNone/>
+              <a:defRPr sz="1200"/>
+            </a:lvl2pPr>
+            <a:lvl3pPr marL="914400" indent="0">
+              <a:buNone/>
+              <a:defRPr sz="1000"/>
+            </a:lvl3pPr>
+            <a:lvl4pPr marL="1371600" indent="0">
+              <a:buNone/>
+              <a:defRPr sz="900"/>
+            </a:lvl4pPr>
+            <a:lvl5pPr marL="1828800" indent="0">
+              <a:buNone/>
+              <a:defRPr sz="900"/>
+            </a:lvl5pPr>
+            <a:lvl6pPr marL="2286000" indent="0">
+              <a:buNone/>
+              <a:defRPr sz="900"/>
+            </a:lvl6pPr>
+            <a:lvl7pPr marL="2743200" indent="0">
+              <a:buNone/>
+              <a:defRPr sz="900"/>
+            </a:lvl7pPr>
+            <a:lvl8pPr marL="3200400" indent="0">
+              <a:buNone/>
+              <a:defRPr sz="900"/>
+            </a:lvl8pPr>
+            <a:lvl9pPr marL="3657600" indent="0">
+              <a:buNone/>
+              <a:defRPr sz="900"/>
+            </a:lvl9pPr>
+          </a:lstStyle>
+          <a:p>
+            <a:pPr lvl="0"/>
+            <a:r>
+              <a:rPr lang="en-US"/>
+              <a:t>Click to edit Master text styles</a:t>
+            </a:r>
+          </a:p>
+        </p:txBody>
+      </p:sp>
+      <p:sp>
+        <p:nvSpPr>
+          <p:cNvPr id="11" name="Text Placeholder 4"/>
+          <p:cNvSpPr>
+            <a:spLocks noGrp="1"/>
+          </p:cNvSpPr>
+          <p:nvPr>
+            <p:ph type="body" sz="quarter" idx="13"/>
+          </p:nvPr>
+        </p:nvSpPr>
+        <p:spPr>
+          <a:xfrm>
+            <a:off x="7973298" y="2367093"/>
+            <a:ext cx="3304928" cy="576262"/>
+          </a:xfrm>
+        </p:spPr>
+        <p:txBody>
+          <a:bodyPr anchor="b">
+            <a:noAutofit/>
+          </a:bodyPr>
+          <a:lstStyle>
+            <a:lvl1pPr marL="0" indent="0" algn="ctr">
+              <a:lnSpc>
+                <a:spcPct val="85000"/>
+              </a:lnSpc>
+              <a:buNone/>
+              <a:defRPr sz="2400" b="0">
+                <a:solidFill>
+                  <a:schemeClr val="tx1"/>
+                </a:solidFill>
+              </a:defRPr>
+            </a:lvl1pPr>
+            <a:lvl2pPr marL="457200" indent="0">
+              <a:buNone/>
+              <a:defRPr sz="2000" b="1"/>
+            </a:lvl2pPr>
+            <a:lvl3pPr marL="914400" indent="0">
+              <a:buNone/>
+              <a:defRPr sz="1800" b="1"/>
+            </a:lvl3pPr>
+            <a:lvl4pPr marL="1371600" indent="0">
+              <a:buNone/>
+              <a:defRPr sz="1600" b="1"/>
+            </a:lvl4pPr>
+            <a:lvl5pPr marL="1828800" indent="0">
+              <a:buNone/>
+              <a:defRPr sz="1600" b="1"/>
+            </a:lvl5pPr>
+            <a:lvl6pPr marL="2286000" indent="0">
+              <a:buNone/>
+              <a:defRPr sz="1600" b="1"/>
+            </a:lvl6pPr>
+            <a:lvl7pPr marL="2743200" indent="0">
+              <a:buNone/>
+              <a:defRPr sz="1600" b="1"/>
+            </a:lvl7pPr>
+            <a:lvl8pPr marL="3200400" indent="0">
+              <a:buNone/>
+              <a:defRPr sz="1600" b="1"/>
+            </a:lvl8pPr>
+            <a:lvl9pPr marL="3657600" indent="0">
+              <a:buNone/>
+              <a:defRPr sz="1600" b="1"/>
+            </a:lvl9pPr>
+          </a:lstStyle>
+          <a:p>
+            <a:pPr lvl="0"/>
+            <a:r>
+              <a:rPr lang="en-US"/>
+              <a:t>Click to edit Master text styles</a:t>
+            </a:r>
+          </a:p>
+        </p:txBody>
+      </p:sp>
+      <p:sp>
+        <p:nvSpPr>
+          <p:cNvPr id="12" name="Text Placeholder 3"/>
+          <p:cNvSpPr>
+            <a:spLocks noGrp="1"/>
+          </p:cNvSpPr>
+          <p:nvPr>
+            <p:ph type="body" sz="half" idx="17"/>
+          </p:nvPr>
+        </p:nvSpPr>
+        <p:spPr>
+          <a:xfrm>
+            <a:off x="7973298" y="2943355"/>
+            <a:ext cx="3304928" cy="2847845"/>
+          </a:xfrm>
+        </p:spPr>
+        <p:txBody>
+          <a:bodyPr anchor="t">
+            <a:normAutofit/>
+          </a:bodyPr>
+          <a:lstStyle>
+            <a:lvl1pPr marL="0" indent="0" algn="ctr">
+              <a:buNone/>
+              <a:defRPr sz="1400"/>
+            </a:lvl1pPr>
+            <a:lvl2pPr marL="457200" indent="0">
+              <a:buNone/>
+              <a:defRPr sz="1200"/>
+            </a:lvl2pPr>
+            <a:lvl3pPr marL="914400" indent="0">
+              <a:buNone/>
+              <a:defRPr sz="1000"/>
+            </a:lvl3pPr>
+            <a:lvl4pPr marL="1371600" indent="0">
+              <a:buNone/>
+              <a:defRPr sz="900"/>
+            </a:lvl4pPr>
+            <a:lvl5pPr marL="1828800" indent="0">
+              <a:buNone/>
+              <a:defRPr sz="900"/>
+            </a:lvl5pPr>
+            <a:lvl6pPr marL="2286000" indent="0">
+              <a:buNone/>
+              <a:defRPr sz="900"/>
+            </a:lvl6pPr>
+            <a:lvl7pPr marL="2743200" indent="0">
+              <a:buNone/>
+              <a:defRPr sz="900"/>
+            </a:lvl7pPr>
+            <a:lvl8pPr marL="3200400" indent="0">
+              <a:buNone/>
+              <a:defRPr sz="900"/>
+            </a:lvl8pPr>
+            <a:lvl9pPr marL="3657600" indent="0">
+              <a:buNone/>
+              <a:defRPr sz="900"/>
+            </a:lvl9pPr>
+          </a:lstStyle>
+          <a:p>
+            <a:pPr lvl="0"/>
+            <a:r>
+              <a:rPr lang="en-US"/>
+              <a:t>Click to edit Master text styles</a:t>
+            </a:r>
+          </a:p>
+        </p:txBody>
+      </p:sp>
+      <p:sp>
+        <p:nvSpPr>
+          <p:cNvPr id="3" name="Date Placeholder 2"/>
+          <p:cNvSpPr>
+            <a:spLocks noGrp="1"/>
+          </p:cNvSpPr>
+          <p:nvPr>
+            <p:ph type="dt" sz="half" idx="10"/>
+          </p:nvPr>
+        </p:nvSpPr>
+        <p:spPr/>
+        <p:txBody>
+          <a:bodyPr/>
+          <a:lstStyle/>
+          <a:p>
+            <a:fld id="{B7122F82-5FE7-4748-9719-10DEE637913C}" type="datetimeFigureOut">
+              <a:rPr lang="en-GB" smtClean="0"/>
+              <a:t>02/12/2022</a:t>
+            </a:fld>
+            <a:endParaRPr lang="en-GB"/>
+          </a:p>
+        </p:txBody>
+      </p:sp>
+      <p:sp>
+        <p:nvSpPr>
+          <p:cNvPr id="4" name="Footer Placeholder 3"/>
+          <p:cNvSpPr>
+            <a:spLocks noGrp="1"/>
+          </p:cNvSpPr>
+          <p:nvPr>
+            <p:ph type="ftr" sz="quarter" idx="11"/>
+          </p:nvPr>
+        </p:nvSpPr>
+        <p:spPr/>
+        <p:txBody>
+          <a:bodyPr/>
+          <a:lstStyle/>
+          <a:p>
+            <a:endParaRPr lang="en-GB"/>
+          </a:p>
+        </p:txBody>
+      </p:sp>
+      <p:sp>
+        <p:nvSpPr>
+          <p:cNvPr id="5" name="Slide Number Placeholder 4"/>
+          <p:cNvSpPr>
+            <a:spLocks noGrp="1"/>
+          </p:cNvSpPr>
+          <p:nvPr>
+            <p:ph type="sldNum" sz="quarter" idx="12"/>
+          </p:nvPr>
+        </p:nvSpPr>
+        <p:spPr/>
+        <p:txBody>
+          <a:bodyPr/>
+          <a:lstStyle/>
+          <a:p>
+            <a:fld id="{594B8F33-4579-4A5F-BBB3-651942039C70}" type="slidenum">
+              <a:rPr lang="en-GB" smtClean="0"/>
+              <a:t>‹#›</a:t>
+            </a:fld>
+            <a:endParaRPr lang="en-GB"/>
+          </a:p>
+        </p:txBody>
+      </p:sp>
+    </p:spTree>
+    <p:extLst>
+      <p:ext uri="{BB962C8B-B14F-4D97-AF65-F5344CB8AC3E}">
+        <p14:creationId xmlns:p14="http://schemas.microsoft.com/office/powerpoint/2010/main" val="2916527733"/>
+      </p:ext>
+    </p:extLst>
+  </p:cSld>
+  <p:clrMapOvr>
+    <a:masterClrMapping/>
+  </p:clrMapOvr>
+</p:sldLayout>
+</file>
+
+<file path=ppt/slideLayouts/slideLayout15.xml><?xml version="1.0" encoding="utf-8"?>
+<p:sldLayout xmlns:a="http://schemas.openxmlformats.org/drawingml/2006/main" xmlns:r="http://schemas.openxmlformats.org/officeDocument/2006/relationships" xmlns:p="http://schemas.openxmlformats.org/presentationml/2006/main" preserve="1">
+  <p:cSld name="3 Picture Column">
+    <p:spTree>
+      <p:nvGrpSpPr>
+        <p:cNvPr id="1" name=""/>
+        <p:cNvGrpSpPr/>
+        <p:nvPr/>
+      </p:nvGrpSpPr>
+      <p:grpSpPr>
+        <a:xfrm>
+          <a:off x="0" y="0"/>
+          <a:ext cx="0" cy="0"/>
+          <a:chOff x="0" y="0"/>
+          <a:chExt cx="0" cy="0"/>
+        </a:xfrm>
+      </p:grpSpPr>
+      <p:pic>
+        <p:nvPicPr>
+          <p:cNvPr id="16" name="Picture 15" descr="Droplets-HD-Content-R1d.png"/>
+          <p:cNvPicPr>
+            <a:picLocks noChangeAspect="1"/>
+          </p:cNvPicPr>
+          <p:nvPr/>
+        </p:nvPicPr>
+        <p:blipFill>
+          <a:blip r:embed="rId2">
+            <a:extLst>
+              <a:ext uri="{28A0092B-C50C-407E-A947-70E740481C1C}">
+                <a14:useLocalDpi xmlns:a14="http://schemas.microsoft.com/office/drawing/2010/main" val="0"/>
+              </a:ext>
+            </a:extLst>
+          </a:blip>
+          <a:stretch>
+            <a:fillRect/>
+          </a:stretch>
+        </p:blipFill>
+        <p:spPr>
+          <a:xfrm>
+            <a:off x="0" y="0"/>
+            <a:ext cx="12192000" cy="6858000"/>
+          </a:xfrm>
+          <a:prstGeom prst="rect">
+            <a:avLst/>
+          </a:prstGeom>
+        </p:spPr>
+      </p:pic>
+      <p:sp>
+        <p:nvSpPr>
+          <p:cNvPr id="30" name="Title 1"/>
+          <p:cNvSpPr>
+            <a:spLocks noGrp="1"/>
+          </p:cNvSpPr>
+          <p:nvPr>
+            <p:ph type="title"/>
+          </p:nvPr>
+        </p:nvSpPr>
+        <p:spPr>
+          <a:xfrm>
+            <a:off x="913774" y="610772"/>
+            <a:ext cx="10364452" cy="1603922"/>
+          </a:xfrm>
+        </p:spPr>
+        <p:txBody>
+          <a:bodyPr/>
+          <a:lstStyle/>
+          <a:p>
+            <a:r>
+              <a:rPr lang="en-US"/>
+              <a:t>Click to edit Master title style</a:t>
+            </a:r>
+            <a:endParaRPr lang="en-US" dirty="0"/>
+          </a:p>
+        </p:txBody>
+      </p:sp>
+      <p:sp>
+        <p:nvSpPr>
+          <p:cNvPr id="19" name="Text Placeholder 2"/>
+          <p:cNvSpPr>
+            <a:spLocks noGrp="1"/>
+          </p:cNvSpPr>
+          <p:nvPr>
+            <p:ph type="body" idx="1"/>
+          </p:nvPr>
+        </p:nvSpPr>
+        <p:spPr>
+          <a:xfrm>
+            <a:off x="913774" y="4204820"/>
+            <a:ext cx="3296409" cy="576262"/>
+          </a:xfrm>
+        </p:spPr>
+        <p:txBody>
+          <a:bodyPr anchor="b">
+            <a:noAutofit/>
+          </a:bodyPr>
+          <a:lstStyle>
+            <a:lvl1pPr marL="0" indent="0" algn="ctr">
+              <a:lnSpc>
+                <a:spcPct val="85000"/>
+              </a:lnSpc>
+              <a:buNone/>
+              <a:defRPr sz="2200" b="0">
+                <a:solidFill>
+                  <a:schemeClr val="tx1"/>
+                </a:solidFill>
+              </a:defRPr>
+            </a:lvl1pPr>
+            <a:lvl2pPr marL="457200" indent="0">
+              <a:buNone/>
+              <a:defRPr sz="2000" b="1"/>
+            </a:lvl2pPr>
+            <a:lvl3pPr marL="914400" indent="0">
+              <a:buNone/>
+              <a:defRPr sz="1800" b="1"/>
+            </a:lvl3pPr>
+            <a:lvl4pPr marL="1371600" indent="0">
+              <a:buNone/>
+              <a:defRPr sz="1600" b="1"/>
+            </a:lvl4pPr>
+            <a:lvl5pPr marL="1828800" indent="0">
+              <a:buNone/>
+              <a:defRPr sz="1600" b="1"/>
+            </a:lvl5pPr>
+            <a:lvl6pPr marL="2286000" indent="0">
+              <a:buNone/>
+              <a:defRPr sz="1600" b="1"/>
+            </a:lvl6pPr>
+            <a:lvl7pPr marL="2743200" indent="0">
+              <a:buNone/>
+              <a:defRPr sz="1600" b="1"/>
+            </a:lvl7pPr>
+            <a:lvl8pPr marL="3200400" indent="0">
+              <a:buNone/>
+              <a:defRPr sz="1600" b="1"/>
+            </a:lvl8pPr>
+            <a:lvl9pPr marL="3657600" indent="0">
+              <a:buNone/>
+              <a:defRPr sz="1600" b="1"/>
+            </a:lvl9pPr>
+          </a:lstStyle>
+          <a:p>
+            <a:pPr lvl="0"/>
+            <a:r>
+              <a:rPr lang="en-US"/>
+              <a:t>Click to edit Master text styles</a:t>
+            </a:r>
+          </a:p>
+        </p:txBody>
+      </p:sp>
+      <p:sp>
+        <p:nvSpPr>
+          <p:cNvPr id="20" name="Picture Placeholder 2"/>
+          <p:cNvSpPr>
+            <a:spLocks noGrp="1" noChangeAspect="1"/>
+          </p:cNvSpPr>
+          <p:nvPr>
+            <p:ph type="pic" idx="15"/>
+          </p:nvPr>
+        </p:nvSpPr>
+        <p:spPr>
+          <a:xfrm>
+            <a:off x="913774" y="2367093"/>
+            <a:ext cx="3296409" cy="1524000"/>
+          </a:xfrm>
+          <a:prstGeom prst="roundRect">
+            <a:avLst>
+              <a:gd name="adj" fmla="val 9363"/>
+            </a:avLst>
+          </a:prstGeom>
+          <a:noFill/>
+          <a:ln w="82550" cap="sq">
+            <a:solidFill>
+              <a:srgbClr val="EAEAEA"/>
+            </a:solidFill>
+            <a:miter lim="800000"/>
+          </a:ln>
+          <a:effectLst/>
+          <a:scene3d>
+            <a:camera prst="orthographicFront"/>
+            <a:lightRig rig="threePt" dir="t">
+              <a:rot lat="0" lon="0" rev="2700000"/>
+            </a:lightRig>
+          </a:scene3d>
+          <a:sp3d contourW="6350">
+            <a:bevelT h="38100"/>
+            <a:contourClr>
+              <a:srgbClr val="C0C0C0"/>
+            </a:contourClr>
+          </a:sp3d>
+        </p:spPr>
+        <p:txBody>
+          <a:bodyPr anchor="t">
+            <a:normAutofit/>
+          </a:bodyPr>
+          <a:lstStyle>
+            <a:lvl1pPr marL="0" indent="0" algn="ctr">
+              <a:buNone/>
+              <a:defRPr sz="1600"/>
+            </a:lvl1pPr>
+            <a:lvl2pPr marL="457200" indent="0">
+              <a:buNone/>
+              <a:defRPr sz="1600"/>
+            </a:lvl2pPr>
+            <a:lvl3pPr marL="914400" indent="0">
+              <a:buNone/>
+              <a:defRPr sz="1600"/>
+            </a:lvl3pPr>
+            <a:lvl4pPr marL="1371600" indent="0">
+              <a:buNone/>
+              <a:defRPr sz="1600"/>
+            </a:lvl4pPr>
+            <a:lvl5pPr marL="1828800" indent="0">
+              <a:buNone/>
+              <a:defRPr sz="1600"/>
+            </a:lvl5pPr>
+            <a:lvl6pPr marL="2286000" indent="0">
+              <a:buNone/>
+              <a:defRPr sz="1600"/>
+            </a:lvl6pPr>
+            <a:lvl7pPr marL="2743200" indent="0">
+              <a:buNone/>
+              <a:defRPr sz="1600"/>
+            </a:lvl7pPr>
+            <a:lvl8pPr marL="3200400" indent="0">
+              <a:buNone/>
+              <a:defRPr sz="1600"/>
+            </a:lvl8pPr>
+            <a:lvl9pPr marL="3657600" indent="0">
+              <a:buNone/>
+              <a:defRPr sz="1600"/>
+            </a:lvl9pPr>
+          </a:lstStyle>
+          <a:p>
+            <a:r>
+              <a:rPr lang="en-US"/>
+              <a:t>Click icon to add picture</a:t>
+            </a:r>
+            <a:endParaRPr lang="en-US" dirty="0"/>
+          </a:p>
+        </p:txBody>
+      </p:sp>
+      <p:sp>
+        <p:nvSpPr>
+          <p:cNvPr id="21" name="Text Placeholder 3"/>
+          <p:cNvSpPr>
+            <a:spLocks noGrp="1"/>
+          </p:cNvSpPr>
+          <p:nvPr>
+            <p:ph type="body" sz="half" idx="18"/>
+          </p:nvPr>
+        </p:nvSpPr>
+        <p:spPr>
+          <a:xfrm>
+            <a:off x="913774" y="4781082"/>
+            <a:ext cx="3296409" cy="1010118"/>
+          </a:xfrm>
+        </p:spPr>
+        <p:txBody>
+          <a:bodyPr anchor="t">
+            <a:normAutofit/>
+          </a:bodyPr>
+          <a:lstStyle>
+            <a:lvl1pPr marL="0" indent="0" algn="ctr">
+              <a:buNone/>
+              <a:defRPr sz="1400"/>
+            </a:lvl1pPr>
+            <a:lvl2pPr marL="457200" indent="0">
+              <a:buNone/>
+              <a:defRPr sz="1200"/>
+            </a:lvl2pPr>
+            <a:lvl3pPr marL="914400" indent="0">
+              <a:buNone/>
+              <a:defRPr sz="1000"/>
+            </a:lvl3pPr>
+            <a:lvl4pPr marL="1371600" indent="0">
+              <a:buNone/>
+              <a:defRPr sz="900"/>
+            </a:lvl4pPr>
+            <a:lvl5pPr marL="1828800" indent="0">
+              <a:buNone/>
+              <a:defRPr sz="900"/>
+            </a:lvl5pPr>
+            <a:lvl6pPr marL="2286000" indent="0">
+              <a:buNone/>
+              <a:defRPr sz="900"/>
+            </a:lvl6pPr>
+            <a:lvl7pPr marL="2743200" indent="0">
+              <a:buNone/>
+              <a:defRPr sz="900"/>
+            </a:lvl7pPr>
+            <a:lvl8pPr marL="3200400" indent="0">
+              <a:buNone/>
+              <a:defRPr sz="900"/>
+            </a:lvl8pPr>
+            <a:lvl9pPr marL="3657600" indent="0">
+              <a:buNone/>
+              <a:defRPr sz="900"/>
+            </a:lvl9pPr>
+          </a:lstStyle>
+          <a:p>
+            <a:pPr lvl="0"/>
+            <a:r>
+              <a:rPr lang="en-US"/>
+              <a:t>Click to edit Master text styles</a:t>
+            </a:r>
+          </a:p>
+        </p:txBody>
+      </p:sp>
+      <p:sp>
+        <p:nvSpPr>
+          <p:cNvPr id="22" name="Text Placeholder 4"/>
+          <p:cNvSpPr>
+            <a:spLocks noGrp="1"/>
+          </p:cNvSpPr>
+          <p:nvPr>
+            <p:ph type="body" sz="quarter" idx="3"/>
+          </p:nvPr>
+        </p:nvSpPr>
+        <p:spPr>
+          <a:xfrm>
+            <a:off x="4442759" y="4204820"/>
+            <a:ext cx="3301828" cy="576262"/>
+          </a:xfrm>
+        </p:spPr>
+        <p:txBody>
+          <a:bodyPr anchor="b">
+            <a:noAutofit/>
+          </a:bodyPr>
+          <a:lstStyle>
+            <a:lvl1pPr marL="0" indent="0" algn="ctr">
+              <a:lnSpc>
+                <a:spcPct val="85000"/>
+              </a:lnSpc>
+              <a:buNone/>
+              <a:defRPr sz="2200" b="0">
+                <a:solidFill>
+                  <a:schemeClr val="tx1"/>
+                </a:solidFill>
+              </a:defRPr>
+            </a:lvl1pPr>
+            <a:lvl2pPr marL="457200" indent="0">
+              <a:buNone/>
+              <a:defRPr sz="2000" b="1"/>
+            </a:lvl2pPr>
+            <a:lvl3pPr marL="914400" indent="0">
+              <a:buNone/>
+              <a:defRPr sz="1800" b="1"/>
+            </a:lvl3pPr>
+            <a:lvl4pPr marL="1371600" indent="0">
+              <a:buNone/>
+              <a:defRPr sz="1600" b="1"/>
+            </a:lvl4pPr>
+            <a:lvl5pPr marL="1828800" indent="0">
+              <a:buNone/>
+              <a:defRPr sz="1600" b="1"/>
+            </a:lvl5pPr>
+            <a:lvl6pPr marL="2286000" indent="0">
+              <a:buNone/>
+              <a:defRPr sz="1600" b="1"/>
+            </a:lvl6pPr>
+            <a:lvl7pPr marL="2743200" indent="0">
+              <a:buNone/>
+              <a:defRPr sz="1600" b="1"/>
+            </a:lvl7pPr>
+            <a:lvl8pPr marL="3200400" indent="0">
+              <a:buNone/>
+              <a:defRPr sz="1600" b="1"/>
+            </a:lvl8pPr>
+            <a:lvl9pPr marL="3657600" indent="0">
+              <a:buNone/>
+              <a:defRPr sz="1600" b="1"/>
+            </a:lvl9pPr>
+          </a:lstStyle>
+          <a:p>
+            <a:pPr lvl="0"/>
+            <a:r>
+              <a:rPr lang="en-US"/>
+              <a:t>Click to edit Master text styles</a:t>
+            </a:r>
+          </a:p>
+        </p:txBody>
+      </p:sp>
+      <p:sp>
+        <p:nvSpPr>
+          <p:cNvPr id="23" name="Picture Placeholder 2"/>
+          <p:cNvSpPr>
+            <a:spLocks noGrp="1" noChangeAspect="1"/>
+          </p:cNvSpPr>
+          <p:nvPr>
+            <p:ph type="pic" idx="21"/>
+          </p:nvPr>
+        </p:nvSpPr>
+        <p:spPr>
+          <a:xfrm>
+            <a:off x="4441348" y="2367093"/>
+            <a:ext cx="3303352" cy="1524000"/>
+          </a:xfrm>
+          <a:prstGeom prst="roundRect">
+            <a:avLst>
+              <a:gd name="adj" fmla="val 8841"/>
+            </a:avLst>
+          </a:prstGeom>
+          <a:noFill/>
+          <a:ln w="82550" cap="sq">
+            <a:solidFill>
+              <a:srgbClr val="EAEAEA"/>
+            </a:solidFill>
+            <a:miter lim="800000"/>
+          </a:ln>
+          <a:effectLst/>
+          <a:scene3d>
+            <a:camera prst="orthographicFront"/>
+            <a:lightRig rig="threePt" dir="t">
+              <a:rot lat="0" lon="0" rev="2700000"/>
+            </a:lightRig>
+          </a:scene3d>
+          <a:sp3d contourW="6350">
+            <a:bevelT h="38100"/>
+            <a:contourClr>
+              <a:srgbClr val="C0C0C0"/>
+            </a:contourClr>
+          </a:sp3d>
+        </p:spPr>
+        <p:txBody>
+          <a:bodyPr anchor="t">
+            <a:normAutofit/>
+          </a:bodyPr>
+          <a:lstStyle>
+            <a:lvl1pPr marL="0" indent="0" algn="ctr">
+              <a:buNone/>
+              <a:defRPr sz="1600"/>
+            </a:lvl1pPr>
+            <a:lvl2pPr marL="457200" indent="0">
+              <a:buNone/>
+              <a:defRPr sz="1600"/>
+            </a:lvl2pPr>
+            <a:lvl3pPr marL="914400" indent="0">
+              <a:buNone/>
+              <a:defRPr sz="1600"/>
+            </a:lvl3pPr>
+            <a:lvl4pPr marL="1371600" indent="0">
+              <a:buNone/>
+              <a:defRPr sz="1600"/>
+            </a:lvl4pPr>
+            <a:lvl5pPr marL="1828800" indent="0">
+              <a:buNone/>
+              <a:defRPr sz="1600"/>
+            </a:lvl5pPr>
+            <a:lvl6pPr marL="2286000" indent="0">
+              <a:buNone/>
+              <a:defRPr sz="1600"/>
+            </a:lvl6pPr>
+            <a:lvl7pPr marL="2743200" indent="0">
+              <a:buNone/>
+              <a:defRPr sz="1600"/>
+            </a:lvl7pPr>
+            <a:lvl8pPr marL="3200400" indent="0">
+              <a:buNone/>
+              <a:defRPr sz="1600"/>
+            </a:lvl8pPr>
+            <a:lvl9pPr marL="3657600" indent="0">
+              <a:buNone/>
+              <a:defRPr sz="1600"/>
+            </a:lvl9pPr>
+          </a:lstStyle>
+          <a:p>
+            <a:r>
+              <a:rPr lang="en-US"/>
+              <a:t>Click icon to add picture</a:t>
+            </a:r>
+            <a:endParaRPr lang="en-US" dirty="0"/>
+          </a:p>
+        </p:txBody>
+      </p:sp>
+      <p:sp>
+        <p:nvSpPr>
+          <p:cNvPr id="24" name="Text Placeholder 3"/>
+          <p:cNvSpPr>
+            <a:spLocks noGrp="1"/>
+          </p:cNvSpPr>
+          <p:nvPr>
+            <p:ph type="body" sz="half" idx="19"/>
+          </p:nvPr>
+        </p:nvSpPr>
+        <p:spPr>
+          <a:xfrm>
+            <a:off x="4441348" y="4781080"/>
+            <a:ext cx="3303352" cy="1010119"/>
+          </a:xfrm>
+        </p:spPr>
+        <p:txBody>
+          <a:bodyPr anchor="t">
+            <a:normAutofit/>
+          </a:bodyPr>
+          <a:lstStyle>
+            <a:lvl1pPr marL="0" indent="0" algn="ctr">
+              <a:buNone/>
+              <a:defRPr sz="1400"/>
+            </a:lvl1pPr>
+            <a:lvl2pPr marL="457200" indent="0">
+              <a:buNone/>
+              <a:defRPr sz="1200"/>
+            </a:lvl2pPr>
+            <a:lvl3pPr marL="914400" indent="0">
+              <a:buNone/>
+              <a:defRPr sz="1000"/>
+            </a:lvl3pPr>
+            <a:lvl4pPr marL="1371600" indent="0">
+              <a:buNone/>
+              <a:defRPr sz="900"/>
+            </a:lvl4pPr>
+            <a:lvl5pPr marL="1828800" indent="0">
+              <a:buNone/>
+              <a:defRPr sz="900"/>
+            </a:lvl5pPr>
+            <a:lvl6pPr marL="2286000" indent="0">
+              <a:buNone/>
+              <a:defRPr sz="900"/>
+            </a:lvl6pPr>
+            <a:lvl7pPr marL="2743200" indent="0">
+              <a:buNone/>
+              <a:defRPr sz="900"/>
+            </a:lvl7pPr>
+            <a:lvl8pPr marL="3200400" indent="0">
+              <a:buNone/>
+              <a:defRPr sz="900"/>
+            </a:lvl8pPr>
+            <a:lvl9pPr marL="3657600" indent="0">
+              <a:buNone/>
+              <a:defRPr sz="900"/>
+            </a:lvl9pPr>
+          </a:lstStyle>
+          <a:p>
+            <a:pPr lvl="0"/>
+            <a:r>
+              <a:rPr lang="en-US"/>
+              <a:t>Click to edit Master text styles</a:t>
+            </a:r>
+          </a:p>
+        </p:txBody>
+      </p:sp>
+      <p:sp>
+        <p:nvSpPr>
+          <p:cNvPr id="25" name="Text Placeholder 4"/>
+          <p:cNvSpPr>
+            <a:spLocks noGrp="1"/>
+          </p:cNvSpPr>
+          <p:nvPr>
+            <p:ph type="body" sz="quarter" idx="13"/>
+          </p:nvPr>
+        </p:nvSpPr>
+        <p:spPr>
+          <a:xfrm>
+            <a:off x="7973298" y="4204820"/>
+            <a:ext cx="3300681" cy="576262"/>
+          </a:xfrm>
+        </p:spPr>
+        <p:txBody>
+          <a:bodyPr anchor="b">
+            <a:noAutofit/>
+          </a:bodyPr>
+          <a:lstStyle>
+            <a:lvl1pPr marL="0" indent="0" algn="ctr">
+              <a:lnSpc>
+                <a:spcPct val="85000"/>
+              </a:lnSpc>
+              <a:buNone/>
+              <a:defRPr sz="2200" b="0">
+                <a:solidFill>
+                  <a:schemeClr val="tx1"/>
+                </a:solidFill>
+              </a:defRPr>
+            </a:lvl1pPr>
+            <a:lvl2pPr marL="457200" indent="0">
+              <a:buNone/>
+              <a:defRPr sz="2000" b="1"/>
+            </a:lvl2pPr>
+            <a:lvl3pPr marL="914400" indent="0">
+              <a:buNone/>
+              <a:defRPr sz="1800" b="1"/>
+            </a:lvl3pPr>
+            <a:lvl4pPr marL="1371600" indent="0">
+              <a:buNone/>
+              <a:defRPr sz="1600" b="1"/>
+            </a:lvl4pPr>
+            <a:lvl5pPr marL="1828800" indent="0">
+              <a:buNone/>
+              <a:defRPr sz="1600" b="1"/>
+            </a:lvl5pPr>
+            <a:lvl6pPr marL="2286000" indent="0">
+              <a:buNone/>
+              <a:defRPr sz="1600" b="1"/>
+            </a:lvl6pPr>
+            <a:lvl7pPr marL="2743200" indent="0">
+              <a:buNone/>
+              <a:defRPr sz="1600" b="1"/>
+            </a:lvl7pPr>
+            <a:lvl8pPr marL="3200400" indent="0">
+              <a:buNone/>
+              <a:defRPr sz="1600" b="1"/>
+            </a:lvl8pPr>
+            <a:lvl9pPr marL="3657600" indent="0">
+              <a:buNone/>
+              <a:defRPr sz="1600" b="1"/>
+            </a:lvl9pPr>
+          </a:lstStyle>
+          <a:p>
+            <a:pPr lvl="0"/>
+            <a:r>
+              <a:rPr lang="en-US"/>
+              <a:t>Click to edit Master text styles</a:t>
+            </a:r>
+          </a:p>
+        </p:txBody>
+      </p:sp>
+      <p:sp>
+        <p:nvSpPr>
+          <p:cNvPr id="26" name="Picture Placeholder 2"/>
+          <p:cNvSpPr>
+            <a:spLocks noGrp="1" noChangeAspect="1"/>
+          </p:cNvSpPr>
+          <p:nvPr>
+            <p:ph type="pic" idx="22"/>
+          </p:nvPr>
+        </p:nvSpPr>
+        <p:spPr>
+          <a:xfrm>
+            <a:off x="7973298" y="2367093"/>
+            <a:ext cx="3304928" cy="1524000"/>
+          </a:xfrm>
+          <a:prstGeom prst="roundRect">
+            <a:avLst>
+              <a:gd name="adj" fmla="val 8841"/>
+            </a:avLst>
+          </a:prstGeom>
+          <a:noFill/>
+          <a:ln w="82550" cap="sq">
+            <a:solidFill>
+              <a:srgbClr val="EAEAEA"/>
+            </a:solidFill>
+            <a:miter lim="800000"/>
+          </a:ln>
+          <a:effectLst/>
+          <a:scene3d>
+            <a:camera prst="orthographicFront"/>
+            <a:lightRig rig="threePt" dir="t">
+              <a:rot lat="0" lon="0" rev="2700000"/>
+            </a:lightRig>
+          </a:scene3d>
+          <a:sp3d contourW="6350">
+            <a:bevelT h="38100"/>
+            <a:contourClr>
+              <a:srgbClr val="C0C0C0"/>
+            </a:contourClr>
+          </a:sp3d>
+        </p:spPr>
+        <p:txBody>
+          <a:bodyPr anchor="t">
+            <a:normAutofit/>
+          </a:bodyPr>
+          <a:lstStyle>
+            <a:lvl1pPr marL="0" indent="0" algn="ctr">
+              <a:buNone/>
+              <a:defRPr sz="1600"/>
+            </a:lvl1pPr>
+            <a:lvl2pPr marL="457200" indent="0">
+              <a:buNone/>
+              <a:defRPr sz="1600"/>
+            </a:lvl2pPr>
+            <a:lvl3pPr marL="914400" indent="0">
+              <a:buNone/>
+              <a:defRPr sz="1600"/>
+            </a:lvl3pPr>
+            <a:lvl4pPr marL="1371600" indent="0">
+              <a:buNone/>
+              <a:defRPr sz="1600"/>
+            </a:lvl4pPr>
+            <a:lvl5pPr marL="1828800" indent="0">
+              <a:buNone/>
+              <a:defRPr sz="1600"/>
+            </a:lvl5pPr>
+            <a:lvl6pPr marL="2286000" indent="0">
+              <a:buNone/>
+              <a:defRPr sz="1600"/>
+            </a:lvl6pPr>
+            <a:lvl7pPr marL="2743200" indent="0">
+              <a:buNone/>
+              <a:defRPr sz="1600"/>
+            </a:lvl7pPr>
+            <a:lvl8pPr marL="3200400" indent="0">
+              <a:buNone/>
+              <a:defRPr sz="1600"/>
+            </a:lvl8pPr>
+            <a:lvl9pPr marL="3657600" indent="0">
+              <a:buNone/>
+              <a:defRPr sz="1600"/>
+            </a:lvl9pPr>
+          </a:lstStyle>
+          <a:p>
+            <a:r>
+              <a:rPr lang="en-US"/>
+              <a:t>Click icon to add picture</a:t>
+            </a:r>
+            <a:endParaRPr lang="en-US" dirty="0"/>
+          </a:p>
+        </p:txBody>
+      </p:sp>
+      <p:sp>
+        <p:nvSpPr>
+          <p:cNvPr id="27" name="Text Placeholder 3"/>
+          <p:cNvSpPr>
+            <a:spLocks noGrp="1"/>
+          </p:cNvSpPr>
+          <p:nvPr>
+            <p:ph type="body" sz="half" idx="20"/>
+          </p:nvPr>
+        </p:nvSpPr>
+        <p:spPr>
+          <a:xfrm>
+            <a:off x="7973173" y="4781078"/>
+            <a:ext cx="3305053" cy="1010121"/>
+          </a:xfrm>
+        </p:spPr>
+        <p:txBody>
+          <a:bodyPr anchor="t">
+            <a:normAutofit/>
+          </a:bodyPr>
+          <a:lstStyle>
+            <a:lvl1pPr marL="0" indent="0" algn="ctr">
+              <a:buNone/>
+              <a:defRPr sz="1400"/>
+            </a:lvl1pPr>
+            <a:lvl2pPr marL="457200" indent="0">
+              <a:buNone/>
+              <a:defRPr sz="1200"/>
+            </a:lvl2pPr>
+            <a:lvl3pPr marL="914400" indent="0">
+              <a:buNone/>
+              <a:defRPr sz="1000"/>
+            </a:lvl3pPr>
+            <a:lvl4pPr marL="1371600" indent="0">
+              <a:buNone/>
+              <a:defRPr sz="900"/>
+            </a:lvl4pPr>
+            <a:lvl5pPr marL="1828800" indent="0">
+              <a:buNone/>
+              <a:defRPr sz="900"/>
+            </a:lvl5pPr>
+            <a:lvl6pPr marL="2286000" indent="0">
+              <a:buNone/>
+              <a:defRPr sz="900"/>
+            </a:lvl6pPr>
+            <a:lvl7pPr marL="2743200" indent="0">
+              <a:buNone/>
+              <a:defRPr sz="900"/>
+            </a:lvl7pPr>
+            <a:lvl8pPr marL="3200400" indent="0">
+              <a:buNone/>
+              <a:defRPr sz="900"/>
+            </a:lvl8pPr>
+            <a:lvl9pPr marL="3657600" indent="0">
+              <a:buNone/>
+              <a:defRPr sz="900"/>
+            </a:lvl9pPr>
+          </a:lstStyle>
+          <a:p>
+            <a:pPr lvl="0"/>
+            <a:r>
+              <a:rPr lang="en-US"/>
+              <a:t>Click to edit Master text styles</a:t>
+            </a:r>
+          </a:p>
+        </p:txBody>
+      </p:sp>
+      <p:sp>
+        <p:nvSpPr>
+          <p:cNvPr id="3" name="Date Placeholder 2"/>
+          <p:cNvSpPr>
+            <a:spLocks noGrp="1"/>
+          </p:cNvSpPr>
+          <p:nvPr>
+            <p:ph type="dt" sz="half" idx="10"/>
+          </p:nvPr>
+        </p:nvSpPr>
+        <p:spPr/>
+        <p:txBody>
+          <a:bodyPr/>
+          <a:lstStyle/>
+          <a:p>
+            <a:fld id="{B7122F82-5FE7-4748-9719-10DEE637913C}" type="datetimeFigureOut">
+              <a:rPr lang="en-GB" smtClean="0"/>
+              <a:t>02/12/2022</a:t>
+            </a:fld>
+            <a:endParaRPr lang="en-GB"/>
+          </a:p>
+        </p:txBody>
+      </p:sp>
+      <p:sp>
+        <p:nvSpPr>
+          <p:cNvPr id="4" name="Footer Placeholder 3"/>
+          <p:cNvSpPr>
+            <a:spLocks noGrp="1"/>
+          </p:cNvSpPr>
+          <p:nvPr>
+            <p:ph type="ftr" sz="quarter" idx="11"/>
+          </p:nvPr>
+        </p:nvSpPr>
+        <p:spPr/>
+        <p:txBody>
+          <a:bodyPr/>
+          <a:lstStyle/>
+          <a:p>
+            <a:endParaRPr lang="en-GB"/>
+          </a:p>
+        </p:txBody>
+      </p:sp>
+      <p:sp>
+        <p:nvSpPr>
+          <p:cNvPr id="5" name="Slide Number Placeholder 4"/>
+          <p:cNvSpPr>
+            <a:spLocks noGrp="1"/>
+          </p:cNvSpPr>
+          <p:nvPr>
+            <p:ph type="sldNum" sz="quarter" idx="12"/>
+          </p:nvPr>
+        </p:nvSpPr>
+        <p:spPr/>
+        <p:txBody>
+          <a:bodyPr/>
+          <a:lstStyle/>
+          <a:p>
+            <a:fld id="{594B8F33-4579-4A5F-BBB3-651942039C70}" type="slidenum">
+              <a:rPr lang="en-GB" smtClean="0"/>
+              <a:t>‹#›</a:t>
+            </a:fld>
+            <a:endParaRPr lang="en-GB"/>
+          </a:p>
+        </p:txBody>
+      </p:sp>
+    </p:spTree>
+    <p:extLst>
+      <p:ext uri="{BB962C8B-B14F-4D97-AF65-F5344CB8AC3E}">
+        <p14:creationId xmlns:p14="http://schemas.microsoft.com/office/powerpoint/2010/main" val="2842087614"/>
+      </p:ext>
+    </p:extLst>
+  </p:cSld>
+  <p:clrMapOvr>
+    <a:masterClrMapping/>
+  </p:clrMapOvr>
+</p:sldLayout>
+</file>
+
+<file path=ppt/slideLayouts/slideLayout16.xml><?xml version="1.0" encoding="utf-8"?>
 <p:sldLayout xmlns:a="http://schemas.openxmlformats.org/drawingml/2006/main" xmlns:r="http://schemas.openxmlformats.org/officeDocument/2006/relationships" xmlns:p="http://schemas.openxmlformats.org/presentationml/2006/main" type="vertTx" preserve="1">
   <p:cSld name="Title and Vertical Text">
     <p:spTree>
@@ -359,15 +3087,39 @@
           <a:chExt cx="0" cy="0"/>
         </a:xfrm>
       </p:grpSpPr>
-      <p:sp>
-        <p:nvSpPr>
-          <p:cNvPr id="2" name="Title 1">
+      <p:pic>
+        <p:nvPicPr>
+          <p:cNvPr id="8" name="Picture 7" descr="Droplets-HD-Content-R1d.png"/>
+          <p:cNvPicPr>
+            <a:picLocks noChangeAspect="1"/>
+          </p:cNvPicPr>
+          <p:nvPr/>
+        </p:nvPicPr>
+        <p:blipFill>
+          <a:blip r:embed="rId2">
             <a:extLst>
-              <a:ext uri="{FF2B5EF4-FFF2-40B4-BE49-F238E27FC236}">
-                <a16:creationId xmlns:a16="http://schemas.microsoft.com/office/drawing/2014/main" id="{64AC2A79-E81B-E85D-6E89-C974A78B3FED}"/>
+              <a:ext uri="{28A0092B-C50C-407E-A947-70E740481C1C}">
+                <a14:useLocalDpi xmlns:a14="http://schemas.microsoft.com/office/drawing/2010/main" val="0"/>
               </a:ext>
             </a:extLst>
-          </p:cNvPr>
+          </a:blip>
+          <a:stretch>
+            <a:fillRect/>
+          </a:stretch>
+        </p:blipFill>
+        <p:spPr>
+          <a:xfrm>
+            <a:off x="0" y="0"/>
+            <a:ext cx="12192000" cy="6858000"/>
+          </a:xfrm>
+          <a:prstGeom prst="rect">
+            <a:avLst/>
+          </a:prstGeom>
+        </p:spPr>
+      </p:pic>
+      <p:sp>
+        <p:nvSpPr>
+          <p:cNvPr id="2" name="Title 1"/>
           <p:cNvSpPr>
             <a:spLocks noGrp="1"/>
           </p:cNvSpPr>
@@ -384,27 +3136,26 @@
               <a:rPr lang="en-US"/>
               <a:t>Click to edit Master title style</a:t>
             </a:r>
-            <a:endParaRPr lang="en-GB"/>
-          </a:p>
-        </p:txBody>
-      </p:sp>
-      <p:sp>
-        <p:nvSpPr>
-          <p:cNvPr id="3" name="Vertical Text Placeholder 2">
-            <a:extLst>
-              <a:ext uri="{FF2B5EF4-FFF2-40B4-BE49-F238E27FC236}">
-                <a16:creationId xmlns:a16="http://schemas.microsoft.com/office/drawing/2014/main" id="{5C6EE8EA-B3A1-A275-2147-2316CDE27080}"/>
-              </a:ext>
-            </a:extLst>
-          </p:cNvPr>
-          <p:cNvSpPr>
-            <a:spLocks noGrp="1"/>
-          </p:cNvSpPr>
-          <p:nvPr>
-            <p:ph type="body" orient="vert" idx="1"/>
-          </p:nvPr>
-        </p:nvSpPr>
-        <p:spPr/>
+            <a:endParaRPr lang="en-US" dirty="0"/>
+          </a:p>
+        </p:txBody>
+      </p:sp>
+      <p:sp>
+        <p:nvSpPr>
+          <p:cNvPr id="11" name="Vertical Text Placeholder 2"/>
+          <p:cNvSpPr>
+            <a:spLocks noGrp="1"/>
+          </p:cNvSpPr>
+          <p:nvPr>
+            <p:ph type="body" orient="vert" sz="quarter" idx="13"/>
+          </p:nvPr>
+        </p:nvSpPr>
+        <p:spPr>
+          <a:xfrm>
+            <a:off x="913775" y="2367093"/>
+            <a:ext cx="10364452" cy="3424107"/>
+          </a:xfrm>
+        </p:spPr>
         <p:txBody>
           <a:bodyPr vert="eaVert"/>
           <a:lstStyle/>
@@ -442,19 +3193,13 @@
               <a:rPr lang="en-US"/>
               <a:t>Fifth level</a:t>
             </a:r>
-            <a:endParaRPr lang="en-GB"/>
-          </a:p>
-        </p:txBody>
-      </p:sp>
-      <p:sp>
-        <p:nvSpPr>
-          <p:cNvPr id="4" name="Date Placeholder 3">
-            <a:extLst>
-              <a:ext uri="{FF2B5EF4-FFF2-40B4-BE49-F238E27FC236}">
-                <a16:creationId xmlns:a16="http://schemas.microsoft.com/office/drawing/2014/main" id="{AE277AA3-DFB9-8E18-6AEA-36E96F7963B9}"/>
-              </a:ext>
-            </a:extLst>
-          </p:cNvPr>
+            <a:endParaRPr lang="en-US" dirty="0"/>
+          </a:p>
+        </p:txBody>
+      </p:sp>
+      <p:sp>
+        <p:nvSpPr>
+          <p:cNvPr id="4" name="Date Placeholder 3"/>
           <p:cNvSpPr>
             <a:spLocks noGrp="1"/>
           </p:cNvSpPr>
@@ -469,7 +3214,7 @@
           <a:p>
             <a:fld id="{B7122F82-5FE7-4748-9719-10DEE637913C}" type="datetimeFigureOut">
               <a:rPr lang="en-GB" smtClean="0"/>
-              <a:t>01/12/2022</a:t>
+              <a:t>02/12/2022</a:t>
             </a:fld>
             <a:endParaRPr lang="en-GB"/>
           </a:p>
@@ -477,13 +3222,7 @@
       </p:sp>
       <p:sp>
         <p:nvSpPr>
-          <p:cNvPr id="5" name="Footer Placeholder 4">
-            <a:extLst>
-              <a:ext uri="{FF2B5EF4-FFF2-40B4-BE49-F238E27FC236}">
-                <a16:creationId xmlns:a16="http://schemas.microsoft.com/office/drawing/2014/main" id="{6515C291-BCF7-60AF-65DC-B8259CB170F0}"/>
-              </a:ext>
-            </a:extLst>
-          </p:cNvPr>
+          <p:cNvPr id="5" name="Footer Placeholder 4"/>
           <p:cNvSpPr>
             <a:spLocks noGrp="1"/>
           </p:cNvSpPr>
@@ -502,13 +3241,7 @@
       </p:sp>
       <p:sp>
         <p:nvSpPr>
-          <p:cNvPr id="6" name="Slide Number Placeholder 5">
-            <a:extLst>
-              <a:ext uri="{FF2B5EF4-FFF2-40B4-BE49-F238E27FC236}">
-                <a16:creationId xmlns:a16="http://schemas.microsoft.com/office/drawing/2014/main" id="{E3EF5A3D-185B-571F-3CD3-DBC724AA95F5}"/>
-              </a:ext>
-            </a:extLst>
-          </p:cNvPr>
+          <p:cNvPr id="6" name="Slide Number Placeholder 5"/>
           <p:cNvSpPr>
             <a:spLocks noGrp="1"/>
           </p:cNvSpPr>
@@ -532,7 +3265,7 @@
     </p:spTree>
     <p:extLst>
       <p:ext uri="{BB962C8B-B14F-4D97-AF65-F5344CB8AC3E}">
-        <p14:creationId xmlns:p14="http://schemas.microsoft.com/office/powerpoint/2010/main" val="1889465076"/>
+        <p14:creationId xmlns:p14="http://schemas.microsoft.com/office/powerpoint/2010/main" val="1736125534"/>
       </p:ext>
     </p:extLst>
   </p:cSld>
@@ -542,7 +3275,7 @@
 </p:sldLayout>
 </file>
 
-<file path=ppt/slideLayouts/slideLayout11.xml><?xml version="1.0" encoding="utf-8"?>
+<file path=ppt/slideLayouts/slideLayout17.xml><?xml version="1.0" encoding="utf-8"?>
 <p:sldLayout xmlns:a="http://schemas.openxmlformats.org/drawingml/2006/main" xmlns:r="http://schemas.openxmlformats.org/officeDocument/2006/relationships" xmlns:p="http://schemas.openxmlformats.org/presentationml/2006/main" type="vertTitleAndTx" preserve="1">
   <p:cSld name="Vertical Title and Text">
     <p:spTree>
@@ -559,60 +3292,82 @@
           <a:chExt cx="0" cy="0"/>
         </a:xfrm>
       </p:grpSpPr>
-      <p:sp>
-        <p:nvSpPr>
-          <p:cNvPr id="2" name="Vertical Title 1">
+      <p:pic>
+        <p:nvPicPr>
+          <p:cNvPr id="9" name="Picture 8" descr="Droplets-HD-Content-R1d.png"/>
+          <p:cNvPicPr>
+            <a:picLocks noChangeAspect="1"/>
+          </p:cNvPicPr>
+          <p:nvPr/>
+        </p:nvPicPr>
+        <p:blipFill>
+          <a:blip r:embed="rId2">
             <a:extLst>
-              <a:ext uri="{FF2B5EF4-FFF2-40B4-BE49-F238E27FC236}">
-                <a16:creationId xmlns:a16="http://schemas.microsoft.com/office/drawing/2014/main" id="{EC6C1B4D-0148-20CE-B604-F1F8C314EDD3}"/>
+              <a:ext uri="{28A0092B-C50C-407E-A947-70E740481C1C}">
+                <a14:useLocalDpi xmlns:a14="http://schemas.microsoft.com/office/drawing/2010/main" val="0"/>
               </a:ext>
             </a:extLst>
-          </p:cNvPr>
-          <p:cNvSpPr>
-            <a:spLocks noGrp="1"/>
-          </p:cNvSpPr>
-          <p:nvPr>
-            <p:ph type="title" orient="vert"/>
-          </p:nvPr>
-        </p:nvSpPr>
+          </a:blip>
+          <a:stretch>
+            <a:fillRect/>
+          </a:stretch>
+        </p:blipFill>
         <p:spPr>
           <a:xfrm>
-            <a:off x="8724900" y="365125"/>
-            <a:ext cx="2628900" cy="5811838"/>
+            <a:off x="0" y="0"/>
+            <a:ext cx="12192000" cy="6858000"/>
+          </a:xfrm>
+          <a:prstGeom prst="rect">
+            <a:avLst/>
+          </a:prstGeom>
+        </p:spPr>
+      </p:pic>
+      <p:sp>
+        <p:nvSpPr>
+          <p:cNvPr id="2" name="Vertical Title 1"/>
+          <p:cNvSpPr>
+            <a:spLocks noGrp="1"/>
+          </p:cNvSpPr>
+          <p:nvPr>
+            <p:ph type="title" orient="vert"/>
+          </p:nvPr>
+        </p:nvSpPr>
+        <p:spPr>
+          <a:xfrm>
+            <a:off x="8724900" y="609601"/>
+            <a:ext cx="2553326" cy="5181599"/>
           </a:xfrm>
         </p:spPr>
         <p:txBody>
           <a:bodyPr vert="eaVert"/>
-          <a:lstStyle/>
+          <a:lstStyle>
+            <a:lvl1pPr algn="l">
+              <a:defRPr/>
+            </a:lvl1pPr>
+          </a:lstStyle>
           <a:p>
             <a:r>
               <a:rPr lang="en-US"/>
               <a:t>Click to edit Master title style</a:t>
             </a:r>
-            <a:endParaRPr lang="en-GB"/>
-          </a:p>
-        </p:txBody>
-      </p:sp>
-      <p:sp>
-        <p:nvSpPr>
-          <p:cNvPr id="3" name="Vertical Text Placeholder 2">
-            <a:extLst>
-              <a:ext uri="{FF2B5EF4-FFF2-40B4-BE49-F238E27FC236}">
-                <a16:creationId xmlns:a16="http://schemas.microsoft.com/office/drawing/2014/main" id="{E8E02317-E645-E462-759E-6D150326CE33}"/>
-              </a:ext>
-            </a:extLst>
-          </p:cNvPr>
-          <p:cNvSpPr>
-            <a:spLocks noGrp="1"/>
-          </p:cNvSpPr>
-          <p:nvPr>
-            <p:ph type="body" orient="vert" idx="1"/>
+            <a:endParaRPr lang="en-US" dirty="0"/>
+          </a:p>
+        </p:txBody>
+      </p:sp>
+      <p:sp>
+        <p:nvSpPr>
+          <p:cNvPr id="8" name="Vertical Text Placeholder 2"/>
+          <p:cNvSpPr>
+            <a:spLocks noGrp="1"/>
+          </p:cNvSpPr>
+          <p:nvPr>
+            <p:ph type="body" orient="vert" sz="quarter" idx="13"/>
           </p:nvPr>
         </p:nvSpPr>
         <p:spPr>
           <a:xfrm>
-            <a:off x="838200" y="365125"/>
-            <a:ext cx="7734300" cy="5811838"/>
+            <a:off x="913775" y="609601"/>
+            <a:ext cx="7658724" cy="5181599"/>
           </a:xfrm>
         </p:spPr>
         <p:txBody>
@@ -652,19 +3407,13 @@
               <a:rPr lang="en-US"/>
               <a:t>Fifth level</a:t>
             </a:r>
-            <a:endParaRPr lang="en-GB"/>
-          </a:p>
-        </p:txBody>
-      </p:sp>
-      <p:sp>
-        <p:nvSpPr>
-          <p:cNvPr id="4" name="Date Placeholder 3">
-            <a:extLst>
-              <a:ext uri="{FF2B5EF4-FFF2-40B4-BE49-F238E27FC236}">
-                <a16:creationId xmlns:a16="http://schemas.microsoft.com/office/drawing/2014/main" id="{C11390A4-957F-0F94-2FB4-3F3538AC7D6D}"/>
-              </a:ext>
-            </a:extLst>
-          </p:cNvPr>
+            <a:endParaRPr lang="en-US" dirty="0"/>
+          </a:p>
+        </p:txBody>
+      </p:sp>
+      <p:sp>
+        <p:nvSpPr>
+          <p:cNvPr id="4" name="Date Placeholder 3"/>
           <p:cNvSpPr>
             <a:spLocks noGrp="1"/>
           </p:cNvSpPr>
@@ -679,7 +3428,7 @@
           <a:p>
             <a:fld id="{B7122F82-5FE7-4748-9719-10DEE637913C}" type="datetimeFigureOut">
               <a:rPr lang="en-GB" smtClean="0"/>
-              <a:t>01/12/2022</a:t>
+              <a:t>02/12/2022</a:t>
             </a:fld>
             <a:endParaRPr lang="en-GB"/>
           </a:p>
@@ -687,13 +3436,7 @@
       </p:sp>
       <p:sp>
         <p:nvSpPr>
-          <p:cNvPr id="5" name="Footer Placeholder 4">
-            <a:extLst>
-              <a:ext uri="{FF2B5EF4-FFF2-40B4-BE49-F238E27FC236}">
-                <a16:creationId xmlns:a16="http://schemas.microsoft.com/office/drawing/2014/main" id="{547092F4-C5C8-1F75-83F5-6B9937881C32}"/>
-              </a:ext>
-            </a:extLst>
-          </p:cNvPr>
+          <p:cNvPr id="5" name="Footer Placeholder 4"/>
           <p:cNvSpPr>
             <a:spLocks noGrp="1"/>
           </p:cNvSpPr>
@@ -712,13 +3455,7 @@
       </p:sp>
       <p:sp>
         <p:nvSpPr>
-          <p:cNvPr id="6" name="Slide Number Placeholder 5">
-            <a:extLst>
-              <a:ext uri="{FF2B5EF4-FFF2-40B4-BE49-F238E27FC236}">
-                <a16:creationId xmlns:a16="http://schemas.microsoft.com/office/drawing/2014/main" id="{85A76C7C-4130-3761-614D-55E24CA00F11}"/>
-              </a:ext>
-            </a:extLst>
-          </p:cNvPr>
+          <p:cNvPr id="6" name="Slide Number Placeholder 5"/>
           <p:cNvSpPr>
             <a:spLocks noGrp="1"/>
           </p:cNvSpPr>
@@ -742,7 +3479,207 @@
     </p:spTree>
     <p:extLst>
       <p:ext uri="{BB962C8B-B14F-4D97-AF65-F5344CB8AC3E}">
-        <p14:creationId xmlns:p14="http://schemas.microsoft.com/office/powerpoint/2010/main" val="3830085710"/>
+        <p14:creationId xmlns:p14="http://schemas.microsoft.com/office/powerpoint/2010/main" val="4150992203"/>
+      </p:ext>
+    </p:extLst>
+  </p:cSld>
+  <p:clrMapOvr>
+    <a:masterClrMapping/>
+  </p:clrMapOvr>
+</p:sldLayout>
+</file>
+
+<file path=ppt/slideLayouts/slideLayout18.xml><?xml version="1.0" encoding="utf-8"?>
+<p:sldLayout xmlns:a="http://schemas.openxmlformats.org/drawingml/2006/main" xmlns:r="http://schemas.openxmlformats.org/officeDocument/2006/relationships" xmlns:p="http://schemas.openxmlformats.org/presentationml/2006/main" type="obj">
+  <p:cSld name="1_Title and Content">
+    <p:spTree>
+      <p:nvGrpSpPr>
+        <p:cNvPr id="1" name=""/>
+        <p:cNvGrpSpPr/>
+        <p:nvPr/>
+      </p:nvGrpSpPr>
+      <p:grpSpPr>
+        <a:xfrm>
+          <a:off x="0" y="0"/>
+          <a:ext cx="0" cy="0"/>
+          <a:chOff x="0" y="0"/>
+          <a:chExt cx="0" cy="0"/>
+        </a:xfrm>
+      </p:grpSpPr>
+      <p:sp>
+        <p:nvSpPr>
+          <p:cNvPr id="2" name="Title 1">
+            <a:extLst>
+              <a:ext uri="{FF2B5EF4-FFF2-40B4-BE49-F238E27FC236}">
+                <a16:creationId xmlns:a16="http://schemas.microsoft.com/office/drawing/2014/main" id="{5339E0A5-3DB2-CA35-B970-8929932754B5}"/>
+              </a:ext>
+            </a:extLst>
+          </p:cNvPr>
+          <p:cNvSpPr>
+            <a:spLocks noGrp="1"/>
+          </p:cNvSpPr>
+          <p:nvPr>
+            <p:ph type="title"/>
+          </p:nvPr>
+        </p:nvSpPr>
+        <p:spPr/>
+        <p:txBody>
+          <a:bodyPr/>
+          <a:lstStyle/>
+          <a:p>
+            <a:r>
+              <a:rPr lang="en-US"/>
+              <a:t>Click to edit Master title style</a:t>
+            </a:r>
+            <a:endParaRPr lang="en-GB"/>
+          </a:p>
+        </p:txBody>
+      </p:sp>
+      <p:sp>
+        <p:nvSpPr>
+          <p:cNvPr id="3" name="Content Placeholder 2">
+            <a:extLst>
+              <a:ext uri="{FF2B5EF4-FFF2-40B4-BE49-F238E27FC236}">
+                <a16:creationId xmlns:a16="http://schemas.microsoft.com/office/drawing/2014/main" id="{FCA9546D-F28D-A8FC-BCEB-ACF8265DC4DE}"/>
+              </a:ext>
+            </a:extLst>
+          </p:cNvPr>
+          <p:cNvSpPr>
+            <a:spLocks noGrp="1"/>
+          </p:cNvSpPr>
+          <p:nvPr>
+            <p:ph idx="1"/>
+          </p:nvPr>
+        </p:nvSpPr>
+        <p:spPr/>
+        <p:txBody>
+          <a:bodyPr/>
+          <a:lstStyle/>
+          <a:p>
+            <a:pPr lvl="0"/>
+            <a:r>
+              <a:rPr lang="en-US"/>
+              <a:t>Click to edit Master text styles</a:t>
+            </a:r>
+          </a:p>
+          <a:p>
+            <a:pPr lvl="1"/>
+            <a:r>
+              <a:rPr lang="en-US"/>
+              <a:t>Second level</a:t>
+            </a:r>
+          </a:p>
+          <a:p>
+            <a:pPr lvl="2"/>
+            <a:r>
+              <a:rPr lang="en-US"/>
+              <a:t>Third level</a:t>
+            </a:r>
+          </a:p>
+          <a:p>
+            <a:pPr lvl="3"/>
+            <a:r>
+              <a:rPr lang="en-US"/>
+              <a:t>Fourth level</a:t>
+            </a:r>
+          </a:p>
+          <a:p>
+            <a:pPr lvl="4"/>
+            <a:r>
+              <a:rPr lang="en-US"/>
+              <a:t>Fifth level</a:t>
+            </a:r>
+            <a:endParaRPr lang="en-GB"/>
+          </a:p>
+        </p:txBody>
+      </p:sp>
+      <p:sp>
+        <p:nvSpPr>
+          <p:cNvPr id="4" name="Date Placeholder 3">
+            <a:extLst>
+              <a:ext uri="{FF2B5EF4-FFF2-40B4-BE49-F238E27FC236}">
+                <a16:creationId xmlns:a16="http://schemas.microsoft.com/office/drawing/2014/main" id="{82E8A94F-F21C-8A5C-1FCB-A9ECAC973E4E}"/>
+              </a:ext>
+            </a:extLst>
+          </p:cNvPr>
+          <p:cNvSpPr>
+            <a:spLocks noGrp="1"/>
+          </p:cNvSpPr>
+          <p:nvPr>
+            <p:ph type="dt" sz="half" idx="10"/>
+          </p:nvPr>
+        </p:nvSpPr>
+        <p:spPr/>
+        <p:txBody>
+          <a:bodyPr/>
+          <a:lstStyle/>
+          <a:p>
+            <a:fld id="{B7122F82-5FE7-4748-9719-10DEE637913C}" type="datetimeFigureOut">
+              <a:rPr lang="en-GB" smtClean="0"/>
+              <a:t>02/12/2022</a:t>
+            </a:fld>
+            <a:endParaRPr lang="en-GB"/>
+          </a:p>
+        </p:txBody>
+      </p:sp>
+      <p:sp>
+        <p:nvSpPr>
+          <p:cNvPr id="5" name="Footer Placeholder 4">
+            <a:extLst>
+              <a:ext uri="{FF2B5EF4-FFF2-40B4-BE49-F238E27FC236}">
+                <a16:creationId xmlns:a16="http://schemas.microsoft.com/office/drawing/2014/main" id="{26D101FA-5984-216C-CC23-5F487ECA186E}"/>
+              </a:ext>
+            </a:extLst>
+          </p:cNvPr>
+          <p:cNvSpPr>
+            <a:spLocks noGrp="1"/>
+          </p:cNvSpPr>
+          <p:nvPr>
+            <p:ph type="ftr" sz="quarter" idx="11"/>
+          </p:nvPr>
+        </p:nvSpPr>
+        <p:spPr/>
+        <p:txBody>
+          <a:bodyPr/>
+          <a:lstStyle/>
+          <a:p>
+            <a:endParaRPr lang="en-GB"/>
+          </a:p>
+        </p:txBody>
+      </p:sp>
+      <p:sp>
+        <p:nvSpPr>
+          <p:cNvPr id="6" name="Slide Number Placeholder 5">
+            <a:extLst>
+              <a:ext uri="{FF2B5EF4-FFF2-40B4-BE49-F238E27FC236}">
+                <a16:creationId xmlns:a16="http://schemas.microsoft.com/office/drawing/2014/main" id="{09B99A40-53B7-D375-8A6E-4DAB1292E381}"/>
+              </a:ext>
+            </a:extLst>
+          </p:cNvPr>
+          <p:cNvSpPr>
+            <a:spLocks noGrp="1"/>
+          </p:cNvSpPr>
+          <p:nvPr>
+            <p:ph type="sldNum" sz="quarter" idx="12"/>
+          </p:nvPr>
+        </p:nvSpPr>
+        <p:spPr/>
+        <p:txBody>
+          <a:bodyPr/>
+          <a:lstStyle/>
+          <a:p>
+            <a:fld id="{594B8F33-4579-4A5F-BBB3-651942039C70}" type="slidenum">
+              <a:rPr lang="en-GB" smtClean="0"/>
+              <a:t>‹#›</a:t>
+            </a:fld>
+            <a:endParaRPr lang="en-GB"/>
+          </a:p>
+        </p:txBody>
+      </p:sp>
+    </p:spTree>
+    <p:extLst>
+      <p:ext uri="{BB962C8B-B14F-4D97-AF65-F5344CB8AC3E}">
+        <p14:creationId xmlns:p14="http://schemas.microsoft.com/office/powerpoint/2010/main" val="4062822868"/>
       </p:ext>
     </p:extLst>
   </p:cSld>
@@ -769,15 +3706,39 @@
           <a:chExt cx="0" cy="0"/>
         </a:xfrm>
       </p:grpSpPr>
-      <p:sp>
-        <p:nvSpPr>
-          <p:cNvPr id="2" name="Title 1">
+      <p:pic>
+        <p:nvPicPr>
+          <p:cNvPr id="3" name="Picture 2" descr="Droplets-HD-Content-R1d.png"/>
+          <p:cNvPicPr>
+            <a:picLocks noChangeAspect="1"/>
+          </p:cNvPicPr>
+          <p:nvPr/>
+        </p:nvPicPr>
+        <p:blipFill>
+          <a:blip r:embed="rId2">
             <a:extLst>
-              <a:ext uri="{FF2B5EF4-FFF2-40B4-BE49-F238E27FC236}">
-                <a16:creationId xmlns:a16="http://schemas.microsoft.com/office/drawing/2014/main" id="{5339E0A5-3DB2-CA35-B970-8929932754B5}"/>
+              <a:ext uri="{28A0092B-C50C-407E-A947-70E740481C1C}">
+                <a14:useLocalDpi xmlns:a14="http://schemas.microsoft.com/office/drawing/2010/main" val="0"/>
               </a:ext>
             </a:extLst>
-          </p:cNvPr>
+          </a:blip>
+          <a:stretch>
+            <a:fillRect/>
+          </a:stretch>
+        </p:blipFill>
+        <p:spPr>
+          <a:xfrm>
+            <a:off x="0" y="0"/>
+            <a:ext cx="12192000" cy="6858000"/>
+          </a:xfrm>
+          <a:prstGeom prst="rect">
+            <a:avLst/>
+          </a:prstGeom>
+        </p:spPr>
+      </p:pic>
+      <p:sp>
+        <p:nvSpPr>
+          <p:cNvPr id="2" name="Title 1"/>
           <p:cNvSpPr>
             <a:spLocks noGrp="1"/>
           </p:cNvSpPr>
@@ -794,27 +3755,26 @@
               <a:rPr lang="en-US"/>
               <a:t>Click to edit Master title style</a:t>
             </a:r>
-            <a:endParaRPr lang="en-GB"/>
-          </a:p>
-        </p:txBody>
-      </p:sp>
-      <p:sp>
-        <p:nvSpPr>
-          <p:cNvPr id="3" name="Content Placeholder 2">
-            <a:extLst>
-              <a:ext uri="{FF2B5EF4-FFF2-40B4-BE49-F238E27FC236}">
-                <a16:creationId xmlns:a16="http://schemas.microsoft.com/office/drawing/2014/main" id="{FCA9546D-F28D-A8FC-BCEB-ACF8265DC4DE}"/>
-              </a:ext>
-            </a:extLst>
-          </p:cNvPr>
-          <p:cNvSpPr>
-            <a:spLocks noGrp="1"/>
-          </p:cNvSpPr>
-          <p:nvPr>
-            <p:ph idx="1"/>
-          </p:nvPr>
-        </p:nvSpPr>
-        <p:spPr/>
+            <a:endParaRPr lang="en-US" dirty="0"/>
+          </a:p>
+        </p:txBody>
+      </p:sp>
+      <p:sp>
+        <p:nvSpPr>
+          <p:cNvPr id="12" name="Content Placeholder 2"/>
+          <p:cNvSpPr>
+            <a:spLocks noGrp="1"/>
+          </p:cNvSpPr>
+          <p:nvPr>
+            <p:ph sz="quarter" idx="13"/>
+          </p:nvPr>
+        </p:nvSpPr>
+        <p:spPr>
+          <a:xfrm>
+            <a:off x="913774" y="2367092"/>
+            <a:ext cx="10363826" cy="3424107"/>
+          </a:xfrm>
+        </p:spPr>
         <p:txBody>
           <a:bodyPr/>
           <a:lstStyle/>
@@ -852,19 +3812,13 @@
               <a:rPr lang="en-US"/>
               <a:t>Fifth level</a:t>
             </a:r>
-            <a:endParaRPr lang="en-GB"/>
-          </a:p>
-        </p:txBody>
-      </p:sp>
-      <p:sp>
-        <p:nvSpPr>
-          <p:cNvPr id="4" name="Date Placeholder 3">
-            <a:extLst>
-              <a:ext uri="{FF2B5EF4-FFF2-40B4-BE49-F238E27FC236}">
-                <a16:creationId xmlns:a16="http://schemas.microsoft.com/office/drawing/2014/main" id="{82E8A94F-F21C-8A5C-1FCB-A9ECAC973E4E}"/>
-              </a:ext>
-            </a:extLst>
-          </p:cNvPr>
+            <a:endParaRPr lang="en-US" dirty="0"/>
+          </a:p>
+        </p:txBody>
+      </p:sp>
+      <p:sp>
+        <p:nvSpPr>
+          <p:cNvPr id="4" name="Date Placeholder 3"/>
           <p:cNvSpPr>
             <a:spLocks noGrp="1"/>
           </p:cNvSpPr>
@@ -879,7 +3833,7 @@
           <a:p>
             <a:fld id="{B7122F82-5FE7-4748-9719-10DEE637913C}" type="datetimeFigureOut">
               <a:rPr lang="en-GB" smtClean="0"/>
-              <a:t>01/12/2022</a:t>
+              <a:t>02/12/2022</a:t>
             </a:fld>
             <a:endParaRPr lang="en-GB"/>
           </a:p>
@@ -887,13 +3841,7 @@
       </p:sp>
       <p:sp>
         <p:nvSpPr>
-          <p:cNvPr id="5" name="Footer Placeholder 4">
-            <a:extLst>
-              <a:ext uri="{FF2B5EF4-FFF2-40B4-BE49-F238E27FC236}">
-                <a16:creationId xmlns:a16="http://schemas.microsoft.com/office/drawing/2014/main" id="{26D101FA-5984-216C-CC23-5F487ECA186E}"/>
-              </a:ext>
-            </a:extLst>
-          </p:cNvPr>
+          <p:cNvPr id="5" name="Footer Placeholder 4"/>
           <p:cNvSpPr>
             <a:spLocks noGrp="1"/>
           </p:cNvSpPr>
@@ -912,13 +3860,7 @@
       </p:sp>
       <p:sp>
         <p:nvSpPr>
-          <p:cNvPr id="6" name="Slide Number Placeholder 5">
-            <a:extLst>
-              <a:ext uri="{FF2B5EF4-FFF2-40B4-BE49-F238E27FC236}">
-                <a16:creationId xmlns:a16="http://schemas.microsoft.com/office/drawing/2014/main" id="{09B99A40-53B7-D375-8A6E-4DAB1292E381}"/>
-              </a:ext>
-            </a:extLst>
-          </p:cNvPr>
+          <p:cNvPr id="6" name="Slide Number Placeholder 5"/>
           <p:cNvSpPr>
             <a:spLocks noGrp="1"/>
           </p:cNvSpPr>
@@ -942,7 +3884,7 @@
     </p:spTree>
     <p:extLst>
       <p:ext uri="{BB962C8B-B14F-4D97-AF65-F5344CB8AC3E}">
-        <p14:creationId xmlns:p14="http://schemas.microsoft.com/office/powerpoint/2010/main" val="825017294"/>
+        <p14:creationId xmlns:p14="http://schemas.microsoft.com/office/powerpoint/2010/main" val="3662597998"/>
       </p:ext>
     </p:extLst>
   </p:cSld>
@@ -969,33 +3911,59 @@
           <a:chExt cx="0" cy="0"/>
         </a:xfrm>
       </p:grpSpPr>
-      <p:sp>
-        <p:nvSpPr>
-          <p:cNvPr id="2" name="Title 1">
+      <p:pic>
+        <p:nvPicPr>
+          <p:cNvPr id="9" name="Picture 8" descr="Droplets-HD-Content-R1d.png"/>
+          <p:cNvPicPr>
+            <a:picLocks noChangeAspect="1"/>
+          </p:cNvPicPr>
+          <p:nvPr/>
+        </p:nvPicPr>
+        <p:blipFill>
+          <a:blip r:embed="rId2">
             <a:extLst>
-              <a:ext uri="{FF2B5EF4-FFF2-40B4-BE49-F238E27FC236}">
-                <a16:creationId xmlns:a16="http://schemas.microsoft.com/office/drawing/2014/main" id="{1E5EBA01-BA85-CB98-22E2-175C4590BA80}"/>
+              <a:ext uri="{28A0092B-C50C-407E-A947-70E740481C1C}">
+                <a14:useLocalDpi xmlns:a14="http://schemas.microsoft.com/office/drawing/2010/main" val="0"/>
               </a:ext>
             </a:extLst>
-          </p:cNvPr>
-          <p:cNvSpPr>
-            <a:spLocks noGrp="1"/>
-          </p:cNvSpPr>
-          <p:nvPr>
-            <p:ph type="title"/>
-          </p:nvPr>
-        </p:nvSpPr>
+          </a:blip>
+          <a:stretch>
+            <a:fillRect/>
+          </a:stretch>
+        </p:blipFill>
         <p:spPr>
           <a:xfrm>
-            <a:off x="831850" y="1709738"/>
-            <a:ext cx="10515600" cy="2852737"/>
+            <a:off x="0" y="0"/>
+            <a:ext cx="12192000" cy="6858000"/>
+          </a:xfrm>
+          <a:prstGeom prst="rect">
+            <a:avLst/>
+          </a:prstGeom>
+        </p:spPr>
+      </p:pic>
+      <p:sp>
+        <p:nvSpPr>
+          <p:cNvPr id="2" name="Title 1"/>
+          <p:cNvSpPr>
+            <a:spLocks noGrp="1"/>
+          </p:cNvSpPr>
+          <p:nvPr>
+            <p:ph type="title"/>
+          </p:nvPr>
+        </p:nvSpPr>
+        <p:spPr>
+          <a:xfrm>
+            <a:off x="913774" y="828563"/>
+            <a:ext cx="10351752" cy="2736819"/>
           </a:xfrm>
         </p:spPr>
         <p:txBody>
-          <a:bodyPr anchor="b"/>
+          <a:bodyPr anchor="b">
+            <a:normAutofit/>
+          </a:bodyPr>
           <a:lstStyle>
             <a:lvl1pPr>
-              <a:defRPr sz="6000"/>
+              <a:defRPr sz="4000"/>
             </a:lvl1pPr>
           </a:lstStyle>
           <a:p>
@@ -1003,19 +3971,13 @@
               <a:rPr lang="en-US"/>
               <a:t>Click to edit Master title style</a:t>
             </a:r>
-            <a:endParaRPr lang="en-GB"/>
-          </a:p>
-        </p:txBody>
-      </p:sp>
-      <p:sp>
-        <p:nvSpPr>
-          <p:cNvPr id="3" name="Text Placeholder 2">
-            <a:extLst>
-              <a:ext uri="{FF2B5EF4-FFF2-40B4-BE49-F238E27FC236}">
-                <a16:creationId xmlns:a16="http://schemas.microsoft.com/office/drawing/2014/main" id="{50007408-70FE-C8C1-49D5-AB2FAE5C8D14}"/>
-              </a:ext>
-            </a:extLst>
-          </p:cNvPr>
+            <a:endParaRPr lang="en-US" dirty="0"/>
+          </a:p>
+        </p:txBody>
+      </p:sp>
+      <p:sp>
+        <p:nvSpPr>
+          <p:cNvPr id="3" name="Text Placeholder 2"/>
           <p:cNvSpPr>
             <a:spLocks noGrp="1"/>
           </p:cNvSpPr>
@@ -1025,19 +3987,21 @@
         </p:nvSpPr>
         <p:spPr>
           <a:xfrm>
-            <a:off x="831850" y="4589463"/>
-            <a:ext cx="10515600" cy="1500187"/>
+            <a:off x="913774" y="3657457"/>
+            <a:ext cx="10351752" cy="1368183"/>
           </a:xfrm>
         </p:spPr>
         <p:txBody>
-          <a:bodyPr/>
+          <a:bodyPr>
+            <a:normAutofit/>
+          </a:bodyPr>
           <a:lstStyle>
-            <a:lvl1pPr marL="0" indent="0">
-              <a:buNone/>
-              <a:defRPr sz="2400">
+            <a:lvl1pPr marL="0" indent="0" algn="ctr">
+              <a:buNone/>
+              <a:defRPr sz="2000">
                 <a:solidFill>
-                  <a:schemeClr val="tx1">
-                    <a:tint val="75000"/>
+                  <a:schemeClr val="bg1">
+                    <a:lumMod val="50000"/>
                   </a:schemeClr>
                 </a:solidFill>
               </a:defRPr>
@@ -1134,13 +4098,7 @@
       </p:sp>
       <p:sp>
         <p:nvSpPr>
-          <p:cNvPr id="4" name="Date Placeholder 3">
-            <a:extLst>
-              <a:ext uri="{FF2B5EF4-FFF2-40B4-BE49-F238E27FC236}">
-                <a16:creationId xmlns:a16="http://schemas.microsoft.com/office/drawing/2014/main" id="{32CE85C8-1ACE-992C-4B96-559D21137993}"/>
-              </a:ext>
-            </a:extLst>
-          </p:cNvPr>
+          <p:cNvPr id="4" name="Date Placeholder 3"/>
           <p:cNvSpPr>
             <a:spLocks noGrp="1"/>
           </p:cNvSpPr>
@@ -1155,7 +4113,7 @@
           <a:p>
             <a:fld id="{B7122F82-5FE7-4748-9719-10DEE637913C}" type="datetimeFigureOut">
               <a:rPr lang="en-GB" smtClean="0"/>
-              <a:t>01/12/2022</a:t>
+              <a:t>02/12/2022</a:t>
             </a:fld>
             <a:endParaRPr lang="en-GB"/>
           </a:p>
@@ -1163,13 +4121,7 @@
       </p:sp>
       <p:sp>
         <p:nvSpPr>
-          <p:cNvPr id="5" name="Footer Placeholder 4">
-            <a:extLst>
-              <a:ext uri="{FF2B5EF4-FFF2-40B4-BE49-F238E27FC236}">
-                <a16:creationId xmlns:a16="http://schemas.microsoft.com/office/drawing/2014/main" id="{723FE781-2F5F-D46B-022F-EE5F9B3778B9}"/>
-              </a:ext>
-            </a:extLst>
-          </p:cNvPr>
+          <p:cNvPr id="5" name="Footer Placeholder 4"/>
           <p:cNvSpPr>
             <a:spLocks noGrp="1"/>
           </p:cNvSpPr>
@@ -1188,13 +4140,7 @@
       </p:sp>
       <p:sp>
         <p:nvSpPr>
-          <p:cNvPr id="6" name="Slide Number Placeholder 5">
-            <a:extLst>
-              <a:ext uri="{FF2B5EF4-FFF2-40B4-BE49-F238E27FC236}">
-                <a16:creationId xmlns:a16="http://schemas.microsoft.com/office/drawing/2014/main" id="{A5E9A989-EF2C-333D-9171-A7353EFE7FF5}"/>
-              </a:ext>
-            </a:extLst>
-          </p:cNvPr>
+          <p:cNvPr id="6" name="Slide Number Placeholder 5"/>
           <p:cNvSpPr>
             <a:spLocks noGrp="1"/>
           </p:cNvSpPr>
@@ -1218,7 +4164,7 @@
     </p:spTree>
     <p:extLst>
       <p:ext uri="{BB962C8B-B14F-4D97-AF65-F5344CB8AC3E}">
-        <p14:creationId xmlns:p14="http://schemas.microsoft.com/office/powerpoint/2010/main" val="143234822"/>
+        <p14:creationId xmlns:p14="http://schemas.microsoft.com/office/powerpoint/2010/main" val="4172904687"/>
       </p:ext>
     </p:extLst>
   </p:cSld>
@@ -1245,15 +4191,39 @@
           <a:chExt cx="0" cy="0"/>
         </a:xfrm>
       </p:grpSpPr>
-      <p:sp>
-        <p:nvSpPr>
-          <p:cNvPr id="2" name="Title 1">
+      <p:pic>
+        <p:nvPicPr>
+          <p:cNvPr id="10" name="Picture 9" descr="Droplets-HD-Content-R1d.png"/>
+          <p:cNvPicPr>
+            <a:picLocks noChangeAspect="1"/>
+          </p:cNvPicPr>
+          <p:nvPr/>
+        </p:nvPicPr>
+        <p:blipFill>
+          <a:blip r:embed="rId2">
             <a:extLst>
-              <a:ext uri="{FF2B5EF4-FFF2-40B4-BE49-F238E27FC236}">
-                <a16:creationId xmlns:a16="http://schemas.microsoft.com/office/drawing/2014/main" id="{8CCEB87E-251F-980F-8C8F-8B40156483BC}"/>
+              <a:ext uri="{28A0092B-C50C-407E-A947-70E740481C1C}">
+                <a14:useLocalDpi xmlns:a14="http://schemas.microsoft.com/office/drawing/2010/main" val="0"/>
               </a:ext>
             </a:extLst>
-          </p:cNvPr>
+          </a:blip>
+          <a:stretch>
+            <a:fillRect/>
+          </a:stretch>
+        </p:blipFill>
+        <p:spPr>
+          <a:xfrm>
+            <a:off x="0" y="0"/>
+            <a:ext cx="12192000" cy="6858000"/>
+          </a:xfrm>
+          <a:prstGeom prst="rect">
+            <a:avLst/>
+          </a:prstGeom>
+        </p:spPr>
+      </p:pic>
+      <p:sp>
+        <p:nvSpPr>
+          <p:cNvPr id="14" name="Title 1"/>
           <p:cNvSpPr>
             <a:spLocks noGrp="1"/>
           </p:cNvSpPr>
@@ -1261,7 +4231,12 @@
             <p:ph type="title"/>
           </p:nvPr>
         </p:nvSpPr>
-        <p:spPr/>
+        <p:spPr>
+          <a:xfrm>
+            <a:off x="913775" y="618517"/>
+            <a:ext cx="10364451" cy="1596177"/>
+          </a:xfrm>
+        </p:spPr>
         <p:txBody>
           <a:bodyPr/>
           <a:lstStyle/>
@@ -1270,30 +4245,24 @@
               <a:rPr lang="en-US"/>
               <a:t>Click to edit Master title style</a:t>
             </a:r>
-            <a:endParaRPr lang="en-GB"/>
-          </a:p>
-        </p:txBody>
-      </p:sp>
-      <p:sp>
-        <p:nvSpPr>
-          <p:cNvPr id="3" name="Content Placeholder 2">
-            <a:extLst>
-              <a:ext uri="{FF2B5EF4-FFF2-40B4-BE49-F238E27FC236}">
-                <a16:creationId xmlns:a16="http://schemas.microsoft.com/office/drawing/2014/main" id="{2F722DEC-9040-CC7F-7A07-1861DCF2987E}"/>
-              </a:ext>
-            </a:extLst>
-          </p:cNvPr>
-          <p:cNvSpPr>
-            <a:spLocks noGrp="1"/>
-          </p:cNvSpPr>
-          <p:nvPr>
-            <p:ph sz="half" idx="1"/>
+            <a:endParaRPr lang="en-US" dirty="0"/>
+          </a:p>
+        </p:txBody>
+      </p:sp>
+      <p:sp>
+        <p:nvSpPr>
+          <p:cNvPr id="12" name="Content Placeholder 2"/>
+          <p:cNvSpPr>
+            <a:spLocks noGrp="1"/>
+          </p:cNvSpPr>
+          <p:nvPr>
+            <p:ph sz="quarter" idx="13"/>
           </p:nvPr>
         </p:nvSpPr>
         <p:spPr>
           <a:xfrm>
-            <a:off x="838200" y="1825625"/>
-            <a:ext cx="5181600" cy="4351338"/>
+            <a:off x="913774" y="2367092"/>
+            <a:ext cx="5106026" cy="3424107"/>
           </a:xfrm>
         </p:spPr>
         <p:txBody>
@@ -1333,30 +4302,24 @@
               <a:rPr lang="en-US"/>
               <a:t>Fifth level</a:t>
             </a:r>
-            <a:endParaRPr lang="en-GB"/>
-          </a:p>
-        </p:txBody>
-      </p:sp>
-      <p:sp>
-        <p:nvSpPr>
-          <p:cNvPr id="4" name="Content Placeholder 3">
-            <a:extLst>
-              <a:ext uri="{FF2B5EF4-FFF2-40B4-BE49-F238E27FC236}">
-                <a16:creationId xmlns:a16="http://schemas.microsoft.com/office/drawing/2014/main" id="{EF9FF745-2F3E-BDFE-473F-96376CA0EBBC}"/>
-              </a:ext>
-            </a:extLst>
-          </p:cNvPr>
-          <p:cNvSpPr>
-            <a:spLocks noGrp="1"/>
-          </p:cNvSpPr>
-          <p:nvPr>
-            <p:ph sz="half" idx="2"/>
+            <a:endParaRPr lang="en-US" dirty="0"/>
+          </a:p>
+        </p:txBody>
+      </p:sp>
+      <p:sp>
+        <p:nvSpPr>
+          <p:cNvPr id="13" name="Content Placeholder 3"/>
+          <p:cNvSpPr>
+            <a:spLocks noGrp="1"/>
+          </p:cNvSpPr>
+          <p:nvPr>
+            <p:ph sz="quarter" idx="14"/>
           </p:nvPr>
         </p:nvSpPr>
         <p:spPr>
           <a:xfrm>
-            <a:off x="6172200" y="1825625"/>
-            <a:ext cx="5181600" cy="4351338"/>
+            <a:off x="6172200" y="2367092"/>
+            <a:ext cx="5105400" cy="3424107"/>
           </a:xfrm>
         </p:spPr>
         <p:txBody>
@@ -1396,19 +4359,13 @@
               <a:rPr lang="en-US"/>
               <a:t>Fifth level</a:t>
             </a:r>
-            <a:endParaRPr lang="en-GB"/>
-          </a:p>
-        </p:txBody>
-      </p:sp>
-      <p:sp>
-        <p:nvSpPr>
-          <p:cNvPr id="5" name="Date Placeholder 4">
-            <a:extLst>
-              <a:ext uri="{FF2B5EF4-FFF2-40B4-BE49-F238E27FC236}">
-                <a16:creationId xmlns:a16="http://schemas.microsoft.com/office/drawing/2014/main" id="{66F173B3-CF34-6B56-5B67-1ACDCA4D994F}"/>
-              </a:ext>
-            </a:extLst>
-          </p:cNvPr>
+            <a:endParaRPr lang="en-US" dirty="0"/>
+          </a:p>
+        </p:txBody>
+      </p:sp>
+      <p:sp>
+        <p:nvSpPr>
+          <p:cNvPr id="5" name="Date Placeholder 4"/>
           <p:cNvSpPr>
             <a:spLocks noGrp="1"/>
           </p:cNvSpPr>
@@ -1423,7 +4380,7 @@
           <a:p>
             <a:fld id="{B7122F82-5FE7-4748-9719-10DEE637913C}" type="datetimeFigureOut">
               <a:rPr lang="en-GB" smtClean="0"/>
-              <a:t>01/12/2022</a:t>
+              <a:t>02/12/2022</a:t>
             </a:fld>
             <a:endParaRPr lang="en-GB"/>
           </a:p>
@@ -1431,13 +4388,7 @@
       </p:sp>
       <p:sp>
         <p:nvSpPr>
-          <p:cNvPr id="6" name="Footer Placeholder 5">
-            <a:extLst>
-              <a:ext uri="{FF2B5EF4-FFF2-40B4-BE49-F238E27FC236}">
-                <a16:creationId xmlns:a16="http://schemas.microsoft.com/office/drawing/2014/main" id="{7B884754-3F0F-6F1D-05A7-69AF7CE74DE4}"/>
-              </a:ext>
-            </a:extLst>
-          </p:cNvPr>
+          <p:cNvPr id="6" name="Footer Placeholder 5"/>
           <p:cNvSpPr>
             <a:spLocks noGrp="1"/>
           </p:cNvSpPr>
@@ -1456,13 +4407,7 @@
       </p:sp>
       <p:sp>
         <p:nvSpPr>
-          <p:cNvPr id="7" name="Slide Number Placeholder 6">
-            <a:extLst>
-              <a:ext uri="{FF2B5EF4-FFF2-40B4-BE49-F238E27FC236}">
-                <a16:creationId xmlns:a16="http://schemas.microsoft.com/office/drawing/2014/main" id="{D5300D12-56A8-412B-1FD8-1A92201B3B38}"/>
-              </a:ext>
-            </a:extLst>
-          </p:cNvPr>
+          <p:cNvPr id="7" name="Slide Number Placeholder 6"/>
           <p:cNvSpPr>
             <a:spLocks noGrp="1"/>
           </p:cNvSpPr>
@@ -1486,7 +4431,7 @@
     </p:spTree>
     <p:extLst>
       <p:ext uri="{BB962C8B-B14F-4D97-AF65-F5344CB8AC3E}">
-        <p14:creationId xmlns:p14="http://schemas.microsoft.com/office/powerpoint/2010/main" val="130786889"/>
+        <p14:creationId xmlns:p14="http://schemas.microsoft.com/office/powerpoint/2010/main" val="1987629860"/>
       </p:ext>
     </p:extLst>
   </p:cSld>
@@ -1513,26 +4458,50 @@
           <a:chExt cx="0" cy="0"/>
         </a:xfrm>
       </p:grpSpPr>
-      <p:sp>
-        <p:nvSpPr>
-          <p:cNvPr id="2" name="Title 1">
+      <p:pic>
+        <p:nvPicPr>
+          <p:cNvPr id="15" name="Picture 14" descr="Droplets-HD-Content-R1d.png"/>
+          <p:cNvPicPr>
+            <a:picLocks noChangeAspect="1"/>
+          </p:cNvPicPr>
+          <p:nvPr/>
+        </p:nvPicPr>
+        <p:blipFill>
+          <a:blip r:embed="rId2">
             <a:extLst>
-              <a:ext uri="{FF2B5EF4-FFF2-40B4-BE49-F238E27FC236}">
-                <a16:creationId xmlns:a16="http://schemas.microsoft.com/office/drawing/2014/main" id="{CD043390-EC1C-511C-82A9-4C2A88B103A3}"/>
+              <a:ext uri="{28A0092B-C50C-407E-A947-70E740481C1C}">
+                <a14:useLocalDpi xmlns:a14="http://schemas.microsoft.com/office/drawing/2010/main" val="0"/>
               </a:ext>
             </a:extLst>
-          </p:cNvPr>
-          <p:cNvSpPr>
-            <a:spLocks noGrp="1"/>
-          </p:cNvSpPr>
-          <p:nvPr>
-            <p:ph type="title"/>
-          </p:nvPr>
-        </p:nvSpPr>
+          </a:blip>
+          <a:stretch>
+            <a:fillRect/>
+          </a:stretch>
+        </p:blipFill>
         <p:spPr>
           <a:xfrm>
-            <a:off x="839788" y="365125"/>
-            <a:ext cx="10515600" cy="1325563"/>
+            <a:off x="0" y="0"/>
+            <a:ext cx="12192000" cy="6858000"/>
+          </a:xfrm>
+          <a:prstGeom prst="rect">
+            <a:avLst/>
+          </a:prstGeom>
+        </p:spPr>
+      </p:pic>
+      <p:sp>
+        <p:nvSpPr>
+          <p:cNvPr id="14" name="Title 1"/>
+          <p:cNvSpPr>
+            <a:spLocks noGrp="1"/>
+          </p:cNvSpPr>
+          <p:nvPr>
+            <p:ph type="title"/>
+          </p:nvPr>
+        </p:nvSpPr>
+        <p:spPr>
+          <a:xfrm>
+            <a:off x="913775" y="618517"/>
+            <a:ext cx="10364451" cy="1596177"/>
           </a:xfrm>
         </p:spPr>
         <p:txBody>
@@ -1543,19 +4512,13 @@
               <a:rPr lang="en-US"/>
               <a:t>Click to edit Master title style</a:t>
             </a:r>
-            <a:endParaRPr lang="en-GB"/>
-          </a:p>
-        </p:txBody>
-      </p:sp>
-      <p:sp>
-        <p:nvSpPr>
-          <p:cNvPr id="3" name="Text Placeholder 2">
-            <a:extLst>
-              <a:ext uri="{FF2B5EF4-FFF2-40B4-BE49-F238E27FC236}">
-                <a16:creationId xmlns:a16="http://schemas.microsoft.com/office/drawing/2014/main" id="{AD756C8C-4646-07B1-A455-A44B16B0E20B}"/>
-              </a:ext>
-            </a:extLst>
-          </p:cNvPr>
+            <a:endParaRPr lang="en-US" dirty="0"/>
+          </a:p>
+        </p:txBody>
+      </p:sp>
+      <p:sp>
+        <p:nvSpPr>
+          <p:cNvPr id="3" name="Text Placeholder 2"/>
           <p:cNvSpPr>
             <a:spLocks noGrp="1"/>
           </p:cNvSpPr>
@@ -1565,16 +4528,25 @@
         </p:nvSpPr>
         <p:spPr>
           <a:xfrm>
-            <a:off x="839788" y="1681163"/>
-            <a:ext cx="5157787" cy="823912"/>
+            <a:off x="1146328" y="2371018"/>
+            <a:ext cx="4873474" cy="679994"/>
           </a:xfrm>
         </p:spPr>
         <p:txBody>
-          <a:bodyPr anchor="b"/>
+          <a:bodyPr anchor="b">
+            <a:noAutofit/>
+          </a:bodyPr>
           <a:lstStyle>
             <a:lvl1pPr marL="0" indent="0">
-              <a:buNone/>
-              <a:defRPr sz="2400" b="1"/>
+              <a:lnSpc>
+                <a:spcPct val="85000"/>
+              </a:lnSpc>
+              <a:buNone/>
+              <a:defRPr sz="2600" b="0">
+                <a:solidFill>
+                  <a:schemeClr val="tx1"/>
+                </a:solidFill>
+              </a:defRPr>
             </a:lvl1pPr>
             <a:lvl2pPr marL="457200" indent="0">
               <a:buNone/>
@@ -1620,24 +4592,18 @@
       </p:sp>
       <p:sp>
         <p:nvSpPr>
-          <p:cNvPr id="4" name="Content Placeholder 3">
-            <a:extLst>
-              <a:ext uri="{FF2B5EF4-FFF2-40B4-BE49-F238E27FC236}">
-                <a16:creationId xmlns:a16="http://schemas.microsoft.com/office/drawing/2014/main" id="{0AA6AFFB-E900-E2CE-508C-D085D172DECB}"/>
-              </a:ext>
-            </a:extLst>
-          </p:cNvPr>
-          <p:cNvSpPr>
-            <a:spLocks noGrp="1"/>
-          </p:cNvSpPr>
-          <p:nvPr>
-            <p:ph sz="half" idx="2"/>
+          <p:cNvPr id="12" name="Content Placeholder 3"/>
+          <p:cNvSpPr>
+            <a:spLocks noGrp="1"/>
+          </p:cNvSpPr>
+          <p:nvPr>
+            <p:ph sz="quarter" idx="13"/>
           </p:nvPr>
         </p:nvSpPr>
         <p:spPr>
           <a:xfrm>
-            <a:off x="839788" y="2505075"/>
-            <a:ext cx="5157787" cy="3684588"/>
+            <a:off x="913774" y="3051012"/>
+            <a:ext cx="5106027" cy="2740187"/>
           </a:xfrm>
         </p:spPr>
         <p:txBody>
@@ -1677,19 +4643,13 @@
               <a:rPr lang="en-US"/>
               <a:t>Fifth level</a:t>
             </a:r>
-            <a:endParaRPr lang="en-GB"/>
-          </a:p>
-        </p:txBody>
-      </p:sp>
-      <p:sp>
-        <p:nvSpPr>
-          <p:cNvPr id="5" name="Text Placeholder 4">
-            <a:extLst>
-              <a:ext uri="{FF2B5EF4-FFF2-40B4-BE49-F238E27FC236}">
-                <a16:creationId xmlns:a16="http://schemas.microsoft.com/office/drawing/2014/main" id="{9A478F9D-5E4A-7AA2-8906-D6F9240B37AC}"/>
-              </a:ext>
-            </a:extLst>
-          </p:cNvPr>
+            <a:endParaRPr lang="en-US" dirty="0"/>
+          </a:p>
+        </p:txBody>
+      </p:sp>
+      <p:sp>
+        <p:nvSpPr>
+          <p:cNvPr id="5" name="Text Placeholder 4"/>
           <p:cNvSpPr>
             <a:spLocks noGrp="1"/>
           </p:cNvSpPr>
@@ -1699,16 +4659,25 @@
         </p:nvSpPr>
         <p:spPr>
           <a:xfrm>
-            <a:off x="6172200" y="1681163"/>
-            <a:ext cx="5183188" cy="823912"/>
+            <a:off x="6396423" y="2371018"/>
+            <a:ext cx="4881804" cy="679994"/>
           </a:xfrm>
         </p:spPr>
         <p:txBody>
-          <a:bodyPr anchor="b"/>
+          <a:bodyPr anchor="b">
+            <a:noAutofit/>
+          </a:bodyPr>
           <a:lstStyle>
             <a:lvl1pPr marL="0" indent="0">
-              <a:buNone/>
-              <a:defRPr sz="2400" b="1"/>
+              <a:lnSpc>
+                <a:spcPct val="85000"/>
+              </a:lnSpc>
+              <a:buNone/>
+              <a:defRPr sz="2600" b="0">
+                <a:solidFill>
+                  <a:schemeClr val="tx1"/>
+                </a:solidFill>
+              </a:defRPr>
             </a:lvl1pPr>
             <a:lvl2pPr marL="457200" indent="0">
               <a:buNone/>
@@ -1754,24 +4723,18 @@
       </p:sp>
       <p:sp>
         <p:nvSpPr>
-          <p:cNvPr id="6" name="Content Placeholder 5">
-            <a:extLst>
-              <a:ext uri="{FF2B5EF4-FFF2-40B4-BE49-F238E27FC236}">
-                <a16:creationId xmlns:a16="http://schemas.microsoft.com/office/drawing/2014/main" id="{B7BA1FF0-6F42-6C16-9A9E-884E5F769699}"/>
-              </a:ext>
-            </a:extLst>
-          </p:cNvPr>
-          <p:cNvSpPr>
-            <a:spLocks noGrp="1"/>
-          </p:cNvSpPr>
-          <p:nvPr>
-            <p:ph sz="quarter" idx="4"/>
+          <p:cNvPr id="13" name="Content Placeholder 5"/>
+          <p:cNvSpPr>
+            <a:spLocks noGrp="1"/>
+          </p:cNvSpPr>
+          <p:nvPr>
+            <p:ph sz="quarter" idx="14"/>
           </p:nvPr>
         </p:nvSpPr>
         <p:spPr>
           <a:xfrm>
-            <a:off x="6172200" y="2505075"/>
-            <a:ext cx="5183188" cy="3684588"/>
+            <a:off x="6172200" y="3051012"/>
+            <a:ext cx="5105401" cy="2740187"/>
           </a:xfrm>
         </p:spPr>
         <p:txBody>
@@ -1811,19 +4774,13 @@
               <a:rPr lang="en-US"/>
               <a:t>Fifth level</a:t>
             </a:r>
-            <a:endParaRPr lang="en-GB"/>
-          </a:p>
-        </p:txBody>
-      </p:sp>
-      <p:sp>
-        <p:nvSpPr>
-          <p:cNvPr id="7" name="Date Placeholder 6">
-            <a:extLst>
-              <a:ext uri="{FF2B5EF4-FFF2-40B4-BE49-F238E27FC236}">
-                <a16:creationId xmlns:a16="http://schemas.microsoft.com/office/drawing/2014/main" id="{ACD3EEDF-ABE4-83FA-0BF1-DAD3D4195658}"/>
-              </a:ext>
-            </a:extLst>
-          </p:cNvPr>
+            <a:endParaRPr lang="en-US" dirty="0"/>
+          </a:p>
+        </p:txBody>
+      </p:sp>
+      <p:sp>
+        <p:nvSpPr>
+          <p:cNvPr id="7" name="Date Placeholder 6"/>
           <p:cNvSpPr>
             <a:spLocks noGrp="1"/>
           </p:cNvSpPr>
@@ -1838,7 +4795,7 @@
           <a:p>
             <a:fld id="{B7122F82-5FE7-4748-9719-10DEE637913C}" type="datetimeFigureOut">
               <a:rPr lang="en-GB" smtClean="0"/>
-              <a:t>01/12/2022</a:t>
+              <a:t>02/12/2022</a:t>
             </a:fld>
             <a:endParaRPr lang="en-GB"/>
           </a:p>
@@ -1846,13 +4803,7 @@
       </p:sp>
       <p:sp>
         <p:nvSpPr>
-          <p:cNvPr id="8" name="Footer Placeholder 7">
-            <a:extLst>
-              <a:ext uri="{FF2B5EF4-FFF2-40B4-BE49-F238E27FC236}">
-                <a16:creationId xmlns:a16="http://schemas.microsoft.com/office/drawing/2014/main" id="{8DF21270-7DEF-6716-0B33-9E44E63FA0F7}"/>
-              </a:ext>
-            </a:extLst>
-          </p:cNvPr>
+          <p:cNvPr id="8" name="Footer Placeholder 7"/>
           <p:cNvSpPr>
             <a:spLocks noGrp="1"/>
           </p:cNvSpPr>
@@ -1871,13 +4822,7 @@
       </p:sp>
       <p:sp>
         <p:nvSpPr>
-          <p:cNvPr id="9" name="Slide Number Placeholder 8">
-            <a:extLst>
-              <a:ext uri="{FF2B5EF4-FFF2-40B4-BE49-F238E27FC236}">
-                <a16:creationId xmlns:a16="http://schemas.microsoft.com/office/drawing/2014/main" id="{A04BAEC2-89B6-CF2A-33F7-F35A36F2EEB0}"/>
-              </a:ext>
-            </a:extLst>
-          </p:cNvPr>
+          <p:cNvPr id="9" name="Slide Number Placeholder 8"/>
           <p:cNvSpPr>
             <a:spLocks noGrp="1"/>
           </p:cNvSpPr>
@@ -1901,7 +4846,7 @@
     </p:spTree>
     <p:extLst>
       <p:ext uri="{BB962C8B-B14F-4D97-AF65-F5344CB8AC3E}">
-        <p14:creationId xmlns:p14="http://schemas.microsoft.com/office/powerpoint/2010/main" val="1982550602"/>
+        <p14:creationId xmlns:p14="http://schemas.microsoft.com/office/powerpoint/2010/main" val="1908981676"/>
       </p:ext>
     </p:extLst>
   </p:cSld>
@@ -1928,15 +4873,39 @@
           <a:chExt cx="0" cy="0"/>
         </a:xfrm>
       </p:grpSpPr>
-      <p:sp>
-        <p:nvSpPr>
-          <p:cNvPr id="2" name="Title 1">
+      <p:pic>
+        <p:nvPicPr>
+          <p:cNvPr id="8" name="Picture 7" descr="Droplets-HD-Content-R1d.png"/>
+          <p:cNvPicPr>
+            <a:picLocks noChangeAspect="1"/>
+          </p:cNvPicPr>
+          <p:nvPr/>
+        </p:nvPicPr>
+        <p:blipFill>
+          <a:blip r:embed="rId2">
             <a:extLst>
-              <a:ext uri="{FF2B5EF4-FFF2-40B4-BE49-F238E27FC236}">
-                <a16:creationId xmlns:a16="http://schemas.microsoft.com/office/drawing/2014/main" id="{2FDA662F-A4BE-12DD-E94A-B0DD03A8A098}"/>
+              <a:ext uri="{28A0092B-C50C-407E-A947-70E740481C1C}">
+                <a14:useLocalDpi xmlns:a14="http://schemas.microsoft.com/office/drawing/2010/main" val="0"/>
               </a:ext>
             </a:extLst>
-          </p:cNvPr>
+          </a:blip>
+          <a:stretch>
+            <a:fillRect/>
+          </a:stretch>
+        </p:blipFill>
+        <p:spPr>
+          <a:xfrm>
+            <a:off x="0" y="0"/>
+            <a:ext cx="12192000" cy="6858000"/>
+          </a:xfrm>
+          <a:prstGeom prst="rect">
+            <a:avLst/>
+          </a:prstGeom>
+        </p:spPr>
+      </p:pic>
+      <p:sp>
+        <p:nvSpPr>
+          <p:cNvPr id="2" name="Title 1"/>
           <p:cNvSpPr>
             <a:spLocks noGrp="1"/>
           </p:cNvSpPr>
@@ -1953,19 +4922,13 @@
               <a:rPr lang="en-US"/>
               <a:t>Click to edit Master title style</a:t>
             </a:r>
-            <a:endParaRPr lang="en-GB"/>
-          </a:p>
-        </p:txBody>
-      </p:sp>
-      <p:sp>
-        <p:nvSpPr>
-          <p:cNvPr id="3" name="Date Placeholder 2">
-            <a:extLst>
-              <a:ext uri="{FF2B5EF4-FFF2-40B4-BE49-F238E27FC236}">
-                <a16:creationId xmlns:a16="http://schemas.microsoft.com/office/drawing/2014/main" id="{709E933A-1FC4-8C70-E551-D6EC8C61CAF4}"/>
-              </a:ext>
-            </a:extLst>
-          </p:cNvPr>
+            <a:endParaRPr lang="en-US" dirty="0"/>
+          </a:p>
+        </p:txBody>
+      </p:sp>
+      <p:sp>
+        <p:nvSpPr>
+          <p:cNvPr id="3" name="Date Placeholder 2"/>
           <p:cNvSpPr>
             <a:spLocks noGrp="1"/>
           </p:cNvSpPr>
@@ -1980,7 +4943,7 @@
           <a:p>
             <a:fld id="{B7122F82-5FE7-4748-9719-10DEE637913C}" type="datetimeFigureOut">
               <a:rPr lang="en-GB" smtClean="0"/>
-              <a:t>01/12/2022</a:t>
+              <a:t>02/12/2022</a:t>
             </a:fld>
             <a:endParaRPr lang="en-GB"/>
           </a:p>
@@ -1988,13 +4951,7 @@
       </p:sp>
       <p:sp>
         <p:nvSpPr>
-          <p:cNvPr id="4" name="Footer Placeholder 3">
-            <a:extLst>
-              <a:ext uri="{FF2B5EF4-FFF2-40B4-BE49-F238E27FC236}">
-                <a16:creationId xmlns:a16="http://schemas.microsoft.com/office/drawing/2014/main" id="{C5D45758-D833-C1E7-452F-FA943AB2C75E}"/>
-              </a:ext>
-            </a:extLst>
-          </p:cNvPr>
+          <p:cNvPr id="4" name="Footer Placeholder 3"/>
           <p:cNvSpPr>
             <a:spLocks noGrp="1"/>
           </p:cNvSpPr>
@@ -2013,13 +4970,7 @@
       </p:sp>
       <p:sp>
         <p:nvSpPr>
-          <p:cNvPr id="5" name="Slide Number Placeholder 4">
-            <a:extLst>
-              <a:ext uri="{FF2B5EF4-FFF2-40B4-BE49-F238E27FC236}">
-                <a16:creationId xmlns:a16="http://schemas.microsoft.com/office/drawing/2014/main" id="{31E305E0-A715-B533-BA98-4271DF57AF21}"/>
-              </a:ext>
-            </a:extLst>
-          </p:cNvPr>
+          <p:cNvPr id="5" name="Slide Number Placeholder 4"/>
           <p:cNvSpPr>
             <a:spLocks noGrp="1"/>
           </p:cNvSpPr>
@@ -2043,7 +4994,7 @@
     </p:spTree>
     <p:extLst>
       <p:ext uri="{BB962C8B-B14F-4D97-AF65-F5344CB8AC3E}">
-        <p14:creationId xmlns:p14="http://schemas.microsoft.com/office/powerpoint/2010/main" val="1006200312"/>
+        <p14:creationId xmlns:p14="http://schemas.microsoft.com/office/powerpoint/2010/main" val="671433800"/>
       </p:ext>
     </p:extLst>
   </p:cSld>
@@ -2070,15 +5021,39 @@
           <a:chExt cx="0" cy="0"/>
         </a:xfrm>
       </p:grpSpPr>
-      <p:sp>
-        <p:nvSpPr>
-          <p:cNvPr id="2" name="Date Placeholder 1">
+      <p:pic>
+        <p:nvPicPr>
+          <p:cNvPr id="7" name="Picture 6" descr="Droplets-HD-Content-R1d.png"/>
+          <p:cNvPicPr>
+            <a:picLocks noChangeAspect="1"/>
+          </p:cNvPicPr>
+          <p:nvPr/>
+        </p:nvPicPr>
+        <p:blipFill>
+          <a:blip r:embed="rId2">
             <a:extLst>
-              <a:ext uri="{FF2B5EF4-FFF2-40B4-BE49-F238E27FC236}">
-                <a16:creationId xmlns:a16="http://schemas.microsoft.com/office/drawing/2014/main" id="{0F1D7647-518F-CEF7-4776-861D86D70E79}"/>
+              <a:ext uri="{28A0092B-C50C-407E-A947-70E740481C1C}">
+                <a14:useLocalDpi xmlns:a14="http://schemas.microsoft.com/office/drawing/2010/main" val="0"/>
               </a:ext>
             </a:extLst>
-          </p:cNvPr>
+          </a:blip>
+          <a:stretch>
+            <a:fillRect/>
+          </a:stretch>
+        </p:blipFill>
+        <p:spPr>
+          <a:xfrm>
+            <a:off x="0" y="0"/>
+            <a:ext cx="12192000" cy="6858000"/>
+          </a:xfrm>
+          <a:prstGeom prst="rect">
+            <a:avLst/>
+          </a:prstGeom>
+        </p:spPr>
+      </p:pic>
+      <p:sp>
+        <p:nvSpPr>
+          <p:cNvPr id="2" name="Date Placeholder 1"/>
           <p:cNvSpPr>
             <a:spLocks noGrp="1"/>
           </p:cNvSpPr>
@@ -2093,7 +5068,7 @@
           <a:p>
             <a:fld id="{B7122F82-5FE7-4748-9719-10DEE637913C}" type="datetimeFigureOut">
               <a:rPr lang="en-GB" smtClean="0"/>
-              <a:t>01/12/2022</a:t>
+              <a:t>02/12/2022</a:t>
             </a:fld>
             <a:endParaRPr lang="en-GB"/>
           </a:p>
@@ -2101,13 +5076,7 @@
       </p:sp>
       <p:sp>
         <p:nvSpPr>
-          <p:cNvPr id="3" name="Footer Placeholder 2">
-            <a:extLst>
-              <a:ext uri="{FF2B5EF4-FFF2-40B4-BE49-F238E27FC236}">
-                <a16:creationId xmlns:a16="http://schemas.microsoft.com/office/drawing/2014/main" id="{D37B8C3A-7EE0-CCBE-64F1-6ECCDB22DE6D}"/>
-              </a:ext>
-            </a:extLst>
-          </p:cNvPr>
+          <p:cNvPr id="3" name="Footer Placeholder 2"/>
           <p:cNvSpPr>
             <a:spLocks noGrp="1"/>
           </p:cNvSpPr>
@@ -2126,13 +5095,7 @@
       </p:sp>
       <p:sp>
         <p:nvSpPr>
-          <p:cNvPr id="4" name="Slide Number Placeholder 3">
-            <a:extLst>
-              <a:ext uri="{FF2B5EF4-FFF2-40B4-BE49-F238E27FC236}">
-                <a16:creationId xmlns:a16="http://schemas.microsoft.com/office/drawing/2014/main" id="{2496BD14-D598-7D7C-44C8-52996B43FD0F}"/>
-              </a:ext>
-            </a:extLst>
-          </p:cNvPr>
+          <p:cNvPr id="4" name="Slide Number Placeholder 3"/>
           <p:cNvSpPr>
             <a:spLocks noGrp="1"/>
           </p:cNvSpPr>
@@ -2156,7 +5119,7 @@
     </p:spTree>
     <p:extLst>
       <p:ext uri="{BB962C8B-B14F-4D97-AF65-F5344CB8AC3E}">
-        <p14:creationId xmlns:p14="http://schemas.microsoft.com/office/powerpoint/2010/main" val="129740694"/>
+        <p14:creationId xmlns:p14="http://schemas.microsoft.com/office/powerpoint/2010/main" val="1925944073"/>
       </p:ext>
     </p:extLst>
   </p:cSld>
@@ -2183,32 +5146,56 @@
           <a:chExt cx="0" cy="0"/>
         </a:xfrm>
       </p:grpSpPr>
-      <p:sp>
-        <p:nvSpPr>
-          <p:cNvPr id="2" name="Title 1">
+      <p:pic>
+        <p:nvPicPr>
+          <p:cNvPr id="11" name="Picture 10" descr="Droplets-HD-Content-R1d.png"/>
+          <p:cNvPicPr>
+            <a:picLocks noChangeAspect="1"/>
+          </p:cNvPicPr>
+          <p:nvPr/>
+        </p:nvPicPr>
+        <p:blipFill>
+          <a:blip r:embed="rId2">
             <a:extLst>
-              <a:ext uri="{FF2B5EF4-FFF2-40B4-BE49-F238E27FC236}">
-                <a16:creationId xmlns:a16="http://schemas.microsoft.com/office/drawing/2014/main" id="{4EF2994A-7F65-E335-1E49-258925DB7519}"/>
+              <a:ext uri="{28A0092B-C50C-407E-A947-70E740481C1C}">
+                <a14:useLocalDpi xmlns:a14="http://schemas.microsoft.com/office/drawing/2010/main" val="0"/>
               </a:ext>
             </a:extLst>
-          </p:cNvPr>
-          <p:cNvSpPr>
-            <a:spLocks noGrp="1"/>
-          </p:cNvSpPr>
-          <p:nvPr>
-            <p:ph type="title"/>
-          </p:nvPr>
-        </p:nvSpPr>
+          </a:blip>
+          <a:stretch>
+            <a:fillRect/>
+          </a:stretch>
+        </p:blipFill>
         <p:spPr>
           <a:xfrm>
-            <a:off x="839788" y="457200"/>
-            <a:ext cx="3932237" cy="1600200"/>
+            <a:off x="0" y="0"/>
+            <a:ext cx="12192000" cy="6858000"/>
+          </a:xfrm>
+          <a:prstGeom prst="rect">
+            <a:avLst/>
+          </a:prstGeom>
+        </p:spPr>
+      </p:pic>
+      <p:sp>
+        <p:nvSpPr>
+          <p:cNvPr id="2" name="Title 1"/>
+          <p:cNvSpPr>
+            <a:spLocks noGrp="1"/>
+          </p:cNvSpPr>
+          <p:nvPr>
+            <p:ph type="title"/>
+          </p:nvPr>
+        </p:nvSpPr>
+        <p:spPr>
+          <a:xfrm>
+            <a:off x="913775" y="609600"/>
+            <a:ext cx="3935688" cy="2023252"/>
           </a:xfrm>
         </p:spPr>
         <p:txBody>
           <a:bodyPr anchor="b"/>
           <a:lstStyle>
-            <a:lvl1pPr>
+            <a:lvl1pPr algn="ctr">
               <a:defRPr sz="3200"/>
             </a:lvl1pPr>
           </a:lstStyle>
@@ -2217,63 +5204,29 @@
               <a:rPr lang="en-US"/>
               <a:t>Click to edit Master title style</a:t>
             </a:r>
-            <a:endParaRPr lang="en-GB"/>
-          </a:p>
-        </p:txBody>
-      </p:sp>
-      <p:sp>
-        <p:nvSpPr>
-          <p:cNvPr id="3" name="Content Placeholder 2">
-            <a:extLst>
-              <a:ext uri="{FF2B5EF4-FFF2-40B4-BE49-F238E27FC236}">
-                <a16:creationId xmlns:a16="http://schemas.microsoft.com/office/drawing/2014/main" id="{3FC08EC8-29C4-C573-FA9F-330AF060F838}"/>
-              </a:ext>
-            </a:extLst>
-          </p:cNvPr>
-          <p:cNvSpPr>
-            <a:spLocks noGrp="1"/>
-          </p:cNvSpPr>
-          <p:nvPr>
-            <p:ph idx="1"/>
+            <a:endParaRPr lang="en-US" dirty="0"/>
+          </a:p>
+        </p:txBody>
+      </p:sp>
+      <p:sp>
+        <p:nvSpPr>
+          <p:cNvPr id="10" name="Content Placeholder 2"/>
+          <p:cNvSpPr>
+            <a:spLocks noGrp="1"/>
+          </p:cNvSpPr>
+          <p:nvPr>
+            <p:ph sz="quarter" idx="13"/>
           </p:nvPr>
         </p:nvSpPr>
         <p:spPr>
           <a:xfrm>
-            <a:off x="5183188" y="987425"/>
-            <a:ext cx="6172200" cy="4873625"/>
+            <a:off x="5078062" y="609600"/>
+            <a:ext cx="6200163" cy="5181599"/>
           </a:xfrm>
         </p:spPr>
         <p:txBody>
           <a:bodyPr/>
-          <a:lstStyle>
-            <a:lvl1pPr>
-              <a:defRPr sz="3200"/>
-            </a:lvl1pPr>
-            <a:lvl2pPr>
-              <a:defRPr sz="2800"/>
-            </a:lvl2pPr>
-            <a:lvl3pPr>
-              <a:defRPr sz="2400"/>
-            </a:lvl3pPr>
-            <a:lvl4pPr>
-              <a:defRPr sz="2000"/>
-            </a:lvl4pPr>
-            <a:lvl5pPr>
-              <a:defRPr sz="2000"/>
-            </a:lvl5pPr>
-            <a:lvl6pPr>
-              <a:defRPr sz="2000"/>
-            </a:lvl6pPr>
-            <a:lvl7pPr>
-              <a:defRPr sz="2000"/>
-            </a:lvl7pPr>
-            <a:lvl8pPr>
-              <a:defRPr sz="2000"/>
-            </a:lvl8pPr>
-            <a:lvl9pPr>
-              <a:defRPr sz="2000"/>
-            </a:lvl9pPr>
-          </a:lstStyle>
+          <a:lstStyle/>
           <a:p>
             <a:pPr lvl="0"/>
             <a:r>
@@ -2308,19 +5261,13 @@
               <a:rPr lang="en-US"/>
               <a:t>Fifth level</a:t>
             </a:r>
-            <a:endParaRPr lang="en-GB"/>
-          </a:p>
-        </p:txBody>
-      </p:sp>
-      <p:sp>
-        <p:nvSpPr>
-          <p:cNvPr id="4" name="Text Placeholder 3">
-            <a:extLst>
-              <a:ext uri="{FF2B5EF4-FFF2-40B4-BE49-F238E27FC236}">
-                <a16:creationId xmlns:a16="http://schemas.microsoft.com/office/drawing/2014/main" id="{E006C1CC-32D0-7018-0311-27E9113D7BF1}"/>
-              </a:ext>
-            </a:extLst>
-          </p:cNvPr>
+            <a:endParaRPr lang="en-US" dirty="0"/>
+          </a:p>
+        </p:txBody>
+      </p:sp>
+      <p:sp>
+        <p:nvSpPr>
+          <p:cNvPr id="4" name="Text Placeholder 3"/>
           <p:cNvSpPr>
             <a:spLocks noGrp="1"/>
           </p:cNvSpPr>
@@ -2330,14 +5277,14 @@
         </p:nvSpPr>
         <p:spPr>
           <a:xfrm>
-            <a:off x="839788" y="2057400"/>
-            <a:ext cx="3932237" cy="3811588"/>
+            <a:off x="913774" y="2632852"/>
+            <a:ext cx="3935689" cy="3158348"/>
           </a:xfrm>
         </p:spPr>
         <p:txBody>
           <a:bodyPr/>
           <a:lstStyle>
-            <a:lvl1pPr marL="0" indent="0">
+            <a:lvl1pPr marL="0" indent="0" algn="ctr">
               <a:buNone/>
               <a:defRPr sz="1600"/>
             </a:lvl1pPr>
@@ -2385,13 +5332,7 @@
       </p:sp>
       <p:sp>
         <p:nvSpPr>
-          <p:cNvPr id="5" name="Date Placeholder 4">
-            <a:extLst>
-              <a:ext uri="{FF2B5EF4-FFF2-40B4-BE49-F238E27FC236}">
-                <a16:creationId xmlns:a16="http://schemas.microsoft.com/office/drawing/2014/main" id="{D90DB10F-F2FE-C267-6530-AFA15CDC84EC}"/>
-              </a:ext>
-            </a:extLst>
-          </p:cNvPr>
+          <p:cNvPr id="5" name="Date Placeholder 4"/>
           <p:cNvSpPr>
             <a:spLocks noGrp="1"/>
           </p:cNvSpPr>
@@ -2406,7 +5347,7 @@
           <a:p>
             <a:fld id="{B7122F82-5FE7-4748-9719-10DEE637913C}" type="datetimeFigureOut">
               <a:rPr lang="en-GB" smtClean="0"/>
-              <a:t>01/12/2022</a:t>
+              <a:t>02/12/2022</a:t>
             </a:fld>
             <a:endParaRPr lang="en-GB"/>
           </a:p>
@@ -2414,13 +5355,7 @@
       </p:sp>
       <p:sp>
         <p:nvSpPr>
-          <p:cNvPr id="6" name="Footer Placeholder 5">
-            <a:extLst>
-              <a:ext uri="{FF2B5EF4-FFF2-40B4-BE49-F238E27FC236}">
-                <a16:creationId xmlns:a16="http://schemas.microsoft.com/office/drawing/2014/main" id="{7846087B-72A6-0AF9-DC4C-6F48DF110995}"/>
-              </a:ext>
-            </a:extLst>
-          </p:cNvPr>
+          <p:cNvPr id="6" name="Footer Placeholder 5"/>
           <p:cNvSpPr>
             <a:spLocks noGrp="1"/>
           </p:cNvSpPr>
@@ -2439,13 +5374,7 @@
       </p:sp>
       <p:sp>
         <p:nvSpPr>
-          <p:cNvPr id="7" name="Slide Number Placeholder 6">
-            <a:extLst>
-              <a:ext uri="{FF2B5EF4-FFF2-40B4-BE49-F238E27FC236}">
-                <a16:creationId xmlns:a16="http://schemas.microsoft.com/office/drawing/2014/main" id="{0AC50D8D-C630-02A4-3CC9-32E61F56A60E}"/>
-              </a:ext>
-            </a:extLst>
-          </p:cNvPr>
+          <p:cNvPr id="7" name="Slide Number Placeholder 6"/>
           <p:cNvSpPr>
             <a:spLocks noGrp="1"/>
           </p:cNvSpPr>
@@ -2469,7 +5398,7 @@
     </p:spTree>
     <p:extLst>
       <p:ext uri="{BB962C8B-B14F-4D97-AF65-F5344CB8AC3E}">
-        <p14:creationId xmlns:p14="http://schemas.microsoft.com/office/powerpoint/2010/main" val="1232494232"/>
+        <p14:creationId xmlns:p14="http://schemas.microsoft.com/office/powerpoint/2010/main" val="1188448437"/>
       </p:ext>
     </p:extLst>
   </p:cSld>
@@ -2496,32 +5425,56 @@
           <a:chExt cx="0" cy="0"/>
         </a:xfrm>
       </p:grpSpPr>
-      <p:sp>
-        <p:nvSpPr>
-          <p:cNvPr id="2" name="Title 1">
+      <p:pic>
+        <p:nvPicPr>
+          <p:cNvPr id="10" name="Picture 9" descr="Droplets-HD-Content-R1d.png"/>
+          <p:cNvPicPr>
+            <a:picLocks noChangeAspect="1"/>
+          </p:cNvPicPr>
+          <p:nvPr/>
+        </p:nvPicPr>
+        <p:blipFill>
+          <a:blip r:embed="rId2">
             <a:extLst>
-              <a:ext uri="{FF2B5EF4-FFF2-40B4-BE49-F238E27FC236}">
-                <a16:creationId xmlns:a16="http://schemas.microsoft.com/office/drawing/2014/main" id="{D3830210-A3C8-CFC7-CDC9-A7806DE994FE}"/>
+              <a:ext uri="{28A0092B-C50C-407E-A947-70E740481C1C}">
+                <a14:useLocalDpi xmlns:a14="http://schemas.microsoft.com/office/drawing/2010/main" val="0"/>
               </a:ext>
             </a:extLst>
-          </p:cNvPr>
-          <p:cNvSpPr>
-            <a:spLocks noGrp="1"/>
-          </p:cNvSpPr>
-          <p:nvPr>
-            <p:ph type="title"/>
-          </p:nvPr>
-        </p:nvSpPr>
+          </a:blip>
+          <a:stretch>
+            <a:fillRect/>
+          </a:stretch>
+        </p:blipFill>
         <p:spPr>
           <a:xfrm>
-            <a:off x="839788" y="457200"/>
-            <a:ext cx="3932237" cy="1600200"/>
+            <a:off x="0" y="0"/>
+            <a:ext cx="12192000" cy="6858000"/>
+          </a:xfrm>
+          <a:prstGeom prst="rect">
+            <a:avLst/>
+          </a:prstGeom>
+        </p:spPr>
+      </p:pic>
+      <p:sp>
+        <p:nvSpPr>
+          <p:cNvPr id="2" name="Title 1"/>
+          <p:cNvSpPr>
+            <a:spLocks noGrp="1"/>
+          </p:cNvSpPr>
+          <p:nvPr>
+            <p:ph type="title"/>
+          </p:nvPr>
+        </p:nvSpPr>
+        <p:spPr>
+          <a:xfrm>
+            <a:off x="913774" y="609600"/>
+            <a:ext cx="5934969" cy="2023254"/>
           </a:xfrm>
         </p:spPr>
         <p:txBody>
           <a:bodyPr anchor="b"/>
           <a:lstStyle>
-            <a:lvl1pPr>
+            <a:lvl1pPr algn="ctr">
               <a:defRPr sz="3200"/>
             </a:lvl1pPr>
           </a:lstStyle>
@@ -2530,21 +5483,15 @@
               <a:rPr lang="en-US"/>
               <a:t>Click to edit Master title style</a:t>
             </a:r>
-            <a:endParaRPr lang="en-GB"/>
-          </a:p>
-        </p:txBody>
-      </p:sp>
-      <p:sp>
-        <p:nvSpPr>
-          <p:cNvPr id="3" name="Picture Placeholder 2">
-            <a:extLst>
-              <a:ext uri="{FF2B5EF4-FFF2-40B4-BE49-F238E27FC236}">
-                <a16:creationId xmlns:a16="http://schemas.microsoft.com/office/drawing/2014/main" id="{D9377EBF-C677-3525-E06F-DACF9A974199}"/>
-              </a:ext>
-            </a:extLst>
-          </p:cNvPr>
-          <p:cNvSpPr>
-            <a:spLocks noGrp="1"/>
+            <a:endParaRPr lang="en-US" dirty="0"/>
+          </a:p>
+        </p:txBody>
+      </p:sp>
+      <p:sp>
+        <p:nvSpPr>
+          <p:cNvPr id="3" name="Picture Placeholder 2"/>
+          <p:cNvSpPr>
+            <a:spLocks noGrp="1" noChangeAspect="1"/>
           </p:cNvSpPr>
           <p:nvPr>
             <p:ph type="pic" idx="1"/>
@@ -2552,12 +5499,37 @@
         </p:nvSpPr>
         <p:spPr>
           <a:xfrm>
-            <a:off x="5183188" y="987425"/>
-            <a:ext cx="6172200" cy="4873625"/>
+            <a:off x="7424803" y="609601"/>
+            <a:ext cx="3255358" cy="5181600"/>
           </a:xfrm>
+          <a:prstGeom prst="roundRect">
+            <a:avLst>
+              <a:gd name="adj" fmla="val 4943"/>
+            </a:avLst>
+          </a:prstGeom>
+          <a:noFill/>
+          <a:ln w="82550" cap="sq">
+            <a:solidFill>
+              <a:srgbClr val="EAEAEA"/>
+            </a:solidFill>
+            <a:miter lim="800000"/>
+          </a:ln>
+          <a:effectLst/>
+          <a:scene3d>
+            <a:camera prst="orthographicFront"/>
+            <a:lightRig rig="threePt" dir="t">
+              <a:rot lat="0" lon="0" rev="2700000"/>
+            </a:lightRig>
+          </a:scene3d>
+          <a:sp3d contourW="6350">
+            <a:bevelT h="38100"/>
+            <a:contourClr>
+              <a:srgbClr val="C0C0C0"/>
+            </a:contourClr>
+          </a:sp3d>
         </p:spPr>
         <p:txBody>
-          <a:bodyPr/>
+          <a:bodyPr anchor="t"/>
           <a:lstStyle>
             <a:lvl1pPr marL="0" indent="0">
               <a:buNone/>
@@ -2597,19 +5569,17 @@
             </a:lvl9pPr>
           </a:lstStyle>
           <a:p>
-            <a:endParaRPr lang="en-GB"/>
-          </a:p>
-        </p:txBody>
-      </p:sp>
-      <p:sp>
-        <p:nvSpPr>
-          <p:cNvPr id="4" name="Text Placeholder 3">
-            <a:extLst>
-              <a:ext uri="{FF2B5EF4-FFF2-40B4-BE49-F238E27FC236}">
-                <a16:creationId xmlns:a16="http://schemas.microsoft.com/office/drawing/2014/main" id="{3380AE8C-3ACE-1D10-6C3D-1911FC317224}"/>
-              </a:ext>
-            </a:extLst>
-          </p:cNvPr>
+            <a:r>
+              <a:rPr lang="en-US"/>
+              <a:t>Click icon to add picture</a:t>
+            </a:r>
+            <a:endParaRPr lang="en-US" dirty="0"/>
+          </a:p>
+        </p:txBody>
+      </p:sp>
+      <p:sp>
+        <p:nvSpPr>
+          <p:cNvPr id="4" name="Text Placeholder 3"/>
           <p:cNvSpPr>
             <a:spLocks noGrp="1"/>
           </p:cNvSpPr>
@@ -2619,14 +5589,14 @@
         </p:nvSpPr>
         <p:spPr>
           <a:xfrm>
-            <a:off x="839788" y="2057400"/>
-            <a:ext cx="3932237" cy="3811588"/>
+            <a:off x="913794" y="2632852"/>
+            <a:ext cx="5934949" cy="3158347"/>
           </a:xfrm>
         </p:spPr>
         <p:txBody>
           <a:bodyPr/>
           <a:lstStyle>
-            <a:lvl1pPr marL="0" indent="0">
+            <a:lvl1pPr marL="0" indent="0" algn="ctr">
               <a:buNone/>
               <a:defRPr sz="1600"/>
             </a:lvl1pPr>
@@ -2674,13 +5644,7 @@
       </p:sp>
       <p:sp>
         <p:nvSpPr>
-          <p:cNvPr id="5" name="Date Placeholder 4">
-            <a:extLst>
-              <a:ext uri="{FF2B5EF4-FFF2-40B4-BE49-F238E27FC236}">
-                <a16:creationId xmlns:a16="http://schemas.microsoft.com/office/drawing/2014/main" id="{A7F07FFE-E828-6EC5-A0CD-DE76FD349250}"/>
-              </a:ext>
-            </a:extLst>
-          </p:cNvPr>
+          <p:cNvPr id="5" name="Date Placeholder 4"/>
           <p:cNvSpPr>
             <a:spLocks noGrp="1"/>
           </p:cNvSpPr>
@@ -2695,7 +5659,7 @@
           <a:p>
             <a:fld id="{B7122F82-5FE7-4748-9719-10DEE637913C}" type="datetimeFigureOut">
               <a:rPr lang="en-GB" smtClean="0"/>
-              <a:t>01/12/2022</a:t>
+              <a:t>02/12/2022</a:t>
             </a:fld>
             <a:endParaRPr lang="en-GB"/>
           </a:p>
@@ -2703,13 +5667,7 @@
       </p:sp>
       <p:sp>
         <p:nvSpPr>
-          <p:cNvPr id="6" name="Footer Placeholder 5">
-            <a:extLst>
-              <a:ext uri="{FF2B5EF4-FFF2-40B4-BE49-F238E27FC236}">
-                <a16:creationId xmlns:a16="http://schemas.microsoft.com/office/drawing/2014/main" id="{8E5D255F-1A4C-D600-943D-EDE5629A0DA8}"/>
-              </a:ext>
-            </a:extLst>
-          </p:cNvPr>
+          <p:cNvPr id="6" name="Footer Placeholder 5"/>
           <p:cNvSpPr>
             <a:spLocks noGrp="1"/>
           </p:cNvSpPr>
@@ -2728,13 +5686,7 @@
       </p:sp>
       <p:sp>
         <p:nvSpPr>
-          <p:cNvPr id="7" name="Slide Number Placeholder 6">
-            <a:extLst>
-              <a:ext uri="{FF2B5EF4-FFF2-40B4-BE49-F238E27FC236}">
-                <a16:creationId xmlns:a16="http://schemas.microsoft.com/office/drawing/2014/main" id="{FBE64F1C-BF92-521F-974F-2ECC9428E89F}"/>
-              </a:ext>
-            </a:extLst>
-          </p:cNvPr>
+          <p:cNvPr id="7" name="Slide Number Placeholder 6"/>
           <p:cNvSpPr>
             <a:spLocks noGrp="1"/>
           </p:cNvSpPr>
@@ -2758,7 +5710,7 @@
     </p:spTree>
     <p:extLst>
       <p:ext uri="{BB962C8B-B14F-4D97-AF65-F5344CB8AC3E}">
-        <p14:creationId xmlns:p14="http://schemas.microsoft.com/office/powerpoint/2010/main" val="1334708777"/>
+        <p14:creationId xmlns:p14="http://schemas.microsoft.com/office/powerpoint/2010/main" val="2711163274"/>
       </p:ext>
     </p:extLst>
   </p:cSld>
@@ -2772,7 +5724,7 @@
 <p:sldMaster xmlns:a="http://schemas.openxmlformats.org/drawingml/2006/main" xmlns:r="http://schemas.openxmlformats.org/officeDocument/2006/relationships" xmlns:p="http://schemas.openxmlformats.org/presentationml/2006/main">
   <p:cSld>
     <p:bg>
-      <p:bgRef idx="1001">
+      <p:bgRef idx="1002">
         <a:schemeClr val="bg1"/>
       </p:bgRef>
     </p:bg>
@@ -2790,15 +5742,51 @@
           <a:chExt cx="0" cy="0"/>
         </a:xfrm>
       </p:grpSpPr>
-      <p:sp>
-        <p:nvSpPr>
-          <p:cNvPr id="2" name="Title Placeholder 1">
+      <p:pic>
+        <p:nvPicPr>
+          <p:cNvPr id="1026" name="Picture 2" descr="\\DROBO-FS\QuickDrops\JB\PPTX NG\Droplets\LightingOverlay.png"/>
+          <p:cNvPicPr>
+            <a:picLocks noChangeAspect="1" noChangeArrowheads="1"/>
+          </p:cNvPicPr>
+          <p:nvPr/>
+        </p:nvPicPr>
+        <p:blipFill>
+          <a:blip r:embed="rId20">
+            <a:alphaModFix/>
             <a:extLst>
-              <a:ext uri="{FF2B5EF4-FFF2-40B4-BE49-F238E27FC236}">
-                <a16:creationId xmlns:a16="http://schemas.microsoft.com/office/drawing/2014/main" id="{6E830DD9-F385-0B67-BE7B-CCE26E087BD0}"/>
+              <a:ext uri="{28A0092B-C50C-407E-A947-70E740481C1C}">
+                <a14:useLocalDpi xmlns:a14="http://schemas.microsoft.com/office/drawing/2010/main" val="0"/>
               </a:ext>
             </a:extLst>
-          </p:cNvPr>
+          </a:blip>
+          <a:srcRect/>
+          <a:stretch>
+            <a:fillRect/>
+          </a:stretch>
+        </p:blipFill>
+        <p:spPr bwMode="auto">
+          <a:xfrm>
+            <a:off x="0" y="-1"/>
+            <a:ext cx="12192003" cy="6858001"/>
+          </a:xfrm>
+          <a:prstGeom prst="rect">
+            <a:avLst/>
+          </a:prstGeom>
+          <a:noFill/>
+          <a:extLst>
+            <a:ext uri="{909E8E84-426E-40DD-AFC4-6F175D3DCCD1}">
+              <a14:hiddenFill xmlns:a14="http://schemas.microsoft.com/office/drawing/2010/main">
+                <a:solidFill>
+                  <a:srgbClr val="FFFFFF"/>
+                </a:solidFill>
+              </a14:hiddenFill>
+            </a:ext>
+          </a:extLst>
+        </p:spPr>
+      </p:pic>
+      <p:sp>
+        <p:nvSpPr>
+          <p:cNvPr id="2" name="Title Placeholder 1"/>
           <p:cNvSpPr>
             <a:spLocks noGrp="1"/>
           </p:cNvSpPr>
@@ -2808,8 +5796,8 @@
         </p:nvSpPr>
         <p:spPr>
           <a:xfrm>
-            <a:off x="838200" y="365125"/>
-            <a:ext cx="10515600" cy="1325563"/>
+            <a:off x="913775" y="618517"/>
+            <a:ext cx="10364451" cy="1596177"/>
           </a:xfrm>
           <a:prstGeom prst="rect">
             <a:avLst/>
@@ -2825,19 +5813,13 @@
               <a:rPr lang="en-US"/>
               <a:t>Click to edit Master title style</a:t>
             </a:r>
-            <a:endParaRPr lang="en-GB"/>
-          </a:p>
-        </p:txBody>
-      </p:sp>
-      <p:sp>
-        <p:nvSpPr>
-          <p:cNvPr id="3" name="Text Placeholder 2">
-            <a:extLst>
-              <a:ext uri="{FF2B5EF4-FFF2-40B4-BE49-F238E27FC236}">
-                <a16:creationId xmlns:a16="http://schemas.microsoft.com/office/drawing/2014/main" id="{D20F79F0-A06C-4997-DC52-2C236322DB1D}"/>
-              </a:ext>
-            </a:extLst>
-          </p:cNvPr>
+            <a:endParaRPr lang="en-US" dirty="0"/>
+          </a:p>
+        </p:txBody>
+      </p:sp>
+      <p:sp>
+        <p:nvSpPr>
+          <p:cNvPr id="3" name="Text Placeholder 2"/>
           <p:cNvSpPr>
             <a:spLocks noGrp="1"/>
           </p:cNvSpPr>
@@ -2847,8 +5829,8 @@
         </p:nvSpPr>
         <p:spPr>
           <a:xfrm>
-            <a:off x="838200" y="1825625"/>
-            <a:ext cx="10515600" cy="4351338"/>
+            <a:off x="913775" y="2367093"/>
+            <a:ext cx="10364452" cy="3424107"/>
           </a:xfrm>
           <a:prstGeom prst="rect">
             <a:avLst/>
@@ -2893,19 +5875,13 @@
               <a:rPr lang="en-US"/>
               <a:t>Fifth level</a:t>
             </a:r>
-            <a:endParaRPr lang="en-GB"/>
-          </a:p>
-        </p:txBody>
-      </p:sp>
-      <p:sp>
-        <p:nvSpPr>
-          <p:cNvPr id="4" name="Date Placeholder 3">
-            <a:extLst>
-              <a:ext uri="{FF2B5EF4-FFF2-40B4-BE49-F238E27FC236}">
-                <a16:creationId xmlns:a16="http://schemas.microsoft.com/office/drawing/2014/main" id="{5C7DE5AE-52A9-FA8F-29FF-B82C1DE2B525}"/>
-              </a:ext>
-            </a:extLst>
-          </p:cNvPr>
+            <a:endParaRPr lang="en-US" dirty="0"/>
+          </a:p>
+        </p:txBody>
+      </p:sp>
+      <p:sp>
+        <p:nvSpPr>
+          <p:cNvPr id="4" name="Date Placeholder 3"/>
           <p:cNvSpPr>
             <a:spLocks noGrp="1"/>
           </p:cNvSpPr>
@@ -2915,7 +5891,7 @@
         </p:nvSpPr>
         <p:spPr>
           <a:xfrm>
-            <a:off x="838200" y="6356350"/>
+            <a:off x="7678737" y="5883275"/>
             <a:ext cx="2743200" cy="365125"/>
           </a:xfrm>
           <a:prstGeom prst="rect">
@@ -2925,12 +5901,10 @@
         <p:txBody>
           <a:bodyPr vert="horz" lIns="91440" tIns="45720" rIns="91440" bIns="45720" rtlCol="0" anchor="ctr"/>
           <a:lstStyle>
-            <a:lvl1pPr algn="l">
-              <a:defRPr sz="1200">
+            <a:lvl1pPr algn="r">
+              <a:defRPr sz="1000">
                 <a:solidFill>
-                  <a:schemeClr val="tx1">
-                    <a:tint val="75000"/>
-                  </a:schemeClr>
+                  <a:schemeClr val="tx1"/>
                 </a:solidFill>
               </a:defRPr>
             </a:lvl1pPr>
@@ -2938,7 +5912,7 @@
           <a:p>
             <a:fld id="{B7122F82-5FE7-4748-9719-10DEE637913C}" type="datetimeFigureOut">
               <a:rPr lang="en-GB" smtClean="0"/>
-              <a:t>01/12/2022</a:t>
+              <a:t>02/12/2022</a:t>
             </a:fld>
             <a:endParaRPr lang="en-GB"/>
           </a:p>
@@ -2946,13 +5920,7 @@
       </p:sp>
       <p:sp>
         <p:nvSpPr>
-          <p:cNvPr id="5" name="Footer Placeholder 4">
-            <a:extLst>
-              <a:ext uri="{FF2B5EF4-FFF2-40B4-BE49-F238E27FC236}">
-                <a16:creationId xmlns:a16="http://schemas.microsoft.com/office/drawing/2014/main" id="{543F4ABA-203B-F824-80E5-5192A7AE5A26}"/>
-              </a:ext>
-            </a:extLst>
-          </p:cNvPr>
+          <p:cNvPr id="5" name="Footer Placeholder 4"/>
           <p:cNvSpPr>
             <a:spLocks noGrp="1"/>
           </p:cNvSpPr>
@@ -2962,8 +5930,8 @@
         </p:nvSpPr>
         <p:spPr>
           <a:xfrm>
-            <a:off x="4038600" y="6356350"/>
-            <a:ext cx="4114800" cy="365125"/>
+            <a:off x="913774" y="5883275"/>
+            <a:ext cx="6672887" cy="365125"/>
           </a:xfrm>
           <a:prstGeom prst="rect">
             <a:avLst/>
@@ -2972,12 +5940,10 @@
         <p:txBody>
           <a:bodyPr vert="horz" lIns="91440" tIns="45720" rIns="91440" bIns="45720" rtlCol="0" anchor="ctr"/>
           <a:lstStyle>
-            <a:lvl1pPr algn="ctr">
-              <a:defRPr sz="1200">
+            <a:lvl1pPr algn="l">
+              <a:defRPr sz="1000">
                 <a:solidFill>
-                  <a:schemeClr val="tx1">
-                    <a:tint val="75000"/>
-                  </a:schemeClr>
+                  <a:schemeClr val="tx1"/>
                 </a:solidFill>
               </a:defRPr>
             </a:lvl1pPr>
@@ -2989,13 +5955,7 @@
       </p:sp>
       <p:sp>
         <p:nvSpPr>
-          <p:cNvPr id="6" name="Slide Number Placeholder 5">
-            <a:extLst>
-              <a:ext uri="{FF2B5EF4-FFF2-40B4-BE49-F238E27FC236}">
-                <a16:creationId xmlns:a16="http://schemas.microsoft.com/office/drawing/2014/main" id="{039D8419-6F86-4982-1477-71807DC3D97F}"/>
-              </a:ext>
-            </a:extLst>
-          </p:cNvPr>
+          <p:cNvPr id="6" name="Slide Number Placeholder 5"/>
           <p:cNvSpPr>
             <a:spLocks noGrp="1"/>
           </p:cNvSpPr>
@@ -3005,8 +5965,8 @@
         </p:nvSpPr>
         <p:spPr>
           <a:xfrm>
-            <a:off x="8610600" y="6356350"/>
-            <a:ext cx="2743200" cy="365125"/>
+            <a:off x="10514011" y="5883275"/>
+            <a:ext cx="764215" cy="365125"/>
           </a:xfrm>
           <a:prstGeom prst="rect">
             <a:avLst/>
@@ -3016,11 +5976,9 @@
           <a:bodyPr vert="horz" lIns="91440" tIns="45720" rIns="91440" bIns="45720" rtlCol="0" anchor="ctr"/>
           <a:lstStyle>
             <a:lvl1pPr algn="r">
-              <a:defRPr sz="1200">
+              <a:defRPr sz="1000">
                 <a:solidFill>
-                  <a:schemeClr val="tx1">
-                    <a:tint val="75000"/>
-                  </a:schemeClr>
+                  <a:schemeClr val="tx1"/>
                 </a:solidFill>
               </a:defRPr>
             </a:lvl1pPr>
@@ -3037,27 +5995,34 @@
     </p:spTree>
     <p:extLst>
       <p:ext uri="{BB962C8B-B14F-4D97-AF65-F5344CB8AC3E}">
-        <p14:creationId xmlns:p14="http://schemas.microsoft.com/office/powerpoint/2010/main" val="3434288667"/>
+        <p14:creationId xmlns:p14="http://schemas.microsoft.com/office/powerpoint/2010/main" val="1685427471"/>
       </p:ext>
     </p:extLst>
   </p:cSld>
   <p:clrMap bg1="lt1" tx1="dk1" bg2="lt2" tx2="dk2" accent1="accent1" accent2="accent2" accent3="accent3" accent4="accent4" accent5="accent5" accent6="accent6" hlink="hlink" folHlink="folHlink"/>
   <p:sldLayoutIdLst>
-    <p:sldLayoutId id="2147483649" r:id="rId1"/>
-    <p:sldLayoutId id="2147483650" r:id="rId2"/>
-    <p:sldLayoutId id="2147483651" r:id="rId3"/>
-    <p:sldLayoutId id="2147483652" r:id="rId4"/>
-    <p:sldLayoutId id="2147483653" r:id="rId5"/>
-    <p:sldLayoutId id="2147483654" r:id="rId6"/>
-    <p:sldLayoutId id="2147483655" r:id="rId7"/>
-    <p:sldLayoutId id="2147483656" r:id="rId8"/>
-    <p:sldLayoutId id="2147483657" r:id="rId9"/>
-    <p:sldLayoutId id="2147483658" r:id="rId10"/>
-    <p:sldLayoutId id="2147483659" r:id="rId11"/>
+    <p:sldLayoutId id="2147483661" r:id="rId1"/>
+    <p:sldLayoutId id="2147483662" r:id="rId2"/>
+    <p:sldLayoutId id="2147483663" r:id="rId3"/>
+    <p:sldLayoutId id="2147483664" r:id="rId4"/>
+    <p:sldLayoutId id="2147483665" r:id="rId5"/>
+    <p:sldLayoutId id="2147483666" r:id="rId6"/>
+    <p:sldLayoutId id="2147483667" r:id="rId7"/>
+    <p:sldLayoutId id="2147483668" r:id="rId8"/>
+    <p:sldLayoutId id="2147483669" r:id="rId9"/>
+    <p:sldLayoutId id="2147483670" r:id="rId10"/>
+    <p:sldLayoutId id="2147483671" r:id="rId11"/>
+    <p:sldLayoutId id="2147483672" r:id="rId12"/>
+    <p:sldLayoutId id="2147483673" r:id="rId13"/>
+    <p:sldLayoutId id="2147483674" r:id="rId14"/>
+    <p:sldLayoutId id="2147483675" r:id="rId15"/>
+    <p:sldLayoutId id="2147483676" r:id="rId16"/>
+    <p:sldLayoutId id="2147483677" r:id="rId17"/>
+    <p:sldLayoutId id="2147483678" r:id="rId18"/>
   </p:sldLayoutIdLst>
   <p:txStyles>
     <p:titleStyle>
-      <a:lvl1pPr algn="l" defTabSz="914400" rtl="0" eaLnBrk="1" latinLnBrk="0" hangingPunct="1">
+      <a:lvl1pPr algn="ctr" defTabSz="914400" rtl="0" eaLnBrk="1" latinLnBrk="0" hangingPunct="1">
         <a:lnSpc>
           <a:spcPct val="90000"/>
         </a:lnSpc>
@@ -3065,10 +6030,11 @@
           <a:spcPct val="0"/>
         </a:spcBef>
         <a:buNone/>
-        <a:defRPr sz="4400" kern="1200">
+        <a:defRPr sz="3600" kern="1200" cap="all" baseline="0">
           <a:solidFill>
             <a:schemeClr val="tx1"/>
           </a:solidFill>
+          <a:effectLst/>
           <a:latin typeface="+mj-lt"/>
           <a:ea typeface="+mj-ea"/>
           <a:cs typeface="+mj-cs"/>
@@ -3078,17 +6044,21 @@
     <p:bodyStyle>
       <a:lvl1pPr marL="228600" indent="-228600" algn="l" defTabSz="914400" rtl="0" eaLnBrk="1" latinLnBrk="0" hangingPunct="1">
         <a:lnSpc>
-          <a:spcPct val="90000"/>
+          <a:spcPct val="120000"/>
         </a:lnSpc>
         <a:spcBef>
           <a:spcPts val="1000"/>
         </a:spcBef>
+        <a:buClr>
+          <a:schemeClr val="tx1"/>
+        </a:buClr>
         <a:buFont typeface="Arial" panose="020B0604020202020204" pitchFamily="34" charset="0"/>
         <a:buChar char="•"/>
-        <a:defRPr sz="2800" kern="1200">
+        <a:defRPr sz="2000" kern="1200" cap="all" baseline="0">
           <a:solidFill>
             <a:schemeClr val="tx1"/>
           </a:solidFill>
+          <a:effectLst/>
           <a:latin typeface="+mn-lt"/>
           <a:ea typeface="+mn-ea"/>
           <a:cs typeface="+mn-cs"/>
@@ -3096,17 +6066,21 @@
       </a:lvl1pPr>
       <a:lvl2pPr marL="685800" indent="-228600" algn="l" defTabSz="914400" rtl="0" eaLnBrk="1" latinLnBrk="0" hangingPunct="1">
         <a:lnSpc>
-          <a:spcPct val="90000"/>
+          <a:spcPct val="120000"/>
         </a:lnSpc>
         <a:spcBef>
           <a:spcPts val="500"/>
         </a:spcBef>
+        <a:buClr>
+          <a:schemeClr val="tx1"/>
+        </a:buClr>
         <a:buFont typeface="Arial" panose="020B0604020202020204" pitchFamily="34" charset="0"/>
         <a:buChar char="•"/>
-        <a:defRPr sz="2400" kern="1200">
+        <a:defRPr sz="1800" kern="1200" cap="all" baseline="0">
           <a:solidFill>
             <a:schemeClr val="tx1"/>
           </a:solidFill>
+          <a:effectLst/>
           <a:latin typeface="+mn-lt"/>
           <a:ea typeface="+mn-ea"/>
           <a:cs typeface="+mn-cs"/>
@@ -3114,17 +6088,21 @@
       </a:lvl2pPr>
       <a:lvl3pPr marL="1143000" indent="-228600" algn="l" defTabSz="914400" rtl="0" eaLnBrk="1" latinLnBrk="0" hangingPunct="1">
         <a:lnSpc>
-          <a:spcPct val="90000"/>
+          <a:spcPct val="120000"/>
         </a:lnSpc>
         <a:spcBef>
           <a:spcPts val="500"/>
         </a:spcBef>
+        <a:buClr>
+          <a:schemeClr val="tx1"/>
+        </a:buClr>
         <a:buFont typeface="Arial" panose="020B0604020202020204" pitchFamily="34" charset="0"/>
         <a:buChar char="•"/>
-        <a:defRPr sz="2000" kern="1200">
+        <a:defRPr sz="1600" kern="1200" cap="all" baseline="0">
           <a:solidFill>
             <a:schemeClr val="tx1"/>
           </a:solidFill>
+          <a:effectLst/>
           <a:latin typeface="+mn-lt"/>
           <a:ea typeface="+mn-ea"/>
           <a:cs typeface="+mn-cs"/>
@@ -3132,17 +6110,21 @@
       </a:lvl3pPr>
       <a:lvl4pPr marL="1600200" indent="-228600" algn="l" defTabSz="914400" rtl="0" eaLnBrk="1" latinLnBrk="0" hangingPunct="1">
         <a:lnSpc>
-          <a:spcPct val="90000"/>
+          <a:spcPct val="120000"/>
         </a:lnSpc>
         <a:spcBef>
           <a:spcPts val="500"/>
         </a:spcBef>
+        <a:buClr>
+          <a:schemeClr val="tx1"/>
+        </a:buClr>
         <a:buFont typeface="Arial" panose="020B0604020202020204" pitchFamily="34" charset="0"/>
         <a:buChar char="•"/>
-        <a:defRPr sz="1800" kern="1200">
+        <a:defRPr sz="1400" kern="1200" cap="all" baseline="0">
           <a:solidFill>
             <a:schemeClr val="tx1"/>
           </a:solidFill>
+          <a:effectLst/>
           <a:latin typeface="+mn-lt"/>
           <a:ea typeface="+mn-ea"/>
           <a:cs typeface="+mn-cs"/>
@@ -3150,17 +6132,21 @@
       </a:lvl4pPr>
       <a:lvl5pPr marL="2057400" indent="-228600" algn="l" defTabSz="914400" rtl="0" eaLnBrk="1" latinLnBrk="0" hangingPunct="1">
         <a:lnSpc>
-          <a:spcPct val="90000"/>
+          <a:spcPct val="120000"/>
         </a:lnSpc>
         <a:spcBef>
           <a:spcPts val="500"/>
         </a:spcBef>
+        <a:buClr>
+          <a:schemeClr val="tx1"/>
+        </a:buClr>
         <a:buFont typeface="Arial" panose="020B0604020202020204" pitchFamily="34" charset="0"/>
         <a:buChar char="•"/>
-        <a:defRPr sz="1800" kern="1200">
+        <a:defRPr sz="1400" kern="1200" cap="all" baseline="0">
           <a:solidFill>
             <a:schemeClr val="tx1"/>
           </a:solidFill>
+          <a:effectLst/>
           <a:latin typeface="+mn-lt"/>
           <a:ea typeface="+mn-ea"/>
           <a:cs typeface="+mn-cs"/>
@@ -3168,17 +6154,21 @@
       </a:lvl5pPr>
       <a:lvl6pPr marL="2514600" indent="-228600" algn="l" defTabSz="914400" rtl="0" eaLnBrk="1" latinLnBrk="0" hangingPunct="1">
         <a:lnSpc>
-          <a:spcPct val="90000"/>
+          <a:spcPct val="120000"/>
         </a:lnSpc>
         <a:spcBef>
           <a:spcPts val="500"/>
         </a:spcBef>
+        <a:buClr>
+          <a:schemeClr val="tx1"/>
+        </a:buClr>
         <a:buFont typeface="Arial" panose="020B0604020202020204" pitchFamily="34" charset="0"/>
         <a:buChar char="•"/>
-        <a:defRPr sz="1800" kern="1200">
+        <a:defRPr sz="1400" kern="1200" cap="all" baseline="0">
           <a:solidFill>
             <a:schemeClr val="tx1"/>
           </a:solidFill>
+          <a:effectLst/>
           <a:latin typeface="+mn-lt"/>
           <a:ea typeface="+mn-ea"/>
           <a:cs typeface="+mn-cs"/>
@@ -3186,17 +6176,21 @@
       </a:lvl6pPr>
       <a:lvl7pPr marL="2971800" indent="-228600" algn="l" defTabSz="914400" rtl="0" eaLnBrk="1" latinLnBrk="0" hangingPunct="1">
         <a:lnSpc>
-          <a:spcPct val="90000"/>
+          <a:spcPct val="120000"/>
         </a:lnSpc>
         <a:spcBef>
           <a:spcPts val="500"/>
         </a:spcBef>
+        <a:buClr>
+          <a:schemeClr val="tx1"/>
+        </a:buClr>
         <a:buFont typeface="Arial" panose="020B0604020202020204" pitchFamily="34" charset="0"/>
         <a:buChar char="•"/>
-        <a:defRPr sz="1800" kern="1200">
+        <a:defRPr sz="1400" kern="1200" cap="all" baseline="0">
           <a:solidFill>
             <a:schemeClr val="tx1"/>
           </a:solidFill>
+          <a:effectLst/>
           <a:latin typeface="+mn-lt"/>
           <a:ea typeface="+mn-ea"/>
           <a:cs typeface="+mn-cs"/>
@@ -3204,17 +6198,21 @@
       </a:lvl7pPr>
       <a:lvl8pPr marL="3429000" indent="-228600" algn="l" defTabSz="914400" rtl="0" eaLnBrk="1" latinLnBrk="0" hangingPunct="1">
         <a:lnSpc>
-          <a:spcPct val="90000"/>
+          <a:spcPct val="120000"/>
         </a:lnSpc>
         <a:spcBef>
           <a:spcPts val="500"/>
         </a:spcBef>
+        <a:buClr>
+          <a:schemeClr val="tx1"/>
+        </a:buClr>
         <a:buFont typeface="Arial" panose="020B0604020202020204" pitchFamily="34" charset="0"/>
         <a:buChar char="•"/>
-        <a:defRPr sz="1800" kern="1200">
+        <a:defRPr sz="1400" kern="1200" cap="all" baseline="0">
           <a:solidFill>
             <a:schemeClr val="tx1"/>
           </a:solidFill>
+          <a:effectLst/>
           <a:latin typeface="+mn-lt"/>
           <a:ea typeface="+mn-ea"/>
           <a:cs typeface="+mn-cs"/>
@@ -3222,17 +6220,21 @@
       </a:lvl8pPr>
       <a:lvl9pPr marL="3886200" indent="-228600" algn="l" defTabSz="914400" rtl="0" eaLnBrk="1" latinLnBrk="0" hangingPunct="1">
         <a:lnSpc>
-          <a:spcPct val="90000"/>
+          <a:spcPct val="120000"/>
         </a:lnSpc>
         <a:spcBef>
           <a:spcPts val="500"/>
         </a:spcBef>
+        <a:buClr>
+          <a:schemeClr val="tx1"/>
+        </a:buClr>
         <a:buFont typeface="Arial" panose="020B0604020202020204" pitchFamily="34" charset="0"/>
         <a:buChar char="•"/>
-        <a:defRPr sz="1800" kern="1200">
+        <a:defRPr sz="1400" kern="1200" cap="all" baseline="0">
           <a:solidFill>
             <a:schemeClr val="tx1"/>
           </a:solidFill>
+          <a:effectLst/>
           <a:latin typeface="+mn-lt"/>
           <a:ea typeface="+mn-ea"/>
           <a:cs typeface="+mn-cs"/>
@@ -3241,7 +6243,7 @@
     </p:bodyStyle>
     <p:otherStyle>
       <a:defPPr>
-        <a:defRPr lang="en-NL"/>
+        <a:defRPr lang="en-US"/>
       </a:defPPr>
       <a:lvl1pPr marL="0" algn="l" defTabSz="914400" rtl="0" eaLnBrk="1" latinLnBrk="0" hangingPunct="1">
         <a:defRPr sz="1800" kern="1200">
@@ -3383,7 +6385,7 @@
           <a:p>
             <a:r>
               <a:rPr lang="en-GB" dirty="0"/>
-              <a:t>Fake news detector</a:t>
+              <a:t>Fake News Detector</a:t>
             </a:r>
           </a:p>
         </p:txBody>
@@ -3550,8 +6552,8 @@
         </p:blipFill>
         <p:spPr>
           <a:xfrm>
-            <a:off x="838200" y="1790428"/>
-            <a:ext cx="4480034" cy="2506019"/>
+            <a:off x="838199" y="1790428"/>
+            <a:ext cx="4680735" cy="2618286"/>
           </a:xfrm>
         </p:spPr>
       </p:pic>
@@ -3631,7 +6633,12 @@
             <p:ph type="title"/>
           </p:nvPr>
         </p:nvSpPr>
-        <p:spPr/>
+        <p:spPr>
+          <a:xfrm>
+            <a:off x="913774" y="286195"/>
+            <a:ext cx="10364451" cy="1596177"/>
+          </a:xfrm>
+        </p:spPr>
         <p:txBody>
           <a:bodyPr/>
           <a:lstStyle/>
@@ -3643,35 +6650,6 @@
           </a:p>
         </p:txBody>
       </p:sp>
-      <p:pic>
-        <p:nvPicPr>
-          <p:cNvPr id="5" name="Content Placeholder 4">
-            <a:extLst>
-              <a:ext uri="{FF2B5EF4-FFF2-40B4-BE49-F238E27FC236}">
-                <a16:creationId xmlns:a16="http://schemas.microsoft.com/office/drawing/2014/main" id="{F2100A6B-4545-2144-AB21-80C462D670E9}"/>
-              </a:ext>
-            </a:extLst>
-          </p:cNvPr>
-          <p:cNvPicPr>
-            <a:picLocks noGrp="1" noChangeAspect="1"/>
-          </p:cNvPicPr>
-          <p:nvPr>
-            <p:ph idx="1"/>
-          </p:nvPr>
-        </p:nvPicPr>
-        <p:blipFill>
-          <a:blip r:embed="rId2"/>
-          <a:stretch>
-            <a:fillRect/>
-          </a:stretch>
-        </p:blipFill>
-        <p:spPr>
-          <a:xfrm>
-            <a:off x="138177" y="1238845"/>
-            <a:ext cx="6108584" cy="636509"/>
-          </a:xfrm>
-        </p:spPr>
-      </p:pic>
       <p:pic>
         <p:nvPicPr>
           <p:cNvPr id="7" name="Picture 6">
@@ -3687,15 +6665,15 @@
           <p:nvPr/>
         </p:nvPicPr>
         <p:blipFill>
-          <a:blip r:embed="rId3"/>
+          <a:blip r:embed="rId2"/>
           <a:stretch>
             <a:fillRect/>
           </a:stretch>
         </p:blipFill>
         <p:spPr>
           <a:xfrm>
-            <a:off x="564479" y="2018843"/>
-            <a:ext cx="4819898" cy="4242018"/>
+            <a:off x="635599" y="2637909"/>
+            <a:ext cx="4469801" cy="3933896"/>
           </a:xfrm>
           <a:prstGeom prst="rect">
             <a:avLst/>
@@ -3717,7 +6695,7 @@
         <p:spPr>
           <a:xfrm>
             <a:off x="6543741" y="2347363"/>
-            <a:ext cx="4627179" cy="2585323"/>
+            <a:ext cx="4627179" cy="3139321"/>
           </a:xfrm>
           <a:prstGeom prst="rect">
             <a:avLst/>
@@ -3751,6 +6729,15 @@
             <a:endParaRPr lang="en-GB" dirty="0"/>
           </a:p>
           <a:p>
+            <a:r>
+              <a:rPr lang="en-GB" dirty="0"/>
+              <a:t>--------------------------------------------------------</a:t>
+            </a:r>
+          </a:p>
+          <a:p>
+            <a:endParaRPr lang="en-GB" dirty="0"/>
+          </a:p>
+          <a:p>
             <a:endParaRPr lang="en-GB" dirty="0"/>
           </a:p>
           <a:p>
@@ -3773,6 +6760,56 @@
           </a:p>
           <a:p>
             <a:endParaRPr lang="en-GB" dirty="0"/>
+          </a:p>
+        </p:txBody>
+      </p:sp>
+      <p:sp>
+        <p:nvSpPr>
+          <p:cNvPr id="3" name="TextBox 2">
+            <a:extLst>
+              <a:ext uri="{FF2B5EF4-FFF2-40B4-BE49-F238E27FC236}">
+                <a16:creationId xmlns:a16="http://schemas.microsoft.com/office/drawing/2014/main" id="{6249161E-A03A-8EB2-526B-F54C4532F656}"/>
+              </a:ext>
+            </a:extLst>
+          </p:cNvPr>
+          <p:cNvSpPr txBox="1"/>
+          <p:nvPr/>
+        </p:nvSpPr>
+        <p:spPr>
+          <a:xfrm>
+            <a:off x="800451" y="1437580"/>
+            <a:ext cx="5024120" cy="1200329"/>
+          </a:xfrm>
+          <a:prstGeom prst="rect">
+            <a:avLst/>
+          </a:prstGeom>
+          <a:noFill/>
+        </p:spPr>
+        <p:txBody>
+          <a:bodyPr wrap="square" rtlCol="0">
+            <a:spAutoFit/>
+          </a:bodyPr>
+          <a:lstStyle/>
+          <a:p>
+            <a:r>
+              <a:rPr lang="en-GB" dirty="0"/>
+              <a:t>Logistic Regression:</a:t>
+            </a:r>
+          </a:p>
+          <a:p>
+            <a:endParaRPr lang="en-GB" dirty="0"/>
+          </a:p>
+          <a:p>
+            <a:r>
+              <a:rPr lang="en-GB" dirty="0"/>
+              <a:t>The accuracy of the model in the test set: 0.949</a:t>
+            </a:r>
+          </a:p>
+          <a:p>
+            <a:r>
+              <a:rPr lang="en-GB" dirty="0"/>
+              <a:t>The Kappa of the model in the test set: 0.90</a:t>
+            </a:r>
           </a:p>
         </p:txBody>
       </p:sp>
@@ -3850,10 +6887,15 @@
             <p:ph idx="1"/>
           </p:nvPr>
         </p:nvSpPr>
-        <p:spPr/>
+        <p:spPr>
+          <a:xfrm>
+            <a:off x="913775" y="1763487"/>
+            <a:ext cx="10364452" cy="4475996"/>
+          </a:xfrm>
+        </p:spPr>
         <p:txBody>
           <a:bodyPr>
-            <a:normAutofit fontScale="85000" lnSpcReduction="20000"/>
+            <a:normAutofit fontScale="25000" lnSpcReduction="20000"/>
           </a:bodyPr>
           <a:lstStyle/>
           <a:p>
@@ -3866,7 +6908,7 @@
               </a:spcAft>
             </a:pPr>
             <a:r>
-              <a:rPr lang="en-NL" sz="1800" dirty="0">
+              <a:rPr lang="en-NL" sz="5600" cap="none" dirty="0">
                 <a:effectLst/>
                 <a:latin typeface="Consolas" panose="020B0609020204030204" pitchFamily="49" charset="0"/>
                 <a:ea typeface="Calibri" panose="020F0502020204030204" pitchFamily="34" charset="0"/>
@@ -3875,7 +6917,7 @@
               <a:t>[(23.291676503780916, 23.291676503780916, '</a:t>
             </a:r>
             <a:r>
-              <a:rPr lang="en-NL" sz="1800" dirty="0" err="1">
+              <a:rPr lang="en-NL" sz="5600" cap="none" dirty="0" err="1">
                 <a:effectLst/>
                 <a:highlight>
                   <a:srgbClr val="FFFF00"/>
@@ -3887,7 +6929,7 @@
               <a:t>burnmymagahat</a:t>
             </a:r>
             <a:r>
-              <a:rPr lang="en-NL" sz="1800" dirty="0">
+              <a:rPr lang="en-NL" sz="5600" cap="none" dirty="0">
                 <a:effectLst/>
                 <a:latin typeface="Consolas" panose="020B0609020204030204" pitchFamily="49" charset="0"/>
                 <a:ea typeface="Calibri" panose="020F0502020204030204" pitchFamily="34" charset="0"/>
@@ -3895,7 +6937,7 @@
               </a:rPr>
               <a:t>’), </a:t>
             </a:r>
-            <a:endParaRPr lang="nl-NL" sz="1800" dirty="0">
+            <a:endParaRPr lang="nl-NL" sz="5600" cap="none" dirty="0">
               <a:effectLst/>
               <a:latin typeface="Consolas" panose="020B0609020204030204" pitchFamily="49" charset="0"/>
               <a:ea typeface="Calibri" panose="020F0502020204030204" pitchFamily="34" charset="0"/>
@@ -3912,7 +6954,7 @@
               </a:spcAft>
             </a:pPr>
             <a:r>
-              <a:rPr lang="en-NL" sz="1800" dirty="0">
+              <a:rPr lang="en-NL" sz="5600" cap="none" dirty="0">
                 <a:effectLst/>
                 <a:latin typeface="Consolas" panose="020B0609020204030204" pitchFamily="49" charset="0"/>
                 <a:ea typeface="Calibri" panose="020F0502020204030204" pitchFamily="34" charset="0"/>
@@ -3921,7 +6963,7 @@
               <a:t>(19.133070044672404, 19.133070044672404, '</a:t>
             </a:r>
             <a:r>
-              <a:rPr lang="en-NL" sz="1800" dirty="0" err="1">
+              <a:rPr lang="en-NL" sz="5600" cap="none" dirty="0" err="1">
                 <a:effectLst/>
                 <a:latin typeface="Consolas" panose="020B0609020204030204" pitchFamily="49" charset="0"/>
                 <a:ea typeface="Calibri" panose="020F0502020204030204" pitchFamily="34" charset="0"/>
@@ -3930,7 +6972,7 @@
               <a:t>gbfufpnl</a:t>
             </a:r>
             <a:r>
-              <a:rPr lang="en-NL" sz="1800" dirty="0">
+              <a:rPr lang="en-NL" sz="5600" cap="none" dirty="0">
                 <a:effectLst/>
                 <a:latin typeface="Consolas" panose="020B0609020204030204" pitchFamily="49" charset="0"/>
                 <a:ea typeface="Calibri" panose="020F0502020204030204" pitchFamily="34" charset="0"/>
@@ -3938,7 +6980,7 @@
               </a:rPr>
               <a:t>'),</a:t>
             </a:r>
-            <a:endParaRPr lang="en-NL" sz="1800" dirty="0">
+            <a:endParaRPr lang="en-NL" sz="5600" cap="none" dirty="0">
               <a:effectLst/>
               <a:latin typeface="Calibri" panose="020F0502020204030204" pitchFamily="34" charset="0"/>
               <a:ea typeface="Calibri" panose="020F0502020204030204" pitchFamily="34" charset="0"/>
@@ -3955,7 +6997,7 @@
               </a:spcAft>
             </a:pPr>
             <a:r>
-              <a:rPr lang="en-NL" sz="1800" dirty="0">
+              <a:rPr lang="en-NL" sz="5600" cap="none" dirty="0">
                 <a:effectLst/>
                 <a:latin typeface="Consolas" panose="020B0609020204030204" pitchFamily="49" charset="0"/>
                 <a:ea typeface="Calibri" panose="020F0502020204030204" pitchFamily="34" charset="0"/>
@@ -3964,7 +7006,7 @@
               <a:t>(9.881278574344664, 9.881278574344664, '</a:t>
             </a:r>
             <a:r>
-              <a:rPr lang="en-NL" sz="1800" dirty="0" err="1">
+              <a:rPr lang="en-NL" sz="5600" cap="none" dirty="0" err="1">
                 <a:effectLst/>
                 <a:latin typeface="Consolas" panose="020B0609020204030204" pitchFamily="49" charset="0"/>
                 <a:ea typeface="Calibri" panose="020F0502020204030204" pitchFamily="34" charset="0"/>
@@ -3973,7 +7015,7 @@
               <a:t>cruzed</a:t>
             </a:r>
             <a:r>
-              <a:rPr lang="en-NL" sz="1800" dirty="0">
+              <a:rPr lang="en-NL" sz="5600" cap="none" dirty="0">
                 <a:effectLst/>
                 <a:latin typeface="Consolas" panose="020B0609020204030204" pitchFamily="49" charset="0"/>
                 <a:ea typeface="Calibri" panose="020F0502020204030204" pitchFamily="34" charset="0"/>
@@ -3981,7 +7023,7 @@
               </a:rPr>
               <a:t>'), </a:t>
             </a:r>
-            <a:endParaRPr lang="en-NL" sz="1800" dirty="0">
+            <a:endParaRPr lang="en-NL" sz="5600" cap="none" dirty="0">
               <a:effectLst/>
               <a:latin typeface="Calibri" panose="020F0502020204030204" pitchFamily="34" charset="0"/>
               <a:ea typeface="Calibri" panose="020F0502020204030204" pitchFamily="34" charset="0"/>
@@ -3998,7 +7040,7 @@
               </a:spcAft>
             </a:pPr>
             <a:r>
-              <a:rPr lang="en-NL" sz="1800" dirty="0">
+              <a:rPr lang="en-NL" sz="5600" cap="none" dirty="0">
                 <a:effectLst/>
                 <a:latin typeface="Consolas" panose="020B0609020204030204" pitchFamily="49" charset="0"/>
                 <a:ea typeface="Calibri" panose="020F0502020204030204" pitchFamily="34" charset="0"/>
@@ -4007,7 +7049,7 @@
               <a:t>(9.030465396697462, -9.030465396697462, '</a:t>
             </a:r>
             <a:r>
-              <a:rPr lang="en-NL" sz="1800" dirty="0" err="1">
+              <a:rPr lang="en-NL" sz="5600" cap="none" dirty="0" err="1">
                 <a:effectLst/>
                 <a:latin typeface="Consolas" panose="020B0609020204030204" pitchFamily="49" charset="0"/>
                 <a:ea typeface="Calibri" panose="020F0502020204030204" pitchFamily="34" charset="0"/>
@@ -4016,7 +7058,7 @@
               <a:t>kordes</a:t>
             </a:r>
             <a:r>
-              <a:rPr lang="en-NL" sz="1800" dirty="0">
+              <a:rPr lang="en-NL" sz="5600" cap="none" dirty="0">
                 <a:effectLst/>
                 <a:latin typeface="Consolas" panose="020B0609020204030204" pitchFamily="49" charset="0"/>
                 <a:ea typeface="Calibri" panose="020F0502020204030204" pitchFamily="34" charset="0"/>
@@ -4024,7 +7066,7 @@
               </a:rPr>
               <a:t>'),</a:t>
             </a:r>
-            <a:endParaRPr lang="en-NL" sz="1800" dirty="0">
+            <a:endParaRPr lang="en-NL" sz="5600" cap="none" dirty="0">
               <a:effectLst/>
               <a:latin typeface="Calibri" panose="020F0502020204030204" pitchFamily="34" charset="0"/>
               <a:ea typeface="Calibri" panose="020F0502020204030204" pitchFamily="34" charset="0"/>
@@ -4041,7 +7083,7 @@
               </a:spcAft>
             </a:pPr>
             <a:r>
-              <a:rPr lang="en-NL" sz="1800" dirty="0">
+              <a:rPr lang="en-NL" sz="5600" cap="none" dirty="0">
                 <a:effectLst/>
                 <a:latin typeface="Consolas" panose="020B0609020204030204" pitchFamily="49" charset="0"/>
                 <a:ea typeface="Calibri" panose="020F0502020204030204" pitchFamily="34" charset="0"/>
@@ -4050,7 +7092,7 @@
               <a:t>(6.256932280644248, 6.256932280644248, '</a:t>
             </a:r>
             <a:r>
-              <a:rPr lang="en-NL" sz="1800" dirty="0" err="1">
+              <a:rPr lang="en-NL" sz="5600" cap="none" dirty="0" err="1">
                 <a:effectLst/>
                 <a:latin typeface="Consolas" panose="020B0609020204030204" pitchFamily="49" charset="0"/>
                 <a:ea typeface="Calibri" panose="020F0502020204030204" pitchFamily="34" charset="0"/>
@@ -4059,7 +7101,7 @@
               <a:t>resgister</a:t>
             </a:r>
             <a:r>
-              <a:rPr lang="en-NL" sz="1800" dirty="0">
+              <a:rPr lang="en-NL" sz="5600" cap="none" dirty="0">
                 <a:effectLst/>
                 <a:latin typeface="Consolas" panose="020B0609020204030204" pitchFamily="49" charset="0"/>
                 <a:ea typeface="Calibri" panose="020F0502020204030204" pitchFamily="34" charset="0"/>
@@ -4067,7 +7109,7 @@
               </a:rPr>
               <a:t>'), </a:t>
             </a:r>
-            <a:endParaRPr lang="en-NL" sz="1800" dirty="0">
+            <a:endParaRPr lang="en-NL" sz="5600" cap="none" dirty="0">
               <a:effectLst/>
               <a:latin typeface="Calibri" panose="020F0502020204030204" pitchFamily="34" charset="0"/>
               <a:ea typeface="Calibri" panose="020F0502020204030204" pitchFamily="34" charset="0"/>
@@ -4084,7 +7126,7 @@
               </a:spcAft>
             </a:pPr>
             <a:r>
-              <a:rPr lang="en-NL" sz="1800" dirty="0">
+              <a:rPr lang="en-NL" sz="5600" cap="none" dirty="0">
                 <a:effectLst/>
                 <a:latin typeface="Consolas" panose="020B0609020204030204" pitchFamily="49" charset="0"/>
                 <a:ea typeface="Calibri" panose="020F0502020204030204" pitchFamily="34" charset="0"/>
@@ -4093,7 +7135,7 @@
               <a:t>(6.198761502730006, -6.198761502730006, '</a:t>
             </a:r>
             <a:r>
-              <a:rPr lang="en-NL" sz="1800" dirty="0" err="1">
+              <a:rPr lang="en-NL" sz="5600" cap="none" dirty="0" err="1">
                 <a:effectLst/>
                 <a:latin typeface="Consolas" panose="020B0609020204030204" pitchFamily="49" charset="0"/>
                 <a:ea typeface="Calibri" panose="020F0502020204030204" pitchFamily="34" charset="0"/>
@@ -4102,7 +7144,7 @@
               <a:t>authorityresult</a:t>
             </a:r>
             <a:r>
-              <a:rPr lang="en-NL" sz="1800" dirty="0">
+              <a:rPr lang="en-NL" sz="5600" cap="none" dirty="0">
                 <a:effectLst/>
                 <a:latin typeface="Consolas" panose="020B0609020204030204" pitchFamily="49" charset="0"/>
                 <a:ea typeface="Calibri" panose="020F0502020204030204" pitchFamily="34" charset="0"/>
@@ -4110,7 +7152,7 @@
               </a:rPr>
               <a:t>’), </a:t>
             </a:r>
-            <a:endParaRPr lang="nl-NL" sz="1800" dirty="0">
+            <a:endParaRPr lang="nl-NL" sz="5600" cap="none" dirty="0">
               <a:effectLst/>
               <a:latin typeface="Consolas" panose="020B0609020204030204" pitchFamily="49" charset="0"/>
               <a:ea typeface="Calibri" panose="020F0502020204030204" pitchFamily="34" charset="0"/>
@@ -4127,7 +7169,7 @@
               </a:spcAft>
             </a:pPr>
             <a:r>
-              <a:rPr lang="en-NL" sz="1800" dirty="0">
+              <a:rPr lang="en-NL" sz="5600" cap="none" dirty="0">
                 <a:effectLst/>
                 <a:latin typeface="Consolas" panose="020B0609020204030204" pitchFamily="49" charset="0"/>
                 <a:ea typeface="Calibri" panose="020F0502020204030204" pitchFamily="34" charset="0"/>
@@ -4136,7 +7178,7 @@
               <a:t>(6.1847704413558295, -6.1847704413558295, '</a:t>
             </a:r>
             <a:r>
-              <a:rPr lang="en-NL" sz="1800" dirty="0" err="1">
+              <a:rPr lang="en-NL" sz="5600" cap="none" dirty="0" err="1">
                 <a:effectLst/>
                 <a:latin typeface="Consolas" panose="020B0609020204030204" pitchFamily="49" charset="0"/>
                 <a:ea typeface="Calibri" panose="020F0502020204030204" pitchFamily="34" charset="0"/>
@@ -4145,7 +7187,7 @@
               <a:t>nabra</a:t>
             </a:r>
             <a:r>
-              <a:rPr lang="en-NL" sz="1800" dirty="0">
+              <a:rPr lang="en-NL" sz="5600" cap="none" dirty="0">
                 <a:effectLst/>
                 <a:latin typeface="Consolas" panose="020B0609020204030204" pitchFamily="49" charset="0"/>
                 <a:ea typeface="Calibri" panose="020F0502020204030204" pitchFamily="34" charset="0"/>
@@ -4153,7 +7195,7 @@
               </a:rPr>
               <a:t>'),</a:t>
             </a:r>
-            <a:endParaRPr lang="en-NL" sz="1800" dirty="0">
+            <a:endParaRPr lang="en-NL" sz="5600" cap="none" dirty="0">
               <a:effectLst/>
               <a:latin typeface="Calibri" panose="020F0502020204030204" pitchFamily="34" charset="0"/>
               <a:ea typeface="Calibri" panose="020F0502020204030204" pitchFamily="34" charset="0"/>
@@ -4170,7 +7212,7 @@
               </a:spcAft>
             </a:pPr>
             <a:r>
-              <a:rPr lang="en-NL" sz="1800" dirty="0">
+              <a:rPr lang="en-NL" sz="5600" cap="none" dirty="0">
                 <a:effectLst/>
                 <a:latin typeface="Consolas" panose="020B0609020204030204" pitchFamily="49" charset="0"/>
                 <a:ea typeface="Calibri" panose="020F0502020204030204" pitchFamily="34" charset="0"/>
@@ -4179,7 +7221,7 @@
               <a:t>(5.971727369808271, 5.971727369808271, '</a:t>
             </a:r>
             <a:r>
-              <a:rPr lang="en-NL" sz="1800" dirty="0" err="1">
+              <a:rPr lang="en-NL" sz="5600" cap="none" dirty="0" err="1">
                 <a:effectLst/>
                 <a:latin typeface="Consolas" panose="020B0609020204030204" pitchFamily="49" charset="0"/>
                 <a:ea typeface="Calibri" panose="020F0502020204030204" pitchFamily="34" charset="0"/>
@@ -4188,7 +7230,7 @@
               <a:t>thoms</a:t>
             </a:r>
             <a:r>
-              <a:rPr lang="en-NL" sz="1800" dirty="0">
+              <a:rPr lang="en-NL" sz="5600" cap="none" dirty="0">
                 <a:effectLst/>
                 <a:latin typeface="Consolas" panose="020B0609020204030204" pitchFamily="49" charset="0"/>
                 <a:ea typeface="Calibri" panose="020F0502020204030204" pitchFamily="34" charset="0"/>
@@ -4196,7 +7238,7 @@
               </a:rPr>
               <a:t>'),</a:t>
             </a:r>
-            <a:endParaRPr lang="en-NL" sz="1800" dirty="0">
+            <a:endParaRPr lang="en-NL" sz="5600" cap="none" dirty="0">
               <a:effectLst/>
               <a:latin typeface="Calibri" panose="020F0502020204030204" pitchFamily="34" charset="0"/>
               <a:ea typeface="Calibri" panose="020F0502020204030204" pitchFamily="34" charset="0"/>
@@ -4213,7 +7255,7 @@
               </a:spcAft>
             </a:pPr>
             <a:r>
-              <a:rPr lang="en-NL" sz="1800" dirty="0">
+              <a:rPr lang="en-NL" sz="5600" cap="none" dirty="0">
                 <a:effectLst/>
                 <a:latin typeface="Consolas" panose="020B0609020204030204" pitchFamily="49" charset="0"/>
                 <a:ea typeface="Calibri" panose="020F0502020204030204" pitchFamily="34" charset="0"/>
@@ -4222,7 +7264,7 @@
               <a:t>(4.823522476308776, -4.823522476308776, '</a:t>
             </a:r>
             <a:r>
-              <a:rPr lang="en-NL" sz="1800" dirty="0" err="1">
+              <a:rPr lang="en-NL" sz="5600" cap="none" dirty="0" err="1">
                 <a:effectLst/>
                 <a:latin typeface="Consolas" panose="020B0609020204030204" pitchFamily="49" charset="0"/>
                 <a:ea typeface="Calibri" panose="020F0502020204030204" pitchFamily="34" charset="0"/>
@@ -4231,7 +7273,7 @@
               <a:t>monza</a:t>
             </a:r>
             <a:r>
-              <a:rPr lang="en-NL" sz="1800" dirty="0">
+              <a:rPr lang="en-NL" sz="5600" cap="none" dirty="0">
                 <a:effectLst/>
                 <a:latin typeface="Consolas" panose="020B0609020204030204" pitchFamily="49" charset="0"/>
                 <a:ea typeface="Calibri" panose="020F0502020204030204" pitchFamily="34" charset="0"/>
@@ -4239,7 +7281,7 @@
               </a:rPr>
               <a:t>'), </a:t>
             </a:r>
-            <a:endParaRPr lang="en-NL" sz="1800" dirty="0">
+            <a:endParaRPr lang="en-NL" sz="5600" cap="none" dirty="0">
               <a:effectLst/>
               <a:latin typeface="Calibri" panose="020F0502020204030204" pitchFamily="34" charset="0"/>
               <a:ea typeface="Calibri" panose="020F0502020204030204" pitchFamily="34" charset="0"/>
@@ -4256,7 +7298,7 @@
               </a:spcAft>
             </a:pPr>
             <a:r>
-              <a:rPr lang="en-NL" sz="1800" dirty="0">
+              <a:rPr lang="en-NL" sz="5600" cap="none" dirty="0">
                 <a:effectLst/>
                 <a:latin typeface="Consolas" panose="020B0609020204030204" pitchFamily="49" charset="0"/>
                 <a:ea typeface="Calibri" panose="020F0502020204030204" pitchFamily="34" charset="0"/>
@@ -4265,7 +7307,7 @@
               <a:t>(4.733600251937565, -4.733600251937565, 'jellybeans'</a:t>
             </a:r>
             <a:r>
-              <a:rPr lang="en-NL" sz="1800" dirty="0">
+              <a:rPr lang="en-NL" sz="5600" cap="none" dirty="0">
                 <a:solidFill>
                   <a:srgbClr val="FF0000"/>
                 </a:solidFill>
@@ -4276,7 +7318,7 @@
               </a:rPr>
               <a:t>)]</a:t>
             </a:r>
-            <a:endParaRPr lang="en-NL" sz="1800" dirty="0">
+            <a:endParaRPr lang="en-NL" sz="5600" cap="none" dirty="0">
               <a:effectLst/>
               <a:latin typeface="Calibri" panose="020F0502020204030204" pitchFamily="34" charset="0"/>
               <a:ea typeface="Calibri" panose="020F0502020204030204" pitchFamily="34" charset="0"/>
@@ -4364,7 +7406,7 @@
         </p:nvSpPr>
         <p:spPr>
           <a:xfrm>
-            <a:off x="386080" y="1432560"/>
+            <a:off x="756194" y="1630017"/>
             <a:ext cx="6522720" cy="4609466"/>
           </a:xfrm>
         </p:spPr>
@@ -4383,21 +7425,21 @@
               </a:spcAft>
             </a:pPr>
             <a:r>
-              <a:rPr lang="nl-NL" sz="1400" b="0" i="0" dirty="0">
+              <a:rPr lang="nl-NL" sz="1400" b="0" i="0" cap="none" dirty="0">
                 <a:effectLst/>
                 <a:latin typeface="Consolas" panose="020B0609020204030204" pitchFamily="49" charset="0"/>
               </a:rPr>
               <a:t>[(24.97751283666042, 24.97751283666042, '</a:t>
             </a:r>
             <a:r>
-              <a:rPr lang="nl-NL" sz="1400" b="1" i="0" dirty="0" err="1">
+              <a:rPr lang="nl-NL" sz="1400" b="1" i="0" cap="none" dirty="0" err="1">
                 <a:effectLst/>
                 <a:latin typeface="Consolas" panose="020B0609020204030204" pitchFamily="49" charset="0"/>
               </a:rPr>
               <a:t>mprc</a:t>
             </a:r>
             <a:r>
-              <a:rPr lang="nl-NL" sz="1400" b="0" i="0" dirty="0">
+              <a:rPr lang="nl-NL" sz="1400" b="0" i="0" cap="none" dirty="0">
                 <a:effectLst/>
                 <a:latin typeface="Consolas" panose="020B0609020204030204" pitchFamily="49" charset="0"/>
               </a:rPr>
@@ -4414,21 +7456,21 @@
               </a:spcAft>
             </a:pPr>
             <a:r>
-              <a:rPr lang="nl-NL" sz="1400" b="0" i="0" dirty="0">
+              <a:rPr lang="nl-NL" sz="1400" b="0" i="0" cap="none" dirty="0">
                 <a:effectLst/>
                 <a:latin typeface="Consolas" panose="020B0609020204030204" pitchFamily="49" charset="0"/>
               </a:rPr>
               <a:t>(12.510115814194476, -12.510115814194476, '</a:t>
             </a:r>
             <a:r>
-              <a:rPr lang="nl-NL" sz="1400" b="1" i="0" dirty="0" err="1">
+              <a:rPr lang="nl-NL" sz="1400" b="1" i="0" cap="none" dirty="0" err="1">
                 <a:effectLst/>
                 <a:latin typeface="Consolas" panose="020B0609020204030204" pitchFamily="49" charset="0"/>
               </a:rPr>
               <a:t>inagurationday</a:t>
             </a:r>
             <a:r>
-              <a:rPr lang="nl-NL" sz="1400" b="0" i="0" dirty="0">
+              <a:rPr lang="nl-NL" sz="1400" b="0" i="0" cap="none" dirty="0">
                 <a:effectLst/>
                 <a:latin typeface="Consolas" panose="020B0609020204030204" pitchFamily="49" charset="0"/>
               </a:rPr>
@@ -4445,21 +7487,21 @@
               </a:spcAft>
             </a:pPr>
             <a:r>
-              <a:rPr lang="nl-NL" sz="1400" b="0" i="0" dirty="0">
+              <a:rPr lang="nl-NL" sz="1400" b="0" i="0" cap="none" dirty="0">
                 <a:effectLst/>
                 <a:latin typeface="Consolas" panose="020B0609020204030204" pitchFamily="49" charset="0"/>
               </a:rPr>
               <a:t>(9.235853821406375, 9.235853821406375, '</a:t>
             </a:r>
             <a:r>
-              <a:rPr lang="nl-NL" sz="1400" b="1" i="0" dirty="0" err="1">
+              <a:rPr lang="nl-NL" sz="1400" b="1" i="0" cap="none" dirty="0" err="1">
                 <a:effectLst/>
                 <a:latin typeface="Consolas" panose="020B0609020204030204" pitchFamily="49" charset="0"/>
               </a:rPr>
               <a:t>nouri</a:t>
             </a:r>
             <a:r>
-              <a:rPr lang="nl-NL" sz="1400" b="0" i="0" dirty="0">
+              <a:rPr lang="nl-NL" sz="1400" b="0" i="0" cap="none" dirty="0">
                 <a:effectLst/>
                 <a:latin typeface="Consolas" panose="020B0609020204030204" pitchFamily="49" charset="0"/>
               </a:rPr>
@@ -4476,21 +7518,21 @@
               </a:spcAft>
             </a:pPr>
             <a:r>
-              <a:rPr lang="nl-NL" sz="1400" b="0" i="0" dirty="0">
+              <a:rPr lang="nl-NL" sz="1400" b="0" i="0" cap="none" dirty="0">
                 <a:effectLst/>
                 <a:latin typeface="Consolas" panose="020B0609020204030204" pitchFamily="49" charset="0"/>
               </a:rPr>
               <a:t>(7.895692418062816, -7.895692418062816, '</a:t>
             </a:r>
             <a:r>
-              <a:rPr lang="nl-NL" sz="1400" b="1" i="0" dirty="0" err="1">
+              <a:rPr lang="nl-NL" sz="1400" b="1" i="0" cap="none" dirty="0" err="1">
                 <a:effectLst/>
                 <a:latin typeface="Consolas" panose="020B0609020204030204" pitchFamily="49" charset="0"/>
               </a:rPr>
               <a:t>directionally</a:t>
             </a:r>
             <a:r>
-              <a:rPr lang="nl-NL" sz="1400" b="0" i="0" dirty="0">
+              <a:rPr lang="nl-NL" sz="1400" b="0" i="0" cap="none" dirty="0">
                 <a:effectLst/>
                 <a:latin typeface="Consolas" panose="020B0609020204030204" pitchFamily="49" charset="0"/>
               </a:rPr>
@@ -4507,21 +7549,21 @@
               </a:spcAft>
             </a:pPr>
             <a:r>
-              <a:rPr lang="nl-NL" sz="1400" b="0" i="0" dirty="0">
+              <a:rPr lang="nl-NL" sz="1400" b="0" i="0" cap="none" dirty="0">
                 <a:effectLst/>
                 <a:latin typeface="Consolas" panose="020B0609020204030204" pitchFamily="49" charset="0"/>
               </a:rPr>
               <a:t>(5.725486664897377, 5.725486664897377, '</a:t>
             </a:r>
             <a:r>
-              <a:rPr lang="nl-NL" sz="1400" b="1" i="0" dirty="0" err="1">
+              <a:rPr lang="nl-NL" sz="1400" b="1" i="0" cap="none" dirty="0" err="1">
                 <a:effectLst/>
                 <a:latin typeface="Consolas" panose="020B0609020204030204" pitchFamily="49" charset="0"/>
               </a:rPr>
               <a:t>delury</a:t>
             </a:r>
             <a:r>
-              <a:rPr lang="nl-NL" sz="1400" b="0" i="0" dirty="0">
+              <a:rPr lang="nl-NL" sz="1400" b="0" i="0" cap="none" dirty="0">
                 <a:effectLst/>
                 <a:latin typeface="Consolas" panose="020B0609020204030204" pitchFamily="49" charset="0"/>
               </a:rPr>
@@ -4538,21 +7580,21 @@
               </a:spcAft>
             </a:pPr>
             <a:r>
-              <a:rPr lang="nl-NL" sz="1400" b="0" i="0" dirty="0">
+              <a:rPr lang="nl-NL" sz="1400" b="0" i="0" cap="none" dirty="0">
                 <a:effectLst/>
                 <a:latin typeface="Consolas" panose="020B0609020204030204" pitchFamily="49" charset="0"/>
               </a:rPr>
               <a:t>(5.129240640784158, -5.129240640784158, '</a:t>
             </a:r>
             <a:r>
-              <a:rPr lang="nl-NL" sz="1400" b="1" i="0" dirty="0" err="1">
+              <a:rPr lang="nl-NL" sz="1400" b="1" i="0" cap="none" dirty="0" err="1">
                 <a:effectLst/>
                 <a:latin typeface="Consolas" panose="020B0609020204030204" pitchFamily="49" charset="0"/>
               </a:rPr>
               <a:t>zacaria</a:t>
             </a:r>
             <a:r>
-              <a:rPr lang="nl-NL" sz="1400" b="0" i="0" dirty="0">
+              <a:rPr lang="nl-NL" sz="1400" b="0" i="0" cap="none" dirty="0">
                 <a:effectLst/>
                 <a:latin typeface="Consolas" panose="020B0609020204030204" pitchFamily="49" charset="0"/>
               </a:rPr>
@@ -4569,21 +7611,21 @@
               </a:spcAft>
             </a:pPr>
             <a:r>
-              <a:rPr lang="nl-NL" sz="1400" b="0" i="0" dirty="0">
+              <a:rPr lang="nl-NL" sz="1400" b="0" i="0" cap="none" dirty="0">
                 <a:effectLst/>
                 <a:latin typeface="Consolas" panose="020B0609020204030204" pitchFamily="49" charset="0"/>
               </a:rPr>
               <a:t>(5.066415860232255, -5.066415860232255, '</a:t>
             </a:r>
             <a:r>
-              <a:rPr lang="nl-NL" sz="1400" b="1" i="0" dirty="0" err="1">
+              <a:rPr lang="nl-NL" sz="1400" b="1" i="0" cap="none" dirty="0" err="1">
                 <a:effectLst/>
                 <a:latin typeface="Consolas" panose="020B0609020204030204" pitchFamily="49" charset="0"/>
               </a:rPr>
               <a:t>slaughterhouse</a:t>
             </a:r>
             <a:r>
-              <a:rPr lang="nl-NL" sz="1400" b="0" i="0" dirty="0">
+              <a:rPr lang="nl-NL" sz="1400" b="0" i="0" cap="none" dirty="0">
                 <a:effectLst/>
                 <a:latin typeface="Consolas" panose="020B0609020204030204" pitchFamily="49" charset="0"/>
               </a:rPr>
@@ -4600,21 +7642,21 @@
               </a:spcAft>
             </a:pPr>
             <a:r>
-              <a:rPr lang="nl-NL" sz="1400" b="0" i="0" dirty="0">
+              <a:rPr lang="nl-NL" sz="1400" b="0" i="0" cap="none" dirty="0">
                 <a:effectLst/>
                 <a:latin typeface="Consolas" panose="020B0609020204030204" pitchFamily="49" charset="0"/>
               </a:rPr>
               <a:t>(4.774985440037104, -4.774985440037104, '</a:t>
             </a:r>
             <a:r>
-              <a:rPr lang="nl-NL" sz="1400" b="1" i="0" dirty="0" err="1">
+              <a:rPr lang="nl-NL" sz="1400" b="1" i="0" cap="none" dirty="0" err="1">
                 <a:effectLst/>
                 <a:latin typeface="Consolas" panose="020B0609020204030204" pitchFamily="49" charset="0"/>
               </a:rPr>
               <a:t>weaknesses</a:t>
             </a:r>
             <a:r>
-              <a:rPr lang="nl-NL" sz="1400" b="0" i="0" dirty="0">
+              <a:rPr lang="nl-NL" sz="1400" b="0" i="0" cap="none" dirty="0">
                 <a:effectLst/>
                 <a:latin typeface="Consolas" panose="020B0609020204030204" pitchFamily="49" charset="0"/>
               </a:rPr>
@@ -4631,21 +7673,21 @@
               </a:spcAft>
             </a:pPr>
             <a:r>
-              <a:rPr lang="nl-NL" sz="1400" b="0" i="0" dirty="0">
+              <a:rPr lang="nl-NL" sz="1400" b="0" i="0" cap="none" dirty="0">
                 <a:effectLst/>
                 <a:latin typeface="Consolas" panose="020B0609020204030204" pitchFamily="49" charset="0"/>
               </a:rPr>
               <a:t>(4.762525905073536, 4.762525905073536, '</a:t>
             </a:r>
             <a:r>
-              <a:rPr lang="nl-NL" sz="1400" b="1" i="0" dirty="0" err="1">
+              <a:rPr lang="nl-NL" sz="1400" b="1" i="0" cap="none" dirty="0" err="1">
                 <a:effectLst/>
                 <a:latin typeface="Consolas" panose="020B0609020204030204" pitchFamily="49" charset="0"/>
               </a:rPr>
               <a:t>sry</a:t>
             </a:r>
             <a:r>
-              <a:rPr lang="nl-NL" sz="1400" b="0" i="0" dirty="0">
+              <a:rPr lang="nl-NL" sz="1400" b="0" i="0" cap="none" dirty="0">
                 <a:effectLst/>
                 <a:latin typeface="Consolas" panose="020B0609020204030204" pitchFamily="49" charset="0"/>
               </a:rPr>
@@ -4662,27 +7704,27 @@
               </a:spcAft>
             </a:pPr>
             <a:r>
-              <a:rPr lang="nl-NL" sz="1400" b="0" i="0" dirty="0">
+              <a:rPr lang="nl-NL" sz="1400" b="0" i="0" cap="none" dirty="0">
                 <a:effectLst/>
                 <a:latin typeface="Consolas" panose="020B0609020204030204" pitchFamily="49" charset="0"/>
               </a:rPr>
               <a:t>(4.589184652539806, -4.589184652539806, '</a:t>
             </a:r>
             <a:r>
-              <a:rPr lang="nl-NL" sz="1400" b="1" i="0" dirty="0" err="1">
+              <a:rPr lang="nl-NL" sz="1400" b="1" i="0" cap="none" dirty="0" err="1">
                 <a:effectLst/>
                 <a:latin typeface="Consolas" panose="020B0609020204030204" pitchFamily="49" charset="0"/>
               </a:rPr>
               <a:t>arenius</a:t>
             </a:r>
             <a:r>
-              <a:rPr lang="nl-NL" sz="1400" b="0" i="0" dirty="0">
+              <a:rPr lang="nl-NL" sz="1400" b="0" i="0" cap="none" dirty="0">
                 <a:effectLst/>
                 <a:latin typeface="Consolas" panose="020B0609020204030204" pitchFamily="49" charset="0"/>
               </a:rPr>
               <a:t>')</a:t>
             </a:r>
-            <a:endParaRPr lang="en-GB" sz="1400" dirty="0"/>
+            <a:endParaRPr lang="en-GB" sz="1400" cap="none" dirty="0"/>
           </a:p>
         </p:txBody>
       </p:sp>
@@ -4904,15 +7946,7 @@
             </a:pPr>
             <a:r>
               <a:rPr lang="en-GB" sz="2000" dirty="0"/>
-              <a:t>Probably due to difference in approach. Before running the models I was applying Vectorizers. So </a:t>
-            </a:r>
-            <a:r>
-              <a:rPr lang="en-GB" sz="2000" dirty="0" err="1"/>
-              <a:t>it’smore</a:t>
-            </a:r>
-            <a:r>
-              <a:rPr lang="en-GB" sz="2000" dirty="0"/>
-              <a:t> than just frequency of the word in the set</a:t>
+              <a:t>Probably due to difference in approach. Before running the models I was applying Vectorizers. So it’s more than just frequency of the word in the set</a:t>
             </a:r>
           </a:p>
         </p:txBody>
@@ -4952,7 +7986,7 @@
           <p:cNvPr id="2" name="Title 1">
             <a:extLst>
               <a:ext uri="{FF2B5EF4-FFF2-40B4-BE49-F238E27FC236}">
-                <a16:creationId xmlns:a16="http://schemas.microsoft.com/office/drawing/2014/main" id="{F590B31F-D4F9-6402-875D-2385644060F6}"/>
+                <a16:creationId xmlns:a16="http://schemas.microsoft.com/office/drawing/2014/main" id="{9D311968-8CF7-0E67-CB54-CF3C1F234D62}"/>
               </a:ext>
             </a:extLst>
           </p:cNvPr>
@@ -4968,7 +8002,815 @@
           <a:bodyPr/>
           <a:lstStyle/>
           <a:p>
-            <a:endParaRPr lang="en-GB"/>
+            <a:r>
+              <a:rPr lang="en-GB" dirty="0"/>
+              <a:t>Fake news. Word Cloud.</a:t>
+            </a:r>
+          </a:p>
+        </p:txBody>
+      </p:sp>
+      <p:pic>
+        <p:nvPicPr>
+          <p:cNvPr id="5" name="Content Placeholder 4">
+            <a:extLst>
+              <a:ext uri="{FF2B5EF4-FFF2-40B4-BE49-F238E27FC236}">
+                <a16:creationId xmlns:a16="http://schemas.microsoft.com/office/drawing/2014/main" id="{E9E1EF91-A03C-672F-7981-618723199ACF}"/>
+              </a:ext>
+            </a:extLst>
+          </p:cNvPr>
+          <p:cNvPicPr>
+            <a:picLocks noGrp="1" noChangeAspect="1"/>
+          </p:cNvPicPr>
+          <p:nvPr>
+            <p:ph idx="1"/>
+          </p:nvPr>
+        </p:nvPicPr>
+        <p:blipFill>
+          <a:blip r:embed="rId2">
+            <a:extLst>
+              <a:ext uri="{28A0092B-C50C-407E-A947-70E740481C1C}">
+                <a14:useLocalDpi xmlns:a14="http://schemas.microsoft.com/office/drawing/2010/main" val="0"/>
+              </a:ext>
+            </a:extLst>
+          </a:blip>
+          <a:stretch>
+            <a:fillRect/>
+          </a:stretch>
+        </p:blipFill>
+        <p:spPr>
+          <a:xfrm>
+            <a:off x="3104136" y="1981198"/>
+            <a:ext cx="6059177" cy="4049487"/>
+          </a:xfrm>
+        </p:spPr>
+      </p:pic>
+    </p:spTree>
+    <p:extLst>
+      <p:ext uri="{BB962C8B-B14F-4D97-AF65-F5344CB8AC3E}">
+        <p14:creationId xmlns:p14="http://schemas.microsoft.com/office/powerpoint/2010/main" val="2899746048"/>
+      </p:ext>
+    </p:extLst>
+  </p:cSld>
+  <p:clrMapOvr>
+    <a:masterClrMapping/>
+  </p:clrMapOvr>
+</p:sld>
+</file>
+
+<file path=ppt/slides/slide15.xml><?xml version="1.0" encoding="utf-8"?>
+<p:sld xmlns:a="http://schemas.openxmlformats.org/drawingml/2006/main" xmlns:r="http://schemas.openxmlformats.org/officeDocument/2006/relationships" xmlns:p="http://schemas.openxmlformats.org/presentationml/2006/main">
+  <p:cSld>
+    <p:spTree>
+      <p:nvGrpSpPr>
+        <p:cNvPr id="1" name=""/>
+        <p:cNvGrpSpPr/>
+        <p:nvPr/>
+      </p:nvGrpSpPr>
+      <p:grpSpPr>
+        <a:xfrm>
+          <a:off x="0" y="0"/>
+          <a:ext cx="0" cy="0"/>
+          <a:chOff x="0" y="0"/>
+          <a:chExt cx="0" cy="0"/>
+        </a:xfrm>
+      </p:grpSpPr>
+      <p:sp>
+        <p:nvSpPr>
+          <p:cNvPr id="2" name="Title 1">
+            <a:extLst>
+              <a:ext uri="{FF2B5EF4-FFF2-40B4-BE49-F238E27FC236}">
+                <a16:creationId xmlns:a16="http://schemas.microsoft.com/office/drawing/2014/main" id="{65D6C35E-8E44-84C4-7B7F-F1DCB6B45E61}"/>
+              </a:ext>
+            </a:extLst>
+          </p:cNvPr>
+          <p:cNvSpPr>
+            <a:spLocks noGrp="1"/>
+          </p:cNvSpPr>
+          <p:nvPr>
+            <p:ph type="title"/>
+          </p:nvPr>
+        </p:nvSpPr>
+        <p:spPr/>
+        <p:txBody>
+          <a:bodyPr/>
+          <a:lstStyle/>
+          <a:p>
+            <a:r>
+              <a:rPr lang="en-GB" dirty="0"/>
+              <a:t>True news. Word Cloud.</a:t>
+            </a:r>
+          </a:p>
+        </p:txBody>
+      </p:sp>
+      <p:pic>
+        <p:nvPicPr>
+          <p:cNvPr id="5" name="Content Placeholder 4">
+            <a:extLst>
+              <a:ext uri="{FF2B5EF4-FFF2-40B4-BE49-F238E27FC236}">
+                <a16:creationId xmlns:a16="http://schemas.microsoft.com/office/drawing/2014/main" id="{04F608A7-71F5-6479-1C75-763424685589}"/>
+              </a:ext>
+            </a:extLst>
+          </p:cNvPr>
+          <p:cNvPicPr>
+            <a:picLocks noGrp="1" noChangeAspect="1"/>
+          </p:cNvPicPr>
+          <p:nvPr>
+            <p:ph idx="1"/>
+          </p:nvPr>
+        </p:nvPicPr>
+        <p:blipFill>
+          <a:blip r:embed="rId2">
+            <a:extLst>
+              <a:ext uri="{28A0092B-C50C-407E-A947-70E740481C1C}">
+                <a14:useLocalDpi xmlns:a14="http://schemas.microsoft.com/office/drawing/2010/main" val="0"/>
+              </a:ext>
+            </a:extLst>
+          </a:blip>
+          <a:stretch>
+            <a:fillRect/>
+          </a:stretch>
+        </p:blipFill>
+        <p:spPr>
+          <a:xfrm>
+            <a:off x="2407919" y="1489260"/>
+            <a:ext cx="6852953" cy="4667700"/>
+          </a:xfrm>
+        </p:spPr>
+      </p:pic>
+    </p:spTree>
+    <p:extLst>
+      <p:ext uri="{BB962C8B-B14F-4D97-AF65-F5344CB8AC3E}">
+        <p14:creationId xmlns:p14="http://schemas.microsoft.com/office/powerpoint/2010/main" val="2311858574"/>
+      </p:ext>
+    </p:extLst>
+  </p:cSld>
+  <p:clrMapOvr>
+    <a:masterClrMapping/>
+  </p:clrMapOvr>
+</p:sld>
+</file>
+
+<file path=ppt/slides/slide16.xml><?xml version="1.0" encoding="utf-8"?>
+<p:sld xmlns:a="http://schemas.openxmlformats.org/drawingml/2006/main" xmlns:r="http://schemas.openxmlformats.org/officeDocument/2006/relationships" xmlns:p="http://schemas.openxmlformats.org/presentationml/2006/main">
+  <p:cSld>
+    <p:spTree>
+      <p:nvGrpSpPr>
+        <p:cNvPr id="1" name=""/>
+        <p:cNvGrpSpPr/>
+        <p:nvPr/>
+      </p:nvGrpSpPr>
+      <p:grpSpPr>
+        <a:xfrm>
+          <a:off x="0" y="0"/>
+          <a:ext cx="0" cy="0"/>
+          <a:chOff x="0" y="0"/>
+          <a:chExt cx="0" cy="0"/>
+        </a:xfrm>
+      </p:grpSpPr>
+      <p:sp>
+        <p:nvSpPr>
+          <p:cNvPr id="2" name="Title 1">
+            <a:extLst>
+              <a:ext uri="{FF2B5EF4-FFF2-40B4-BE49-F238E27FC236}">
+                <a16:creationId xmlns:a16="http://schemas.microsoft.com/office/drawing/2014/main" id="{A5199FD6-8044-D414-8C8D-484AFC280B67}"/>
+              </a:ext>
+            </a:extLst>
+          </p:cNvPr>
+          <p:cNvSpPr>
+            <a:spLocks noGrp="1"/>
+          </p:cNvSpPr>
+          <p:nvPr>
+            <p:ph type="title"/>
+          </p:nvPr>
+        </p:nvSpPr>
+        <p:spPr/>
+        <p:txBody>
+          <a:bodyPr/>
+          <a:lstStyle/>
+          <a:p>
+            <a:r>
+              <a:rPr lang="en-GB" dirty="0"/>
+              <a:t>Sentiment Analysis</a:t>
+            </a:r>
+          </a:p>
+        </p:txBody>
+      </p:sp>
+      <p:pic>
+        <p:nvPicPr>
+          <p:cNvPr id="5" name="Content Placeholder 4">
+            <a:extLst>
+              <a:ext uri="{FF2B5EF4-FFF2-40B4-BE49-F238E27FC236}">
+                <a16:creationId xmlns:a16="http://schemas.microsoft.com/office/drawing/2014/main" id="{8F50D698-E44D-B554-52C0-2535CFC369BE}"/>
+              </a:ext>
+            </a:extLst>
+          </p:cNvPr>
+          <p:cNvPicPr>
+            <a:picLocks noGrp="1" noChangeAspect="1"/>
+          </p:cNvPicPr>
+          <p:nvPr>
+            <p:ph idx="1"/>
+          </p:nvPr>
+        </p:nvPicPr>
+        <p:blipFill>
+          <a:blip r:embed="rId2"/>
+          <a:stretch>
+            <a:fillRect/>
+          </a:stretch>
+        </p:blipFill>
+        <p:spPr>
+          <a:xfrm>
+            <a:off x="1697586" y="1630331"/>
+            <a:ext cx="8491443" cy="4862544"/>
+          </a:xfrm>
+        </p:spPr>
+      </p:pic>
+    </p:spTree>
+    <p:extLst>
+      <p:ext uri="{BB962C8B-B14F-4D97-AF65-F5344CB8AC3E}">
+        <p14:creationId xmlns:p14="http://schemas.microsoft.com/office/powerpoint/2010/main" val="3708521624"/>
+      </p:ext>
+    </p:extLst>
+  </p:cSld>
+  <p:clrMapOvr>
+    <a:masterClrMapping/>
+  </p:clrMapOvr>
+</p:sld>
+</file>
+
+<file path=ppt/slides/slide17.xml><?xml version="1.0" encoding="utf-8"?>
+<p:sld xmlns:a="http://schemas.openxmlformats.org/drawingml/2006/main" xmlns:r="http://schemas.openxmlformats.org/officeDocument/2006/relationships" xmlns:p="http://schemas.openxmlformats.org/presentationml/2006/main">
+  <p:cSld>
+    <p:spTree>
+      <p:nvGrpSpPr>
+        <p:cNvPr id="1" name=""/>
+        <p:cNvGrpSpPr/>
+        <p:nvPr/>
+      </p:nvGrpSpPr>
+      <p:grpSpPr>
+        <a:xfrm>
+          <a:off x="0" y="0"/>
+          <a:ext cx="0" cy="0"/>
+          <a:chOff x="0" y="0"/>
+          <a:chExt cx="0" cy="0"/>
+        </a:xfrm>
+      </p:grpSpPr>
+      <p:sp>
+        <p:nvSpPr>
+          <p:cNvPr id="2" name="Title 1">
+            <a:extLst>
+              <a:ext uri="{FF2B5EF4-FFF2-40B4-BE49-F238E27FC236}">
+                <a16:creationId xmlns:a16="http://schemas.microsoft.com/office/drawing/2014/main" id="{71F101F6-A432-76CF-FBC4-B6310E8878FF}"/>
+              </a:ext>
+            </a:extLst>
+          </p:cNvPr>
+          <p:cNvSpPr>
+            <a:spLocks noGrp="1"/>
+          </p:cNvSpPr>
+          <p:nvPr>
+            <p:ph type="title"/>
+          </p:nvPr>
+        </p:nvSpPr>
+        <p:spPr>
+          <a:xfrm>
+            <a:off x="831869" y="335488"/>
+            <a:ext cx="10364451" cy="1596177"/>
+          </a:xfrm>
+        </p:spPr>
+        <p:txBody>
+          <a:bodyPr/>
+          <a:lstStyle/>
+          <a:p>
+            <a:r>
+              <a:rPr lang="en-GB" dirty="0"/>
+              <a:t>Examples</a:t>
+            </a:r>
+          </a:p>
+        </p:txBody>
+      </p:sp>
+      <p:sp>
+        <p:nvSpPr>
+          <p:cNvPr id="7" name="Content Placeholder 2">
+            <a:extLst>
+              <a:ext uri="{FF2B5EF4-FFF2-40B4-BE49-F238E27FC236}">
+                <a16:creationId xmlns:a16="http://schemas.microsoft.com/office/drawing/2014/main" id="{6D3AC684-F010-D9A3-F6E4-AD2AEF5E37A1}"/>
+              </a:ext>
+            </a:extLst>
+          </p:cNvPr>
+          <p:cNvSpPr txBox="1">
+            <a:spLocks/>
+          </p:cNvSpPr>
+          <p:nvPr/>
+        </p:nvSpPr>
+        <p:spPr>
+          <a:xfrm>
+            <a:off x="762000" y="1690688"/>
+            <a:ext cx="10434320" cy="4730432"/>
+          </a:xfrm>
+          <a:prstGeom prst="rect">
+            <a:avLst/>
+          </a:prstGeom>
+        </p:spPr>
+        <p:txBody>
+          <a:bodyPr vert="horz" lIns="91440" tIns="45720" rIns="91440" bIns="45720" rtlCol="0">
+            <a:noAutofit/>
+          </a:bodyPr>
+          <a:lstStyle>
+            <a:lvl1pPr marL="228600" indent="-228600" algn="l" defTabSz="914400" rtl="0" eaLnBrk="1" latinLnBrk="0" hangingPunct="1">
+              <a:lnSpc>
+                <a:spcPct val="90000"/>
+              </a:lnSpc>
+              <a:spcBef>
+                <a:spcPts val="1000"/>
+              </a:spcBef>
+              <a:buFont typeface="Arial" panose="020B0604020202020204" pitchFamily="34" charset="0"/>
+              <a:buChar char="•"/>
+              <a:defRPr sz="2800" kern="1200">
+                <a:solidFill>
+                  <a:schemeClr val="tx1"/>
+                </a:solidFill>
+                <a:latin typeface="+mn-lt"/>
+                <a:ea typeface="+mn-ea"/>
+                <a:cs typeface="+mn-cs"/>
+              </a:defRPr>
+            </a:lvl1pPr>
+            <a:lvl2pPr marL="685800" indent="-228600" algn="l" defTabSz="914400" rtl="0" eaLnBrk="1" latinLnBrk="0" hangingPunct="1">
+              <a:lnSpc>
+                <a:spcPct val="90000"/>
+              </a:lnSpc>
+              <a:spcBef>
+                <a:spcPts val="500"/>
+              </a:spcBef>
+              <a:buFont typeface="Arial" panose="020B0604020202020204" pitchFamily="34" charset="0"/>
+              <a:buChar char="•"/>
+              <a:defRPr sz="2400" kern="1200">
+                <a:solidFill>
+                  <a:schemeClr val="tx1"/>
+                </a:solidFill>
+                <a:latin typeface="+mn-lt"/>
+                <a:ea typeface="+mn-ea"/>
+                <a:cs typeface="+mn-cs"/>
+              </a:defRPr>
+            </a:lvl2pPr>
+            <a:lvl3pPr marL="1143000" indent="-228600" algn="l" defTabSz="914400" rtl="0" eaLnBrk="1" latinLnBrk="0" hangingPunct="1">
+              <a:lnSpc>
+                <a:spcPct val="90000"/>
+              </a:lnSpc>
+              <a:spcBef>
+                <a:spcPts val="500"/>
+              </a:spcBef>
+              <a:buFont typeface="Arial" panose="020B0604020202020204" pitchFamily="34" charset="0"/>
+              <a:buChar char="•"/>
+              <a:defRPr sz="2000" kern="1200">
+                <a:solidFill>
+                  <a:schemeClr val="tx1"/>
+                </a:solidFill>
+                <a:latin typeface="+mn-lt"/>
+                <a:ea typeface="+mn-ea"/>
+                <a:cs typeface="+mn-cs"/>
+              </a:defRPr>
+            </a:lvl3pPr>
+            <a:lvl4pPr marL="1600200" indent="-228600" algn="l" defTabSz="914400" rtl="0" eaLnBrk="1" latinLnBrk="0" hangingPunct="1">
+              <a:lnSpc>
+                <a:spcPct val="90000"/>
+              </a:lnSpc>
+              <a:spcBef>
+                <a:spcPts val="500"/>
+              </a:spcBef>
+              <a:buFont typeface="Arial" panose="020B0604020202020204" pitchFamily="34" charset="0"/>
+              <a:buChar char="•"/>
+              <a:defRPr sz="1800" kern="1200">
+                <a:solidFill>
+                  <a:schemeClr val="tx1"/>
+                </a:solidFill>
+                <a:latin typeface="+mn-lt"/>
+                <a:ea typeface="+mn-ea"/>
+                <a:cs typeface="+mn-cs"/>
+              </a:defRPr>
+            </a:lvl4pPr>
+            <a:lvl5pPr marL="2057400" indent="-228600" algn="l" defTabSz="914400" rtl="0" eaLnBrk="1" latinLnBrk="0" hangingPunct="1">
+              <a:lnSpc>
+                <a:spcPct val="90000"/>
+              </a:lnSpc>
+              <a:spcBef>
+                <a:spcPts val="500"/>
+              </a:spcBef>
+              <a:buFont typeface="Arial" panose="020B0604020202020204" pitchFamily="34" charset="0"/>
+              <a:buChar char="•"/>
+              <a:defRPr sz="1800" kern="1200">
+                <a:solidFill>
+                  <a:schemeClr val="tx1"/>
+                </a:solidFill>
+                <a:latin typeface="+mn-lt"/>
+                <a:ea typeface="+mn-ea"/>
+                <a:cs typeface="+mn-cs"/>
+              </a:defRPr>
+            </a:lvl5pPr>
+            <a:lvl6pPr marL="2514600" indent="-228600" algn="l" defTabSz="914400" rtl="0" eaLnBrk="1" latinLnBrk="0" hangingPunct="1">
+              <a:lnSpc>
+                <a:spcPct val="90000"/>
+              </a:lnSpc>
+              <a:spcBef>
+                <a:spcPts val="500"/>
+              </a:spcBef>
+              <a:buFont typeface="Arial" panose="020B0604020202020204" pitchFamily="34" charset="0"/>
+              <a:buChar char="•"/>
+              <a:defRPr sz="1800" kern="1200">
+                <a:solidFill>
+                  <a:schemeClr val="tx1"/>
+                </a:solidFill>
+                <a:latin typeface="+mn-lt"/>
+                <a:ea typeface="+mn-ea"/>
+                <a:cs typeface="+mn-cs"/>
+              </a:defRPr>
+            </a:lvl6pPr>
+            <a:lvl7pPr marL="2971800" indent="-228600" algn="l" defTabSz="914400" rtl="0" eaLnBrk="1" latinLnBrk="0" hangingPunct="1">
+              <a:lnSpc>
+                <a:spcPct val="90000"/>
+              </a:lnSpc>
+              <a:spcBef>
+                <a:spcPts val="500"/>
+              </a:spcBef>
+              <a:buFont typeface="Arial" panose="020B0604020202020204" pitchFamily="34" charset="0"/>
+              <a:buChar char="•"/>
+              <a:defRPr sz="1800" kern="1200">
+                <a:solidFill>
+                  <a:schemeClr val="tx1"/>
+                </a:solidFill>
+                <a:latin typeface="+mn-lt"/>
+                <a:ea typeface="+mn-ea"/>
+                <a:cs typeface="+mn-cs"/>
+              </a:defRPr>
+            </a:lvl7pPr>
+            <a:lvl8pPr marL="3429000" indent="-228600" algn="l" defTabSz="914400" rtl="0" eaLnBrk="1" latinLnBrk="0" hangingPunct="1">
+              <a:lnSpc>
+                <a:spcPct val="90000"/>
+              </a:lnSpc>
+              <a:spcBef>
+                <a:spcPts val="500"/>
+              </a:spcBef>
+              <a:buFont typeface="Arial" panose="020B0604020202020204" pitchFamily="34" charset="0"/>
+              <a:buChar char="•"/>
+              <a:defRPr sz="1800" kern="1200">
+                <a:solidFill>
+                  <a:schemeClr val="tx1"/>
+                </a:solidFill>
+                <a:latin typeface="+mn-lt"/>
+                <a:ea typeface="+mn-ea"/>
+                <a:cs typeface="+mn-cs"/>
+              </a:defRPr>
+            </a:lvl8pPr>
+            <a:lvl9pPr marL="3886200" indent="-228600" algn="l" defTabSz="914400" rtl="0" eaLnBrk="1" latinLnBrk="0" hangingPunct="1">
+              <a:lnSpc>
+                <a:spcPct val="90000"/>
+              </a:lnSpc>
+              <a:spcBef>
+                <a:spcPts val="500"/>
+              </a:spcBef>
+              <a:buFont typeface="Arial" panose="020B0604020202020204" pitchFamily="34" charset="0"/>
+              <a:buChar char="•"/>
+              <a:defRPr sz="1800" kern="1200">
+                <a:solidFill>
+                  <a:schemeClr val="tx1"/>
+                </a:solidFill>
+                <a:latin typeface="+mn-lt"/>
+                <a:ea typeface="+mn-ea"/>
+                <a:cs typeface="+mn-cs"/>
+              </a:defRPr>
+            </a:lvl9pPr>
+          </a:lstStyle>
+          <a:p>
+            <a:pPr marL="457200" indent="-457200">
+              <a:lnSpc>
+                <a:spcPct val="107000"/>
+              </a:lnSpc>
+              <a:spcAft>
+                <a:spcPts val="800"/>
+              </a:spcAft>
+              <a:buAutoNum type="arabicPeriod"/>
+            </a:pPr>
+            <a:r>
+              <a:rPr lang="en-GB" sz="2000" dirty="0"/>
+              <a:t>Real news example: </a:t>
+            </a:r>
+            <a:r>
+              <a:rPr lang="en-US" sz="2000" dirty="0"/>
+              <a:t>NATO seeks to buttress Russia's </a:t>
+            </a:r>
+            <a:r>
+              <a:rPr lang="en-US" sz="2000" dirty="0" err="1"/>
+              <a:t>neighbours</a:t>
+            </a:r>
+            <a:r>
+              <a:rPr lang="en-US" sz="2000" dirty="0"/>
+              <a:t> as Moscow attacks Ukraine</a:t>
+            </a:r>
+            <a:r>
+              <a:rPr lang="en-GB" sz="2000" dirty="0"/>
+              <a:t> </a:t>
+            </a:r>
+            <a:r>
+              <a:rPr lang="en-GB" sz="1200" dirty="0"/>
+              <a:t>“K</a:t>
+            </a:r>
+            <a:r>
+              <a:rPr lang="en-US" sz="1200" dirty="0"/>
+              <a:t>YIV, Nov 30 (Reuters) - Russia said its forces in eastern Ukraine had edged forward, Kyiv said Moscow was "planning something" in the south and NATO sought on Wednesday to shore up other countries that fear </a:t>
+            </a:r>
+            <a:r>
+              <a:rPr lang="en-US" sz="1200" dirty="0" err="1"/>
+              <a:t>destabilisation</a:t>
+            </a:r>
+            <a:r>
+              <a:rPr lang="en-US" sz="1200" dirty="0"/>
+              <a:t> from Moscow. Ukraine's General Staff said earlier that its troops had repelled six Russian attacks in 24 hours in the eastern Donbas region, while Russian artillery had relentlessly shelled across the Dnipro River, including at Kherson city, in the south.</a:t>
+            </a:r>
+            <a:r>
+              <a:rPr lang="en-GB" sz="1200" dirty="0"/>
+              <a:t>”</a:t>
+            </a:r>
+          </a:p>
+          <a:p>
+            <a:pPr marL="0" indent="0">
+              <a:lnSpc>
+                <a:spcPct val="107000"/>
+              </a:lnSpc>
+              <a:spcAft>
+                <a:spcPts val="800"/>
+              </a:spcAft>
+              <a:buNone/>
+            </a:pPr>
+            <a:r>
+              <a:rPr lang="en-GB" sz="1000" dirty="0">
+                <a:hlinkClick r:id="rId2"/>
+              </a:rPr>
+              <a:t>https://www.reuters.com/world/europe/snow-blanket-kyiv-sunday-power-still-short-supply-2022-11-27/</a:t>
+            </a:r>
+            <a:endParaRPr lang="en-GB" sz="2000" dirty="0"/>
+          </a:p>
+          <a:p>
+            <a:pPr marL="0" indent="0">
+              <a:lnSpc>
+                <a:spcPct val="107000"/>
+              </a:lnSpc>
+              <a:spcAft>
+                <a:spcPts val="800"/>
+              </a:spcAft>
+              <a:buNone/>
+            </a:pPr>
+            <a:r>
+              <a:rPr lang="en-GB" sz="2000" dirty="0"/>
+              <a:t>2. Fake news example: </a:t>
+            </a:r>
+            <a:r>
+              <a:rPr lang="nl-NL" sz="2000" dirty="0"/>
+              <a:t>FBI Director James </a:t>
+            </a:r>
+            <a:r>
+              <a:rPr lang="nl-NL" sz="2000" dirty="0" err="1"/>
+              <a:t>Comey’s</a:t>
+            </a:r>
+            <a:r>
+              <a:rPr lang="nl-NL" sz="2000" dirty="0"/>
+              <a:t> Clinton Foundation Connection</a:t>
+            </a:r>
+          </a:p>
+          <a:p>
+            <a:pPr algn="l" fontAlgn="base"/>
+            <a:r>
+              <a:rPr lang="en-US" sz="1200" dirty="0"/>
+              <a:t>WASHINGTON, D.C. — A review of FBI Director James Comey’s professional history and relationships shows that the Obama cabinet leader — now under fire for his handling of the investigation of Hillary Clinton — is deeply entrenched in the big-money cronyism culture of Washington, D.C. His personal and professional relationships — all undisclosed as he announced the Bureau would not prosecute Clinton — reinforce bipartisan concerns that he may have politicized the criminal probe. These concerns focus on millions of dollars that Comey accepted from a Clinton Foundation defense contractor, Comey’s former membership on a Clinton Foundation corporate partner’s board, and his surprising financial relationship with his brother Peter Comey, who works at the law firm that does the Clinton Foundation’s taxes. Lockheed Martin When President Obama nominated Comey to become FBI director in 2013, Comey promised the United States Senate </a:t>
+            </a:r>
+            <a:r>
+              <a:rPr lang="en-US" sz="1200" dirty="0">
+                <a:hlinkClick r:id="rId3">
+                  <a:extLst>
+                    <a:ext uri="{A12FA001-AC4F-418D-AE19-62706E023703}">
+                      <ahyp:hlinkClr xmlns:ahyp="http://schemas.microsoft.com/office/drawing/2018/hyperlinkcolor" val="tx"/>
+                    </a:ext>
+                  </a:extLst>
+                </a:hlinkClick>
+              </a:rPr>
+              <a:t>that he would recuse himself</a:t>
+            </a:r>
+            <a:r>
+              <a:rPr lang="en-US" sz="1200" dirty="0"/>
+              <a:t> on all cases involving former employers. But Comey earned $6 million in one year alone from Lockheed Martin. Lockheed Martin became a Clinton Foundation donor that very year. Comey served as deputy attorney general under John Ashcroft </a:t>
+            </a:r>
+            <a:r>
+              <a:rPr lang="en-US" sz="1200" dirty="0">
+                <a:hlinkClick r:id="rId4">
+                  <a:extLst>
+                    <a:ext uri="{A12FA001-AC4F-418D-AE19-62706E023703}">
+                      <ahyp:hlinkClr xmlns:ahyp="http://schemas.microsoft.com/office/drawing/2018/hyperlinkcolor" val="tx"/>
+                    </a:ext>
+                  </a:extLst>
+                </a:hlinkClick>
+              </a:rPr>
+              <a:t>for two years</a:t>
+            </a:r>
+            <a:r>
+              <a:rPr lang="en-US" sz="1200" dirty="0"/>
+              <a:t> of the Bush administration. When he left the Bush administration, he went directly to Lockheed Martin and became vice president, acting </a:t>
+            </a:r>
+            <a:r>
+              <a:rPr lang="en-US" sz="1200" dirty="0">
+                <a:hlinkClick r:id="rId5">
+                  <a:extLst>
+                    <a:ext uri="{A12FA001-AC4F-418D-AE19-62706E023703}">
+                      <ahyp:hlinkClr xmlns:ahyp="http://schemas.microsoft.com/office/drawing/2018/hyperlinkcolor" val="tx"/>
+                    </a:ext>
+                  </a:extLst>
+                </a:hlinkClick>
+              </a:rPr>
+              <a:t>as a general counsel</a:t>
+            </a:r>
+            <a:r>
+              <a:rPr lang="en-US" sz="1200" dirty="0"/>
+              <a:t>. How much money did James Comey make from Lockheed Martin in his last year with the company, which he left in 2010? </a:t>
+            </a:r>
+            <a:r>
+              <a:rPr lang="en-US" sz="1200" dirty="0">
+                <a:hlinkClick r:id="rId4">
+                  <a:extLst>
+                    <a:ext uri="{A12FA001-AC4F-418D-AE19-62706E023703}">
+                      <ahyp:hlinkClr xmlns:ahyp="http://schemas.microsoft.com/office/drawing/2018/hyperlinkcolor" val="tx"/>
+                    </a:ext>
+                  </a:extLst>
+                </a:hlinkClick>
+              </a:rPr>
+              <a:t>More than $6 million in compensation</a:t>
+            </a:r>
+            <a:r>
+              <a:rPr lang="en-US" sz="1200" dirty="0"/>
+              <a:t>. Lockheed Martin </a:t>
+            </a:r>
+            <a:r>
+              <a:rPr lang="en-US" sz="1200" dirty="0">
+                <a:hlinkClick r:id="rId6">
+                  <a:extLst>
+                    <a:ext uri="{A12FA001-AC4F-418D-AE19-62706E023703}">
+                      <ahyp:hlinkClr xmlns:ahyp="http://schemas.microsoft.com/office/drawing/2018/hyperlinkcolor" val="tx"/>
+                    </a:ext>
+                  </a:extLst>
+                </a:hlinkClick>
+              </a:rPr>
+              <a:t>is a Clinton Foundation donor</a:t>
+            </a:r>
+            <a:r>
+              <a:rPr lang="en-US" sz="1200" dirty="0"/>
+              <a:t>. The company admitted to becoming a Clinton Global Initiative member in 2010.  </a:t>
+            </a:r>
+            <a:r>
+              <a:rPr lang="en-US" sz="1200" dirty="0">
+                <a:hlinkClick r:id="rId7">
+                  <a:extLst>
+                    <a:ext uri="{A12FA001-AC4F-418D-AE19-62706E023703}">
+                      <ahyp:hlinkClr xmlns:ahyp="http://schemas.microsoft.com/office/drawing/2018/hyperlinkcolor" val="tx"/>
+                    </a:ext>
+                  </a:extLst>
+                </a:hlinkClick>
+              </a:rPr>
+              <a:t>According to records</a:t>
+            </a:r>
+            <a:r>
+              <a:rPr lang="en-US" sz="1200" dirty="0"/>
+              <a:t>, Lockheed Martin is also a member of the American Chamber of Commerce in Egypt, which paid Bill Clinton $250,000 </a:t>
+            </a:r>
+            <a:r>
+              <a:rPr lang="en-US" sz="1200" dirty="0">
+                <a:hlinkClick r:id="rId8">
+                  <a:extLst>
+                    <a:ext uri="{A12FA001-AC4F-418D-AE19-62706E023703}">
+                      <ahyp:hlinkClr xmlns:ahyp="http://schemas.microsoft.com/office/drawing/2018/hyperlinkcolor" val="tx"/>
+                    </a:ext>
+                  </a:extLst>
+                </a:hlinkClick>
+              </a:rPr>
+              <a:t>to deliver a speech in 2010</a:t>
+            </a:r>
+            <a:r>
+              <a:rPr lang="en-US" sz="1200" dirty="0"/>
+              <a:t>. </a:t>
+            </a:r>
+            <a:r>
+              <a:rPr lang="en-US" sz="1200" dirty="0">
+                <a:hlinkClick r:id="rId6">
+                  <a:extLst>
+                    <a:ext uri="{A12FA001-AC4F-418D-AE19-62706E023703}">
+                      <ahyp:hlinkClr xmlns:ahyp="http://schemas.microsoft.com/office/drawing/2018/hyperlinkcolor" val="tx"/>
+                    </a:ext>
+                  </a:extLst>
+                </a:hlinkClick>
+              </a:rPr>
+              <a:t>In 2010</a:t>
+            </a:r>
+            <a:r>
+              <a:rPr lang="en-US" sz="1200" dirty="0"/>
+              <a:t>, Lockheed Martin won 17 approvals for private contracts from the Hillary Clinton State Department.</a:t>
+            </a:r>
+          </a:p>
+          <a:p>
+            <a:pPr marL="0" indent="0">
+              <a:lnSpc>
+                <a:spcPct val="107000"/>
+              </a:lnSpc>
+              <a:spcAft>
+                <a:spcPts val="800"/>
+              </a:spcAft>
+              <a:buNone/>
+            </a:pPr>
+            <a:r>
+              <a:rPr lang="en-GB" sz="1000" dirty="0">
+                <a:hlinkClick r:id="rId9"/>
+              </a:rPr>
+              <a:t>https://www.breitbart.com/politics/2016/09/10/exposed-fbi-director-james-comeys-clinton-foundation-connection/</a:t>
+            </a:r>
+            <a:r>
+              <a:rPr lang="en-GB" sz="1000" dirty="0"/>
+              <a:t> </a:t>
+            </a:r>
+          </a:p>
+          <a:p>
+            <a:pPr marL="0" indent="0">
+              <a:lnSpc>
+                <a:spcPct val="107000"/>
+              </a:lnSpc>
+              <a:spcAft>
+                <a:spcPts val="800"/>
+              </a:spcAft>
+              <a:buNone/>
+            </a:pPr>
+            <a:endParaRPr lang="en-GB" sz="1000" dirty="0"/>
+          </a:p>
+          <a:p>
+            <a:pPr marL="0" indent="0">
+              <a:lnSpc>
+                <a:spcPct val="107000"/>
+              </a:lnSpc>
+              <a:spcAft>
+                <a:spcPts val="800"/>
+              </a:spcAft>
+              <a:buNone/>
+            </a:pPr>
+            <a:endParaRPr lang="en-GB" sz="1000" dirty="0"/>
+          </a:p>
+        </p:txBody>
+      </p:sp>
+    </p:spTree>
+    <p:extLst>
+      <p:ext uri="{BB962C8B-B14F-4D97-AF65-F5344CB8AC3E}">
+        <p14:creationId xmlns:p14="http://schemas.microsoft.com/office/powerpoint/2010/main" val="514528110"/>
+      </p:ext>
+    </p:extLst>
+  </p:cSld>
+  <p:clrMapOvr>
+    <a:masterClrMapping/>
+  </p:clrMapOvr>
+</p:sld>
+</file>
+
+<file path=ppt/slides/slide18.xml><?xml version="1.0" encoding="utf-8"?>
+<p:sld xmlns:a="http://schemas.openxmlformats.org/drawingml/2006/main" xmlns:r="http://schemas.openxmlformats.org/officeDocument/2006/relationships" xmlns:p="http://schemas.openxmlformats.org/presentationml/2006/main">
+  <p:cSld>
+    <p:spTree>
+      <p:nvGrpSpPr>
+        <p:cNvPr id="1" name=""/>
+        <p:cNvGrpSpPr/>
+        <p:nvPr/>
+      </p:nvGrpSpPr>
+      <p:grpSpPr>
+        <a:xfrm>
+          <a:off x="0" y="0"/>
+          <a:ext cx="0" cy="0"/>
+          <a:chOff x="0" y="0"/>
+          <a:chExt cx="0" cy="0"/>
+        </a:xfrm>
+      </p:grpSpPr>
+      <p:sp>
+        <p:nvSpPr>
+          <p:cNvPr id="2" name="Title 1">
+            <a:extLst>
+              <a:ext uri="{FF2B5EF4-FFF2-40B4-BE49-F238E27FC236}">
+                <a16:creationId xmlns:a16="http://schemas.microsoft.com/office/drawing/2014/main" id="{0D4A3075-5338-04AF-396C-3F89876C5E47}"/>
+              </a:ext>
+            </a:extLst>
+          </p:cNvPr>
+          <p:cNvSpPr>
+            <a:spLocks noGrp="1"/>
+          </p:cNvSpPr>
+          <p:nvPr>
+            <p:ph type="title"/>
+          </p:nvPr>
+        </p:nvSpPr>
+        <p:spPr/>
+        <p:txBody>
+          <a:bodyPr/>
+          <a:lstStyle/>
+          <a:p>
+            <a:r>
+              <a:rPr lang="en-GB" dirty="0"/>
+              <a:t>Examples</a:t>
+            </a:r>
           </a:p>
         </p:txBody>
       </p:sp>
@@ -4977,7 +8819,7 @@
           <p:cNvPr id="3" name="Content Placeholder 2">
             <a:extLst>
               <a:ext uri="{FF2B5EF4-FFF2-40B4-BE49-F238E27FC236}">
-                <a16:creationId xmlns:a16="http://schemas.microsoft.com/office/drawing/2014/main" id="{DEDC12E1-88C6-53CF-94C6-67332B544E01}"/>
+                <a16:creationId xmlns:a16="http://schemas.microsoft.com/office/drawing/2014/main" id="{D502D41A-16CB-B92B-B663-39E968F75A1E}"/>
               </a:ext>
             </a:extLst>
           </p:cNvPr>
@@ -4993,14 +8835,499 @@
           <a:bodyPr/>
           <a:lstStyle/>
           <a:p>
-            <a:endParaRPr lang="en-GB"/>
+            <a:pPr marL="0" indent="0">
+              <a:lnSpc>
+                <a:spcPct val="107000"/>
+              </a:lnSpc>
+              <a:spcAft>
+                <a:spcPts val="800"/>
+              </a:spcAft>
+              <a:buNone/>
+            </a:pPr>
+            <a:r>
+              <a:rPr kumimoji="0" lang="en-GB" sz="4000" b="0" i="0" u="none" strike="noStrike" kern="1200" cap="none" spc="0" normalizeH="0" baseline="0" noProof="0" dirty="0">
+                <a:ln>
+                  <a:noFill/>
+                </a:ln>
+                <a:solidFill>
+                  <a:prstClr val="black"/>
+                </a:solidFill>
+                <a:effectLst/>
+                <a:uLnTx/>
+                <a:uFillTx/>
+                <a:latin typeface="Calibri" panose="020F0502020204030204"/>
+                <a:ea typeface="+mn-ea"/>
+                <a:cs typeface="+mn-cs"/>
+              </a:rPr>
+              <a:t>This one also caught my eye – but is it true?!</a:t>
+            </a:r>
+          </a:p>
+          <a:p>
+            <a:pPr marL="0" indent="0">
+              <a:lnSpc>
+                <a:spcPct val="107000"/>
+              </a:lnSpc>
+              <a:spcAft>
+                <a:spcPts val="800"/>
+              </a:spcAft>
+              <a:buNone/>
+            </a:pPr>
+            <a:endParaRPr lang="en-GB" sz="2800" dirty="0"/>
+          </a:p>
+          <a:p>
+            <a:pPr marL="0" indent="0">
+              <a:lnSpc>
+                <a:spcPct val="107000"/>
+              </a:lnSpc>
+              <a:spcAft>
+                <a:spcPts val="800"/>
+              </a:spcAft>
+              <a:buNone/>
+            </a:pPr>
+            <a:r>
+              <a:rPr lang="en-GB" sz="3200" dirty="0"/>
+              <a:t>“</a:t>
+            </a:r>
+            <a:r>
+              <a:rPr lang="en-US" sz="3200" dirty="0"/>
+              <a:t>BREAKING NEWS - Ignacio has decided that we are his best ever students and has decided to give everyone 100% for their </a:t>
+            </a:r>
+            <a:r>
+              <a:rPr lang="en-US" sz="3200" dirty="0" err="1"/>
+              <a:t>IronHack</a:t>
+            </a:r>
+            <a:r>
+              <a:rPr lang="en-US" sz="3200" dirty="0"/>
+              <a:t> course!</a:t>
+            </a:r>
+            <a:r>
+              <a:rPr lang="en-GB" sz="3200" dirty="0"/>
+              <a:t>”</a:t>
+            </a:r>
+          </a:p>
+          <a:p>
+            <a:endParaRPr lang="en-GB" dirty="0"/>
           </a:p>
         </p:txBody>
       </p:sp>
     </p:spTree>
     <p:extLst>
       <p:ext uri="{BB962C8B-B14F-4D97-AF65-F5344CB8AC3E}">
-        <p14:creationId xmlns:p14="http://schemas.microsoft.com/office/powerpoint/2010/main" val="452114689"/>
+        <p14:creationId xmlns:p14="http://schemas.microsoft.com/office/powerpoint/2010/main" val="3550055070"/>
+      </p:ext>
+    </p:extLst>
+  </p:cSld>
+  <p:clrMapOvr>
+    <a:masterClrMapping/>
+  </p:clrMapOvr>
+</p:sld>
+</file>
+
+<file path=ppt/slides/slide19.xml><?xml version="1.0" encoding="utf-8"?>
+<p:sld xmlns:a="http://schemas.openxmlformats.org/drawingml/2006/main" xmlns:r="http://schemas.openxmlformats.org/officeDocument/2006/relationships" xmlns:p="http://schemas.openxmlformats.org/presentationml/2006/main">
+  <p:cSld>
+    <p:spTree>
+      <p:nvGrpSpPr>
+        <p:cNvPr id="1" name=""/>
+        <p:cNvGrpSpPr/>
+        <p:nvPr/>
+      </p:nvGrpSpPr>
+      <p:grpSpPr>
+        <a:xfrm>
+          <a:off x="0" y="0"/>
+          <a:ext cx="0" cy="0"/>
+          <a:chOff x="0" y="0"/>
+          <a:chExt cx="0" cy="0"/>
+        </a:xfrm>
+      </p:grpSpPr>
+      <p:sp>
+        <p:nvSpPr>
+          <p:cNvPr id="2" name="Title 1">
+            <a:extLst>
+              <a:ext uri="{FF2B5EF4-FFF2-40B4-BE49-F238E27FC236}">
+                <a16:creationId xmlns:a16="http://schemas.microsoft.com/office/drawing/2014/main" id="{71F101F6-A432-76CF-FBC4-B6310E8878FF}"/>
+              </a:ext>
+            </a:extLst>
+          </p:cNvPr>
+          <p:cNvSpPr>
+            <a:spLocks noGrp="1"/>
+          </p:cNvSpPr>
+          <p:nvPr>
+            <p:ph type="title"/>
+          </p:nvPr>
+        </p:nvSpPr>
+        <p:spPr/>
+        <p:txBody>
+          <a:bodyPr/>
+          <a:lstStyle/>
+          <a:p>
+            <a:r>
+              <a:rPr lang="en-GB" dirty="0"/>
+              <a:t>Final take-aways</a:t>
+            </a:r>
+          </a:p>
+        </p:txBody>
+      </p:sp>
+      <p:sp>
+        <p:nvSpPr>
+          <p:cNvPr id="3" name="Content Placeholder 2">
+            <a:extLst>
+              <a:ext uri="{FF2B5EF4-FFF2-40B4-BE49-F238E27FC236}">
+                <a16:creationId xmlns:a16="http://schemas.microsoft.com/office/drawing/2014/main" id="{69E6ACAE-24B7-B535-448E-D3A9CC29049E}"/>
+              </a:ext>
+            </a:extLst>
+          </p:cNvPr>
+          <p:cNvSpPr txBox="1">
+            <a:spLocks/>
+          </p:cNvSpPr>
+          <p:nvPr/>
+        </p:nvSpPr>
+        <p:spPr>
+          <a:xfrm>
+            <a:off x="843906" y="2430916"/>
+            <a:ext cx="10434320" cy="4171632"/>
+          </a:xfrm>
+          <a:prstGeom prst="rect">
+            <a:avLst/>
+          </a:prstGeom>
+        </p:spPr>
+        <p:txBody>
+          <a:bodyPr vert="horz" lIns="91440" tIns="45720" rIns="91440" bIns="45720" rtlCol="0">
+            <a:noAutofit/>
+          </a:bodyPr>
+          <a:lstStyle>
+            <a:lvl1pPr marL="228600" indent="-228600" algn="l" defTabSz="914400" rtl="0" eaLnBrk="1" latinLnBrk="0" hangingPunct="1">
+              <a:lnSpc>
+                <a:spcPct val="90000"/>
+              </a:lnSpc>
+              <a:spcBef>
+                <a:spcPts val="1000"/>
+              </a:spcBef>
+              <a:buFont typeface="Arial" panose="020B0604020202020204" pitchFamily="34" charset="0"/>
+              <a:buChar char="•"/>
+              <a:defRPr sz="2800" kern="1200">
+                <a:solidFill>
+                  <a:schemeClr val="tx1"/>
+                </a:solidFill>
+                <a:latin typeface="+mn-lt"/>
+                <a:ea typeface="+mn-ea"/>
+                <a:cs typeface="+mn-cs"/>
+              </a:defRPr>
+            </a:lvl1pPr>
+            <a:lvl2pPr marL="685800" indent="-228600" algn="l" defTabSz="914400" rtl="0" eaLnBrk="1" latinLnBrk="0" hangingPunct="1">
+              <a:lnSpc>
+                <a:spcPct val="90000"/>
+              </a:lnSpc>
+              <a:spcBef>
+                <a:spcPts val="500"/>
+              </a:spcBef>
+              <a:buFont typeface="Arial" panose="020B0604020202020204" pitchFamily="34" charset="0"/>
+              <a:buChar char="•"/>
+              <a:defRPr sz="2400" kern="1200">
+                <a:solidFill>
+                  <a:schemeClr val="tx1"/>
+                </a:solidFill>
+                <a:latin typeface="+mn-lt"/>
+                <a:ea typeface="+mn-ea"/>
+                <a:cs typeface="+mn-cs"/>
+              </a:defRPr>
+            </a:lvl2pPr>
+            <a:lvl3pPr marL="1143000" indent="-228600" algn="l" defTabSz="914400" rtl="0" eaLnBrk="1" latinLnBrk="0" hangingPunct="1">
+              <a:lnSpc>
+                <a:spcPct val="90000"/>
+              </a:lnSpc>
+              <a:spcBef>
+                <a:spcPts val="500"/>
+              </a:spcBef>
+              <a:buFont typeface="Arial" panose="020B0604020202020204" pitchFamily="34" charset="0"/>
+              <a:buChar char="•"/>
+              <a:defRPr sz="2000" kern="1200">
+                <a:solidFill>
+                  <a:schemeClr val="tx1"/>
+                </a:solidFill>
+                <a:latin typeface="+mn-lt"/>
+                <a:ea typeface="+mn-ea"/>
+                <a:cs typeface="+mn-cs"/>
+              </a:defRPr>
+            </a:lvl3pPr>
+            <a:lvl4pPr marL="1600200" indent="-228600" algn="l" defTabSz="914400" rtl="0" eaLnBrk="1" latinLnBrk="0" hangingPunct="1">
+              <a:lnSpc>
+                <a:spcPct val="90000"/>
+              </a:lnSpc>
+              <a:spcBef>
+                <a:spcPts val="500"/>
+              </a:spcBef>
+              <a:buFont typeface="Arial" panose="020B0604020202020204" pitchFamily="34" charset="0"/>
+              <a:buChar char="•"/>
+              <a:defRPr sz="1800" kern="1200">
+                <a:solidFill>
+                  <a:schemeClr val="tx1"/>
+                </a:solidFill>
+                <a:latin typeface="+mn-lt"/>
+                <a:ea typeface="+mn-ea"/>
+                <a:cs typeface="+mn-cs"/>
+              </a:defRPr>
+            </a:lvl4pPr>
+            <a:lvl5pPr marL="2057400" indent="-228600" algn="l" defTabSz="914400" rtl="0" eaLnBrk="1" latinLnBrk="0" hangingPunct="1">
+              <a:lnSpc>
+                <a:spcPct val="90000"/>
+              </a:lnSpc>
+              <a:spcBef>
+                <a:spcPts val="500"/>
+              </a:spcBef>
+              <a:buFont typeface="Arial" panose="020B0604020202020204" pitchFamily="34" charset="0"/>
+              <a:buChar char="•"/>
+              <a:defRPr sz="1800" kern="1200">
+                <a:solidFill>
+                  <a:schemeClr val="tx1"/>
+                </a:solidFill>
+                <a:latin typeface="+mn-lt"/>
+                <a:ea typeface="+mn-ea"/>
+                <a:cs typeface="+mn-cs"/>
+              </a:defRPr>
+            </a:lvl5pPr>
+            <a:lvl6pPr marL="2514600" indent="-228600" algn="l" defTabSz="914400" rtl="0" eaLnBrk="1" latinLnBrk="0" hangingPunct="1">
+              <a:lnSpc>
+                <a:spcPct val="90000"/>
+              </a:lnSpc>
+              <a:spcBef>
+                <a:spcPts val="500"/>
+              </a:spcBef>
+              <a:buFont typeface="Arial" panose="020B0604020202020204" pitchFamily="34" charset="0"/>
+              <a:buChar char="•"/>
+              <a:defRPr sz="1800" kern="1200">
+                <a:solidFill>
+                  <a:schemeClr val="tx1"/>
+                </a:solidFill>
+                <a:latin typeface="+mn-lt"/>
+                <a:ea typeface="+mn-ea"/>
+                <a:cs typeface="+mn-cs"/>
+              </a:defRPr>
+            </a:lvl6pPr>
+            <a:lvl7pPr marL="2971800" indent="-228600" algn="l" defTabSz="914400" rtl="0" eaLnBrk="1" latinLnBrk="0" hangingPunct="1">
+              <a:lnSpc>
+                <a:spcPct val="90000"/>
+              </a:lnSpc>
+              <a:spcBef>
+                <a:spcPts val="500"/>
+              </a:spcBef>
+              <a:buFont typeface="Arial" panose="020B0604020202020204" pitchFamily="34" charset="0"/>
+              <a:buChar char="•"/>
+              <a:defRPr sz="1800" kern="1200">
+                <a:solidFill>
+                  <a:schemeClr val="tx1"/>
+                </a:solidFill>
+                <a:latin typeface="+mn-lt"/>
+                <a:ea typeface="+mn-ea"/>
+                <a:cs typeface="+mn-cs"/>
+              </a:defRPr>
+            </a:lvl7pPr>
+            <a:lvl8pPr marL="3429000" indent="-228600" algn="l" defTabSz="914400" rtl="0" eaLnBrk="1" latinLnBrk="0" hangingPunct="1">
+              <a:lnSpc>
+                <a:spcPct val="90000"/>
+              </a:lnSpc>
+              <a:spcBef>
+                <a:spcPts val="500"/>
+              </a:spcBef>
+              <a:buFont typeface="Arial" panose="020B0604020202020204" pitchFamily="34" charset="0"/>
+              <a:buChar char="•"/>
+              <a:defRPr sz="1800" kern="1200">
+                <a:solidFill>
+                  <a:schemeClr val="tx1"/>
+                </a:solidFill>
+                <a:latin typeface="+mn-lt"/>
+                <a:ea typeface="+mn-ea"/>
+                <a:cs typeface="+mn-cs"/>
+              </a:defRPr>
+            </a:lvl8pPr>
+            <a:lvl9pPr marL="3886200" indent="-228600" algn="l" defTabSz="914400" rtl="0" eaLnBrk="1" latinLnBrk="0" hangingPunct="1">
+              <a:lnSpc>
+                <a:spcPct val="90000"/>
+              </a:lnSpc>
+              <a:spcBef>
+                <a:spcPts val="500"/>
+              </a:spcBef>
+              <a:buFont typeface="Arial" panose="020B0604020202020204" pitchFamily="34" charset="0"/>
+              <a:buChar char="•"/>
+              <a:defRPr sz="1800" kern="1200">
+                <a:solidFill>
+                  <a:schemeClr val="tx1"/>
+                </a:solidFill>
+                <a:latin typeface="+mn-lt"/>
+                <a:ea typeface="+mn-ea"/>
+                <a:cs typeface="+mn-cs"/>
+              </a:defRPr>
+            </a:lvl9pPr>
+          </a:lstStyle>
+          <a:p>
+            <a:pPr marL="457200" indent="-457200">
+              <a:lnSpc>
+                <a:spcPct val="107000"/>
+              </a:lnSpc>
+              <a:spcAft>
+                <a:spcPts val="800"/>
+              </a:spcAft>
+              <a:buFont typeface="+mj-lt"/>
+              <a:buAutoNum type="arabicPeriod"/>
+            </a:pPr>
+            <a:r>
+              <a:rPr lang="en-GB" sz="2000" b="1" dirty="0"/>
+              <a:t>Data (words) analysis algorithms can help and are reliable</a:t>
+            </a:r>
+            <a:endParaRPr lang="nl-NL" sz="2000" b="1" dirty="0"/>
+          </a:p>
+          <a:p>
+            <a:pPr marL="457200" indent="-457200">
+              <a:lnSpc>
+                <a:spcPct val="107000"/>
+              </a:lnSpc>
+              <a:spcAft>
+                <a:spcPts val="800"/>
+              </a:spcAft>
+              <a:buFont typeface="+mj-lt"/>
+              <a:buAutoNum type="arabicPeriod"/>
+            </a:pPr>
+            <a:r>
+              <a:rPr lang="nl-NL" sz="2000" b="1" dirty="0"/>
+              <a:t>Look </a:t>
+            </a:r>
+            <a:r>
+              <a:rPr lang="nl-NL" sz="2000" b="1" dirty="0" err="1"/>
+              <a:t>beyond</a:t>
+            </a:r>
+            <a:r>
+              <a:rPr lang="nl-NL" sz="2000" b="1" dirty="0"/>
+              <a:t> </a:t>
+            </a:r>
+            <a:r>
+              <a:rPr lang="nl-NL" sz="2000" b="1" dirty="0" err="1"/>
+              <a:t>the</a:t>
+            </a:r>
+            <a:r>
+              <a:rPr lang="nl-NL" sz="2000" b="1" dirty="0"/>
+              <a:t> headline</a:t>
+            </a:r>
+          </a:p>
+          <a:p>
+            <a:pPr marL="457200" indent="-457200">
+              <a:lnSpc>
+                <a:spcPct val="107000"/>
+              </a:lnSpc>
+              <a:spcAft>
+                <a:spcPts val="800"/>
+              </a:spcAft>
+              <a:buFont typeface="+mj-lt"/>
+              <a:buAutoNum type="arabicPeriod"/>
+            </a:pPr>
+            <a:r>
+              <a:rPr lang="nl-NL" sz="2000" b="1" dirty="0"/>
+              <a:t>Check </a:t>
+            </a:r>
+            <a:r>
+              <a:rPr lang="nl-NL" sz="2000" b="1" dirty="0" err="1"/>
+              <a:t>other</a:t>
+            </a:r>
+            <a:r>
+              <a:rPr lang="nl-NL" sz="2000" b="1" dirty="0"/>
+              <a:t> sources</a:t>
+            </a:r>
+          </a:p>
+          <a:p>
+            <a:pPr marL="457200" indent="-457200">
+              <a:lnSpc>
+                <a:spcPct val="107000"/>
+              </a:lnSpc>
+              <a:spcAft>
+                <a:spcPts val="800"/>
+              </a:spcAft>
+              <a:buFont typeface="+mj-lt"/>
+              <a:buAutoNum type="arabicPeriod"/>
+            </a:pPr>
+            <a:r>
+              <a:rPr lang="nl-NL" sz="2000" b="1" dirty="0"/>
+              <a:t>Check </a:t>
+            </a:r>
+            <a:r>
+              <a:rPr lang="nl-NL" sz="2000" b="1" dirty="0" err="1"/>
+              <a:t>the</a:t>
+            </a:r>
+            <a:r>
+              <a:rPr lang="nl-NL" sz="2000" b="1" dirty="0"/>
+              <a:t> </a:t>
+            </a:r>
+            <a:r>
+              <a:rPr lang="nl-NL" sz="2000" b="1" dirty="0" err="1"/>
+              <a:t>facts</a:t>
+            </a:r>
+            <a:endParaRPr lang="nl-NL" sz="2000" b="1" dirty="0"/>
+          </a:p>
+          <a:p>
+            <a:pPr marL="457200" indent="-457200">
+              <a:lnSpc>
+                <a:spcPct val="107000"/>
+              </a:lnSpc>
+              <a:spcAft>
+                <a:spcPts val="800"/>
+              </a:spcAft>
+              <a:buFont typeface="+mj-lt"/>
+              <a:buAutoNum type="arabicPeriod"/>
+            </a:pPr>
+            <a:r>
+              <a:rPr lang="nl-NL" sz="2000" b="1" dirty="0"/>
+              <a:t>Check </a:t>
+            </a:r>
+            <a:r>
+              <a:rPr lang="nl-NL" sz="2000" b="1" dirty="0" err="1"/>
+              <a:t>your</a:t>
+            </a:r>
+            <a:r>
+              <a:rPr lang="nl-NL" sz="2000" b="1" dirty="0"/>
+              <a:t> </a:t>
+            </a:r>
+            <a:r>
+              <a:rPr lang="nl-NL" sz="2000" b="1" dirty="0" err="1"/>
+              <a:t>biases</a:t>
+            </a:r>
+            <a:endParaRPr lang="nl-NL" sz="2000" b="1" dirty="0"/>
+          </a:p>
+          <a:p>
+            <a:pPr marL="0" indent="0">
+              <a:lnSpc>
+                <a:spcPct val="107000"/>
+              </a:lnSpc>
+              <a:spcAft>
+                <a:spcPts val="800"/>
+              </a:spcAft>
+              <a:buNone/>
+            </a:pPr>
+            <a:endParaRPr lang="nl-NL" sz="1400" b="1" dirty="0">
+              <a:solidFill>
+                <a:srgbClr val="666666"/>
+              </a:solidFill>
+              <a:latin typeface="Open Sans" panose="020B0606030504020204" pitchFamily="34" charset="0"/>
+            </a:endParaRPr>
+          </a:p>
+          <a:p>
+            <a:pPr marL="0" indent="0">
+              <a:lnSpc>
+                <a:spcPct val="107000"/>
+              </a:lnSpc>
+              <a:spcAft>
+                <a:spcPts val="800"/>
+              </a:spcAft>
+              <a:buNone/>
+            </a:pPr>
+            <a:r>
+              <a:rPr lang="en-GB" sz="2400" dirty="0"/>
+              <a:t>Believing something doesn’t make it true (like Ignacio giving 100% to us all!)</a:t>
+            </a:r>
+          </a:p>
+        </p:txBody>
+      </p:sp>
+    </p:spTree>
+    <p:extLst>
+      <p:ext uri="{BB962C8B-B14F-4D97-AF65-F5344CB8AC3E}">
+        <p14:creationId xmlns:p14="http://schemas.microsoft.com/office/powerpoint/2010/main" val="1031334151"/>
       </p:ext>
     </p:extLst>
   </p:cSld>
@@ -5083,17 +9410,20 @@
           </a:bodyPr>
           <a:lstStyle/>
           <a:p>
-            <a:r>
-              <a:rPr lang="en-US" sz="3600" b="1" i="0" dirty="0">
+            <a:pPr marL="0" indent="0" algn="ctr">
+              <a:buNone/>
+            </a:pPr>
+            <a:r>
+              <a:rPr lang="en-US" sz="3600" b="1" i="1" dirty="0">
                 <a:solidFill>
                   <a:srgbClr val="666666"/>
                 </a:solidFill>
                 <a:effectLst/>
                 <a:latin typeface="Open Sans" panose="020B0606030504020204" pitchFamily="34" charset="0"/>
               </a:rPr>
-              <a:t>Fake news is news, stories or hoaxes created to deliberately misinform or deceive readers. </a:t>
-            </a:r>
-            <a:endParaRPr lang="en-GB" sz="3600" dirty="0"/>
+              <a:t>“Fake news is news, stories or hoaxes created to deliberately misinform or deceive readers.” </a:t>
+            </a:r>
+            <a:endParaRPr lang="en-GB" sz="3600" i="1" dirty="0"/>
           </a:p>
         </p:txBody>
       </p:sp>
@@ -5146,6 +9476,74 @@
 </p:sld>
 </file>
 
+<file path=ppt/slides/slide20.xml><?xml version="1.0" encoding="utf-8"?>
+<p:sld xmlns:a="http://schemas.openxmlformats.org/drawingml/2006/main" xmlns:r="http://schemas.openxmlformats.org/officeDocument/2006/relationships" xmlns:p="http://schemas.openxmlformats.org/presentationml/2006/main">
+  <p:cSld>
+    <p:spTree>
+      <p:nvGrpSpPr>
+        <p:cNvPr id="1" name=""/>
+        <p:cNvGrpSpPr/>
+        <p:nvPr/>
+      </p:nvGrpSpPr>
+      <p:grpSpPr>
+        <a:xfrm>
+          <a:off x="0" y="0"/>
+          <a:ext cx="0" cy="0"/>
+          <a:chOff x="0" y="0"/>
+          <a:chExt cx="0" cy="0"/>
+        </a:xfrm>
+      </p:grpSpPr>
+      <p:sp>
+        <p:nvSpPr>
+          <p:cNvPr id="2" name="Title 1">
+            <a:extLst>
+              <a:ext uri="{FF2B5EF4-FFF2-40B4-BE49-F238E27FC236}">
+                <a16:creationId xmlns:a16="http://schemas.microsoft.com/office/drawing/2014/main" id="{54EB23D7-46FB-E7E0-2F36-50AEA071E37C}"/>
+              </a:ext>
+            </a:extLst>
+          </p:cNvPr>
+          <p:cNvSpPr>
+            <a:spLocks noGrp="1"/>
+          </p:cNvSpPr>
+          <p:nvPr>
+            <p:ph type="title"/>
+          </p:nvPr>
+        </p:nvSpPr>
+        <p:spPr>
+          <a:xfrm>
+            <a:off x="949960" y="2766218"/>
+            <a:ext cx="10515600" cy="1325563"/>
+          </a:xfrm>
+        </p:spPr>
+        <p:txBody>
+          <a:bodyPr/>
+          <a:lstStyle/>
+          <a:p>
+            <a:pPr algn="ctr"/>
+            <a:r>
+              <a:rPr lang="en-GB" b="1" dirty="0">
+                <a:solidFill>
+                  <a:srgbClr val="FF0000"/>
+                </a:solidFill>
+              </a:rPr>
+              <a:t>THANKS A LOT!</a:t>
+            </a:r>
+          </a:p>
+        </p:txBody>
+      </p:sp>
+    </p:spTree>
+    <p:extLst>
+      <p:ext uri="{BB962C8B-B14F-4D97-AF65-F5344CB8AC3E}">
+        <p14:creationId xmlns:p14="http://schemas.microsoft.com/office/powerpoint/2010/main" val="1441184001"/>
+      </p:ext>
+    </p:extLst>
+  </p:cSld>
+  <p:clrMapOvr>
+    <a:masterClrMapping/>
+  </p:clrMapOvr>
+</p:sld>
+</file>
+
 <file path=ppt/slides/slide3.xml><?xml version="1.0" encoding="utf-8"?>
 <p:sld xmlns:a="http://schemas.openxmlformats.org/drawingml/2006/main" xmlns:r="http://schemas.openxmlformats.org/officeDocument/2006/relationships" xmlns:p="http://schemas.openxmlformats.org/presentationml/2006/main">
   <p:cSld>
@@ -5225,7 +9623,8 @@
                   <a:srgbClr val="666666"/>
                 </a:solidFill>
                 <a:effectLst/>
-                <a:latin typeface="Open Sans" panose="020B0606030504020204" pitchFamily="34" charset="0"/>
+                <a:latin typeface="Roboto" panose="02000000000000000000" pitchFamily="2" charset="0"/>
+                <a:ea typeface="Roboto" panose="02000000000000000000" pitchFamily="2" charset="0"/>
               </a:rPr>
               <a:t>- influence people’s views</a:t>
             </a:r>
@@ -5240,7 +9639,8 @@
                 <a:srgbClr val="666666"/>
               </a:solidFill>
               <a:effectLst/>
-              <a:latin typeface="Open Sans" panose="020B0606030504020204" pitchFamily="34" charset="0"/>
+              <a:latin typeface="Roboto" panose="02000000000000000000" pitchFamily="2" charset="0"/>
+              <a:ea typeface="Roboto" panose="02000000000000000000" pitchFamily="2" charset="0"/>
             </a:endParaRPr>
           </a:p>
           <a:p>
@@ -5250,7 +9650,8 @@
                   <a:srgbClr val="666666"/>
                 </a:solidFill>
                 <a:effectLst/>
-                <a:latin typeface="Open Sans" panose="020B0606030504020204" pitchFamily="34" charset="0"/>
+                <a:latin typeface="Roboto" panose="02000000000000000000" pitchFamily="2" charset="0"/>
+                <a:ea typeface="Roboto" panose="02000000000000000000" pitchFamily="2" charset="0"/>
               </a:rPr>
               <a:t>- push a political agenda or cause confusion</a:t>
             </a:r>
@@ -5265,7 +9666,8 @@
                 <a:srgbClr val="666666"/>
               </a:solidFill>
               <a:effectLst/>
-              <a:latin typeface="Open Sans" panose="020B0606030504020204" pitchFamily="34" charset="0"/>
+              <a:latin typeface="Roboto" panose="02000000000000000000" pitchFamily="2" charset="0"/>
+              <a:ea typeface="Roboto" panose="02000000000000000000" pitchFamily="2" charset="0"/>
             </a:endParaRPr>
           </a:p>
           <a:p>
@@ -5275,11 +9677,15 @@
                   <a:srgbClr val="666666"/>
                 </a:solidFill>
                 <a:effectLst/>
-                <a:latin typeface="Open Sans" panose="020B0606030504020204" pitchFamily="34" charset="0"/>
+                <a:latin typeface="Roboto" panose="02000000000000000000" pitchFamily="2" charset="0"/>
+                <a:ea typeface="Roboto" panose="02000000000000000000" pitchFamily="2" charset="0"/>
               </a:rPr>
-              <a:t>- gets clicks (gain more website visitors and increase advertising revenue for websites)</a:t>
-            </a:r>
-            <a:endParaRPr lang="en-GB" sz="3600" dirty="0"/>
+              <a:t>- click-bait (gain more website visitors and increase advertising revenue for websites)</a:t>
+            </a:r>
+            <a:endParaRPr lang="en-GB" sz="3600" dirty="0">
+              <a:latin typeface="Roboto" panose="02000000000000000000" pitchFamily="2" charset="0"/>
+              <a:ea typeface="Roboto" panose="02000000000000000000" pitchFamily="2" charset="0"/>
+            </a:endParaRPr>
           </a:p>
         </p:txBody>
       </p:sp>
@@ -5398,7 +9804,7 @@
                 <a:effectLst/>
                 <a:latin typeface="Roboto" panose="02000000000000000000" pitchFamily="2" charset="0"/>
               </a:rPr>
-              <a:t> You’re conservative and tired of all these pesky Huffington Post articles popping up in your feed? Hide them. </a:t>
+              <a:t>You’re conservative and tired of all these pesky Huffington Post articles popping up in your feed? Hide them. </a:t>
             </a:r>
           </a:p>
         </p:txBody>
@@ -5485,7 +9891,12 @@
             <p:ph type="title"/>
           </p:nvPr>
         </p:nvSpPr>
-        <p:spPr/>
+        <p:spPr>
+          <a:xfrm>
+            <a:off x="913774" y="509660"/>
+            <a:ext cx="10364451" cy="1596177"/>
+          </a:xfrm>
+        </p:spPr>
         <p:txBody>
           <a:bodyPr/>
           <a:lstStyle/>
@@ -5520,11 +9931,13 @@
           </a:xfrm>
         </p:spPr>
         <p:txBody>
-          <a:bodyPr/>
+          <a:bodyPr>
+            <a:normAutofit lnSpcReduction="10000"/>
+          </a:bodyPr>
           <a:lstStyle/>
           <a:p>
             <a:r>
-              <a:rPr lang="en-GB" dirty="0">
+              <a:rPr lang="en-GB" sz="2800" cap="none" dirty="0">
                 <a:solidFill>
                   <a:srgbClr val="000000"/>
                 </a:solidFill>
@@ -5533,7 +9946,7 @@
               <a:t>Combine filter bubbles and </a:t>
             </a:r>
             <a:r>
-              <a:rPr lang="en-US" dirty="0">
+              <a:rPr lang="en-US" sz="2800" cap="none" dirty="0">
                 <a:solidFill>
                   <a:srgbClr val="000000"/>
                 </a:solidFill>
@@ -5541,7 +9954,7 @@
               </a:rPr>
               <a:t>diversity of voices in our new media frontier</a:t>
             </a:r>
-            <a:endParaRPr lang="en-GB" dirty="0">
+            <a:endParaRPr lang="en-GB" sz="2800" cap="none" dirty="0">
               <a:solidFill>
                 <a:srgbClr val="000000"/>
               </a:solidFill>
@@ -5550,11 +9963,10 @@
           </a:p>
           <a:p>
             <a:r>
-              <a:rPr lang="en-US" b="0" i="0" dirty="0">
+              <a:rPr lang="en-US" sz="2800" cap="none" dirty="0">
                 <a:solidFill>
                   <a:srgbClr val="000000"/>
                 </a:solidFill>
-                <a:effectLst/>
                 <a:latin typeface="Roboto" panose="02000000000000000000" pitchFamily="2" charset="0"/>
               </a:rPr>
               <a:t>You end up with a great deal of inflammatory and false information circulating among people who want to believe it.</a:t>
@@ -5562,16 +9974,20 @@
           </a:p>
           <a:p>
             <a:r>
-              <a:rPr lang="en-US" b="0" i="0" dirty="0">
+              <a:rPr lang="en-US" sz="2800" cap="none" dirty="0">
                 <a:solidFill>
                   <a:srgbClr val="000000"/>
                 </a:solidFill>
-                <a:effectLst/>
                 <a:latin typeface="Roboto" panose="02000000000000000000" pitchFamily="2" charset="0"/>
               </a:rPr>
               <a:t>Welcome to the fake news crisis</a:t>
             </a:r>
-            <a:endParaRPr lang="en-GB" dirty="0"/>
+            <a:endParaRPr lang="en-GB" sz="2800" cap="none" dirty="0">
+              <a:solidFill>
+                <a:srgbClr val="000000"/>
+              </a:solidFill>
+              <a:latin typeface="Roboto" panose="02000000000000000000" pitchFamily="2" charset="0"/>
+            </a:endParaRPr>
           </a:p>
         </p:txBody>
       </p:sp>
@@ -5692,37 +10108,62 @@
           <a:p>
             <a:r>
               <a:rPr lang="en-GB" dirty="0"/>
-              <a:t>2 data sets with True and Fake New: </a:t>
-            </a:r>
-            <a:r>
-              <a:rPr lang="en-GB" dirty="0">
+              <a:t>2 </a:t>
+            </a:r>
+            <a:r>
+              <a:rPr lang="en-GB" cap="none" dirty="0"/>
+              <a:t>Data sets with true and fake new: </a:t>
+            </a:r>
+            <a:r>
+              <a:rPr lang="nl-NL" b="0" cap="none" dirty="0">
+                <a:solidFill>
+                  <a:srgbClr val="E6DB74"/>
+                </a:solidFill>
+                <a:effectLst/>
+                <a:latin typeface="Consolas" panose="020B0609020204030204" pitchFamily="49" charset="0"/>
                 <a:hlinkClick r:id="rId2"/>
               </a:rPr>
-              <a:t>https://www.kaggle.com/code/therealsampat/fake-news-detection/data</a:t>
-            </a:r>
+              <a:t>https://www.Kaggle.Com/datasets/jainpooja/fake-news-detection</a:t>
+            </a:r>
+            <a:r>
+              <a:rPr lang="nl-NL" b="0" cap="none" dirty="0">
+                <a:solidFill>
+                  <a:srgbClr val="E6DB74"/>
+                </a:solidFill>
+                <a:effectLst/>
+                <a:latin typeface="Consolas" panose="020B0609020204030204" pitchFamily="49" charset="0"/>
+              </a:rPr>
+              <a:t> </a:t>
+            </a:r>
+            <a:endParaRPr lang="nl-NL" b="0" dirty="0">
+              <a:solidFill>
+                <a:srgbClr val="F8F8F2"/>
+              </a:solidFill>
+              <a:effectLst/>
+              <a:latin typeface="Consolas" panose="020B0609020204030204" pitchFamily="49" charset="0"/>
+            </a:endParaRPr>
+          </a:p>
+          <a:p>
             <a:endParaRPr lang="en-GB" dirty="0"/>
           </a:p>
           <a:p>
+            <a:r>
+              <a:rPr lang="en-GB" dirty="0"/>
+              <a:t>21,417 true news</a:t>
+            </a:r>
+          </a:p>
+          <a:p>
+            <a:r>
+              <a:rPr lang="en-GB" dirty="0"/>
+              <a:t>23,481 fake news</a:t>
+            </a:r>
+          </a:p>
+          <a:p>
             <a:endParaRPr lang="en-GB" dirty="0"/>
           </a:p>
           <a:p>
             <a:r>
-              <a:rPr lang="en-GB" dirty="0"/>
-              <a:t>21417 true news</a:t>
-            </a:r>
-          </a:p>
-          <a:p>
-            <a:r>
-              <a:rPr lang="en-GB" dirty="0"/>
-              <a:t>23481 fake news</a:t>
-            </a:r>
-          </a:p>
-          <a:p>
-            <a:endParaRPr lang="en-GB" dirty="0"/>
-          </a:p>
-          <a:p>
-            <a:r>
-              <a:rPr lang="en-GB" dirty="0"/>
+              <a:rPr lang="en-GB" cap="none" dirty="0"/>
               <a:t>Building models to predict if news true or fake</a:t>
             </a:r>
           </a:p>
@@ -5802,68 +10243,74 @@
             <p:ph idx="1"/>
           </p:nvPr>
         </p:nvSpPr>
-        <p:spPr/>
+        <p:spPr>
+          <a:xfrm>
+            <a:off x="913775" y="1698171"/>
+            <a:ext cx="10364452" cy="4822372"/>
+          </a:xfrm>
+        </p:spPr>
         <p:txBody>
           <a:bodyPr>
-            <a:normAutofit/>
+            <a:noAutofit/>
           </a:bodyPr>
           <a:lstStyle/>
           <a:p>
             <a:r>
-              <a:rPr lang="en-GB" dirty="0"/>
+              <a:rPr lang="en-GB" cap="none" dirty="0"/>
               <a:t>Clean-up from symbols</a:t>
             </a:r>
           </a:p>
           <a:p>
             <a:r>
-              <a:rPr lang="en-GB" dirty="0"/>
+              <a:rPr lang="en-GB" cap="none" dirty="0"/>
               <a:t>Train-test split</a:t>
             </a:r>
           </a:p>
           <a:p>
             <a:r>
-              <a:rPr lang="en-GB" dirty="0"/>
-              <a:t>TFIDF – Vectorization (</a:t>
-            </a:r>
-            <a:r>
-              <a:rPr lang="en-US" sz="2200" b="1" i="0" dirty="0">
+              <a:rPr lang="en-GB" cap="none" dirty="0"/>
+              <a:t>TFIDF – vectorization (</a:t>
+            </a:r>
+            <a:r>
+              <a:rPr lang="en-US" b="1" i="0" cap="none" dirty="0">
                 <a:effectLst/>
                 <a:latin typeface="arial" panose="020B0604020202020204" pitchFamily="34" charset="0"/>
               </a:rPr>
-              <a:t>proportionally increasing the number of times a word appears in the document but is counterbalanced by the number of documents in which it is present</a:t>
-            </a:r>
-            <a:r>
-              <a:rPr lang="en-US" sz="2200" b="0" i="0" dirty="0">
+              <a:t>Proportionally increasing the number of times a word appears in the document but is counterbalanced by the number of documents in which it is present</a:t>
+            </a:r>
+            <a:r>
+              <a:rPr lang="en-US" b="0" i="0" cap="none" dirty="0">
                 <a:effectLst/>
                 <a:latin typeface="arial" panose="020B0604020202020204" pitchFamily="34" charset="0"/>
               </a:rPr>
-              <a:t>. Hence, words like 'this', 'are' etc., that are commonly present in all the documents are not given a very high rank)</a:t>
-            </a:r>
-            <a:endParaRPr lang="en-GB" sz="2200" dirty="0"/>
-          </a:p>
-          <a:p>
-            <a:r>
-              <a:rPr lang="en-GB" dirty="0"/>
-              <a:t>Models:     Logistic Regression</a:t>
-            </a:r>
-          </a:p>
-          <a:p>
-            <a:pPr marL="0" indent="0">
-              <a:buNone/>
-            </a:pPr>
-            <a:r>
-              <a:rPr lang="en-GB" dirty="0"/>
-              <a:t>		Passive Aggressive Classifier</a:t>
-            </a:r>
-          </a:p>
-          <a:p>
-            <a:pPr marL="0" indent="0">
-              <a:buNone/>
-            </a:pPr>
-            <a:r>
-              <a:rPr lang="en-GB" dirty="0"/>
-              <a:t>		Random Forest Classifier</a:t>
-            </a:r>
+              <a:t>. Hence, words like 'this', 'are' etc., That are commonly present in all the documents are not given a very high rank)</a:t>
+            </a:r>
+            <a:endParaRPr lang="en-GB" cap="none" dirty="0"/>
+          </a:p>
+          <a:p>
+            <a:r>
+              <a:rPr lang="en-GB" cap="none" dirty="0"/>
+              <a:t>Models:     </a:t>
+            </a:r>
+          </a:p>
+          <a:p>
+            <a:r>
+              <a:rPr lang="en-GB" cap="none" dirty="0"/>
+              <a:t>Logistic regression</a:t>
+            </a:r>
+          </a:p>
+          <a:p>
+            <a:r>
+              <a:rPr lang="en-GB" cap="none" dirty="0"/>
+              <a:t>Passive aggressive classifier</a:t>
+            </a:r>
+          </a:p>
+          <a:p>
+            <a:r>
+              <a:rPr lang="en-GB" cap="none" dirty="0"/>
+              <a:t>Random forest classifier</a:t>
+            </a:r>
+            <a:endParaRPr lang="en-GB" dirty="0"/>
           </a:p>
         </p:txBody>
       </p:sp>
@@ -5949,7 +10396,7 @@
         </p:blipFill>
         <p:spPr>
           <a:xfrm>
-            <a:off x="838200" y="1536361"/>
+            <a:off x="913774" y="1906475"/>
             <a:ext cx="4822334" cy="2625736"/>
           </a:xfrm>
         </p:spPr>
@@ -6066,7 +10513,7 @@
         </p:blipFill>
         <p:spPr>
           <a:xfrm>
-            <a:off x="838200" y="1423136"/>
+            <a:off x="772886" y="1782364"/>
             <a:ext cx="5045351" cy="2722143"/>
           </a:xfrm>
         </p:spPr>
@@ -6115,9 +10562,9 @@
 </file>
 
 <file path=ppt/theme/theme1.xml><?xml version="1.0" encoding="utf-8"?>
-<a:theme xmlns:a="http://schemas.openxmlformats.org/drawingml/2006/main" name="Office Theme">
+<a:theme xmlns:a="http://schemas.openxmlformats.org/drawingml/2006/main" name="Droplet">
   <a:themeElements>
-    <a:clrScheme name="Office">
+    <a:clrScheme name="Droplet">
       <a:dk1>
         <a:sysClr val="windowText" lastClr="000000"/>
       </a:dk1>
@@ -6125,44 +10572,44 @@
         <a:sysClr val="window" lastClr="FFFFFF"/>
       </a:lt1>
       <a:dk2>
-        <a:srgbClr val="44546A"/>
+        <a:srgbClr val="355071"/>
       </a:dk2>
       <a:lt2>
-        <a:srgbClr val="E7E6E6"/>
+        <a:srgbClr val="AABED7"/>
       </a:lt2>
       <a:accent1>
-        <a:srgbClr val="4472C4"/>
+        <a:srgbClr val="2FA3EE"/>
       </a:accent1>
       <a:accent2>
-        <a:srgbClr val="ED7D31"/>
+        <a:srgbClr val="4BCAAD"/>
       </a:accent2>
       <a:accent3>
-        <a:srgbClr val="A5A5A5"/>
+        <a:srgbClr val="86C157"/>
       </a:accent3>
       <a:accent4>
-        <a:srgbClr val="FFC000"/>
+        <a:srgbClr val="D99C3F"/>
       </a:accent4>
       <a:accent5>
-        <a:srgbClr val="5B9BD5"/>
+        <a:srgbClr val="CE6633"/>
       </a:accent5>
       <a:accent6>
-        <a:srgbClr val="70AD47"/>
+        <a:srgbClr val="A35DD1"/>
       </a:accent6>
       <a:hlink>
-        <a:srgbClr val="0563C1"/>
+        <a:srgbClr val="56BCFE"/>
       </a:hlink>
       <a:folHlink>
-        <a:srgbClr val="954F72"/>
+        <a:srgbClr val="97C5E3"/>
       </a:folHlink>
     </a:clrScheme>
-    <a:fontScheme name="Office">
+    <a:fontScheme name="Droplet">
       <a:majorFont>
-        <a:latin typeface="Calibri Light" panose="020F0302020204030204"/>
+        <a:latin typeface="Tw Cen MT" panose="020B0602020104020603"/>
         <a:ea typeface=""/>
         <a:cs typeface=""/>
-        <a:font script="Jpan" typeface="游ゴシック Light"/>
+        <a:font script="Jpan" typeface="ＭＳ Ｐゴシック"/>
         <a:font script="Hang" typeface="맑은 고딕"/>
-        <a:font script="Hans" typeface="等线 Light"/>
+        <a:font script="Hans" typeface="宋体"/>
         <a:font script="Hant" typeface="新細明體"/>
         <a:font script="Arab" typeface="Times New Roman"/>
         <a:font script="Hebr" typeface="Times New Roman"/>
@@ -6190,31 +10637,14 @@
         <a:font script="Viet" typeface="Times New Roman"/>
         <a:font script="Uigh" typeface="Microsoft Uighur"/>
         <a:font script="Geor" typeface="Sylfaen"/>
-        <a:font script="Armn" typeface="Arial"/>
-        <a:font script="Bugi" typeface="Leelawadee UI"/>
-        <a:font script="Bopo" typeface="Microsoft JhengHei"/>
-        <a:font script="Java" typeface="Javanese Text"/>
-        <a:font script="Lisu" typeface="Segoe UI"/>
-        <a:font script="Mymr" typeface="Myanmar Text"/>
-        <a:font script="Nkoo" typeface="Ebrima"/>
-        <a:font script="Olck" typeface="Nirmala UI"/>
-        <a:font script="Osma" typeface="Ebrima"/>
-        <a:font script="Phag" typeface="Phagspa"/>
-        <a:font script="Syrn" typeface="Estrangelo Edessa"/>
-        <a:font script="Syrj" typeface="Estrangelo Edessa"/>
-        <a:font script="Syre" typeface="Estrangelo Edessa"/>
-        <a:font script="Sora" typeface="Nirmala UI"/>
-        <a:font script="Tale" typeface="Microsoft Tai Le"/>
-        <a:font script="Talu" typeface="Microsoft New Tai Lue"/>
-        <a:font script="Tfng" typeface="Ebrima"/>
       </a:majorFont>
       <a:minorFont>
-        <a:latin typeface="Calibri" panose="020F0502020204030204"/>
+        <a:latin typeface="Tw Cen MT" panose="020B0602020104020603"/>
         <a:ea typeface=""/>
         <a:cs typeface=""/>
-        <a:font script="Jpan" typeface="游ゴシック"/>
+        <a:font script="Jpan" typeface="ＭＳ Ｐゴシック"/>
         <a:font script="Hang" typeface="맑은 고딕"/>
-        <a:font script="Hans" typeface="等线"/>
+        <a:font script="Hans" typeface="宋体"/>
         <a:font script="Hant" typeface="新細明體"/>
         <a:font script="Arab" typeface="Arial"/>
         <a:font script="Hebr" typeface="Arial"/>
@@ -6242,27 +10672,105 @@
         <a:font script="Viet" typeface="Arial"/>
         <a:font script="Uigh" typeface="Microsoft Uighur"/>
         <a:font script="Geor" typeface="Sylfaen"/>
-        <a:font script="Armn" typeface="Arial"/>
-        <a:font script="Bugi" typeface="Leelawadee UI"/>
-        <a:font script="Bopo" typeface="Microsoft JhengHei"/>
-        <a:font script="Java" typeface="Javanese Text"/>
-        <a:font script="Lisu" typeface="Segoe UI"/>
-        <a:font script="Mymr" typeface="Myanmar Text"/>
-        <a:font script="Nkoo" typeface="Ebrima"/>
-        <a:font script="Olck" typeface="Nirmala UI"/>
-        <a:font script="Osma" typeface="Ebrima"/>
-        <a:font script="Phag" typeface="Phagspa"/>
-        <a:font script="Syrn" typeface="Estrangelo Edessa"/>
-        <a:font script="Syrj" typeface="Estrangelo Edessa"/>
-        <a:font script="Syre" typeface="Estrangelo Edessa"/>
-        <a:font script="Sora" typeface="Nirmala UI"/>
-        <a:font script="Tale" typeface="Microsoft Tai Le"/>
-        <a:font script="Talu" typeface="Microsoft New Tai Lue"/>
-        <a:font script="Tfng" typeface="Ebrima"/>
       </a:minorFont>
     </a:fontScheme>
-    <a:fmtScheme name="Office">
+    <a:fmtScheme name="Droplet">
       <a:fillStyleLst>
+        <a:solidFill>
+          <a:schemeClr val="phClr"/>
+        </a:solidFill>
+        <a:solidFill>
+          <a:schemeClr val="phClr">
+            <a:tint val="69000"/>
+            <a:satMod val="105000"/>
+            <a:lumMod val="110000"/>
+          </a:schemeClr>
+        </a:solidFill>
+        <a:gradFill rotWithShape="1">
+          <a:gsLst>
+            <a:gs pos="0">
+              <a:schemeClr val="phClr">
+                <a:tint val="94000"/>
+                <a:satMod val="100000"/>
+                <a:lumMod val="108000"/>
+              </a:schemeClr>
+            </a:gs>
+            <a:gs pos="50000">
+              <a:schemeClr val="phClr">
+                <a:tint val="98000"/>
+                <a:shade val="100000"/>
+                <a:satMod val="100000"/>
+                <a:lumMod val="100000"/>
+              </a:schemeClr>
+            </a:gs>
+            <a:gs pos="100000">
+              <a:schemeClr val="phClr">
+                <a:shade val="72000"/>
+                <a:satMod val="120000"/>
+                <a:lumMod val="100000"/>
+              </a:schemeClr>
+            </a:gs>
+          </a:gsLst>
+          <a:lin ang="5400000" scaled="0"/>
+        </a:gradFill>
+      </a:fillStyleLst>
+      <a:lnStyleLst>
+        <a:ln w="9525" cap="flat" cmpd="sng" algn="ctr">
+          <a:solidFill>
+            <a:schemeClr val="phClr">
+              <a:shade val="60000"/>
+            </a:schemeClr>
+          </a:solidFill>
+          <a:prstDash val="solid"/>
+        </a:ln>
+        <a:ln w="15875" cap="flat" cmpd="sng" algn="ctr">
+          <a:solidFill>
+            <a:schemeClr val="phClr"/>
+          </a:solidFill>
+          <a:prstDash val="solid"/>
+        </a:ln>
+        <a:ln w="22225" cap="flat" cmpd="sng" algn="ctr">
+          <a:solidFill>
+            <a:schemeClr val="phClr"/>
+          </a:solidFill>
+          <a:prstDash val="solid"/>
+        </a:ln>
+      </a:lnStyleLst>
+      <a:effectStyleLst>
+        <a:effectStyle>
+          <a:effectLst/>
+        </a:effectStyle>
+        <a:effectStyle>
+          <a:effectLst>
+            <a:outerShdw blurRad="50800" dist="25400" dir="5400000" rotWithShape="0">
+              <a:srgbClr val="000000">
+                <a:alpha val="28000"/>
+              </a:srgbClr>
+            </a:outerShdw>
+          </a:effectLst>
+        </a:effectStyle>
+        <a:effectStyle>
+          <a:effectLst>
+            <a:outerShdw blurRad="63500" dist="25400" dir="5400000" algn="ctr" rotWithShape="0">
+              <a:srgbClr val="000000">
+                <a:alpha val="69000"/>
+              </a:srgbClr>
+            </a:outerShdw>
+          </a:effectLst>
+          <a:scene3d>
+            <a:camera prst="orthographicFront">
+              <a:rot lat="0" lon="0" rev="0"/>
+            </a:camera>
+            <a:lightRig rig="balanced" dir="t">
+              <a:rot lat="0" lon="0" rev="1200000"/>
+            </a:lightRig>
+          </a:scene3d>
+          <a:sp3d prstMaterial="plastic">
+            <a:bevelT w="25400" h="25400"/>
+          </a:sp3d>
+        </a:effectStyle>
+      </a:effectStyleLst>
+      <a:bgFillStyleLst>
         <a:solidFill>
           <a:schemeClr val="phClr"/>
         </a:solidFill>
@@ -6270,23 +10778,14 @@
           <a:gsLst>
             <a:gs pos="0">
               <a:schemeClr val="phClr">
+                <a:tint val="90000"/>
                 <a:lumMod val="110000"/>
-                <a:satMod val="105000"/>
-                <a:tint val="67000"/>
-              </a:schemeClr>
-            </a:gs>
-            <a:gs pos="50000">
-              <a:schemeClr val="phClr">
-                <a:lumMod val="105000"/>
-                <a:satMod val="103000"/>
-                <a:tint val="73000"/>
               </a:schemeClr>
             </a:gs>
             <a:gs pos="100000">
               <a:schemeClr val="phClr">
-                <a:lumMod val="105000"/>
-                <a:satMod val="109000"/>
-                <a:tint val="81000"/>
+                <a:shade val="64000"/>
+                <a:lumMod val="88000"/>
               </a:schemeClr>
             </a:gs>
           </a:gsLst>
@@ -6296,101 +10795,18 @@
           <a:gsLst>
             <a:gs pos="0">
               <a:schemeClr val="phClr">
-                <a:satMod val="103000"/>
-                <a:lumMod val="102000"/>
-                <a:tint val="94000"/>
-              </a:schemeClr>
-            </a:gs>
-            <a:gs pos="50000">
-              <a:schemeClr val="phClr">
-                <a:satMod val="110000"/>
-                <a:lumMod val="100000"/>
+                <a:tint val="84000"/>
                 <a:shade val="100000"/>
+                <a:hueMod val="130000"/>
+                <a:satMod val="150000"/>
+                <a:lumMod val="112000"/>
               </a:schemeClr>
             </a:gs>
             <a:gs pos="100000">
               <a:schemeClr val="phClr">
-                <a:lumMod val="99000"/>
-                <a:satMod val="120000"/>
-                <a:shade val="78000"/>
-              </a:schemeClr>
-            </a:gs>
-          </a:gsLst>
-          <a:lin ang="5400000" scaled="0"/>
-        </a:gradFill>
-      </a:fillStyleLst>
-      <a:lnStyleLst>
-        <a:ln w="6350" cap="flat" cmpd="sng" algn="ctr">
-          <a:solidFill>
-            <a:schemeClr val="phClr"/>
-          </a:solidFill>
-          <a:prstDash val="solid"/>
-          <a:miter lim="800000"/>
-        </a:ln>
-        <a:ln w="12700" cap="flat" cmpd="sng" algn="ctr">
-          <a:solidFill>
-            <a:schemeClr val="phClr"/>
-          </a:solidFill>
-          <a:prstDash val="solid"/>
-          <a:miter lim="800000"/>
-        </a:ln>
-        <a:ln w="19050" cap="flat" cmpd="sng" algn="ctr">
-          <a:solidFill>
-            <a:schemeClr val="phClr"/>
-          </a:solidFill>
-          <a:prstDash val="solid"/>
-          <a:miter lim="800000"/>
-        </a:ln>
-      </a:lnStyleLst>
-      <a:effectStyleLst>
-        <a:effectStyle>
-          <a:effectLst/>
-        </a:effectStyle>
-        <a:effectStyle>
-          <a:effectLst/>
-        </a:effectStyle>
-        <a:effectStyle>
-          <a:effectLst>
-            <a:outerShdw blurRad="57150" dist="19050" dir="5400000" algn="ctr" rotWithShape="0">
-              <a:srgbClr val="000000">
-                <a:alpha val="63000"/>
-              </a:srgbClr>
-            </a:outerShdw>
-          </a:effectLst>
-        </a:effectStyle>
-      </a:effectStyleLst>
-      <a:bgFillStyleLst>
-        <a:solidFill>
-          <a:schemeClr val="phClr"/>
-        </a:solidFill>
-        <a:solidFill>
-          <a:schemeClr val="phClr">
-            <a:tint val="95000"/>
-            <a:satMod val="170000"/>
-          </a:schemeClr>
-        </a:solidFill>
-        <a:gradFill rotWithShape="1">
-          <a:gsLst>
-            <a:gs pos="0">
-              <a:schemeClr val="phClr">
-                <a:tint val="93000"/>
-                <a:satMod val="150000"/>
-                <a:shade val="98000"/>
-                <a:lumMod val="102000"/>
-              </a:schemeClr>
-            </a:gs>
-            <a:gs pos="50000">
-              <a:schemeClr val="phClr">
-                <a:tint val="98000"/>
-                <a:satMod val="130000"/>
-                <a:shade val="90000"/>
-                <a:lumMod val="103000"/>
-              </a:schemeClr>
-            </a:gs>
-            <a:gs pos="100000">
-              <a:schemeClr val="phClr">
-                <a:shade val="63000"/>
-                <a:satMod val="120000"/>
+                <a:shade val="92000"/>
+                <a:satMod val="140000"/>
+                <a:lumMod val="110000"/>
               </a:schemeClr>
             </a:gs>
           </a:gsLst>
@@ -6403,7 +10819,7 @@
   <a:extraClrSchemeLst/>
   <a:extLst>
     <a:ext uri="{05A4C25C-085E-4340-85A3-A5531E510DB2}">
-      <thm15:themeFamily xmlns:thm15="http://schemas.microsoft.com/office/thememl/2012/main" name="Office Theme" id="{62F939B6-93AF-4DB8-9C6B-D6C7DFDC589F}" vid="{4A3C46E8-61CC-4603-A589-7422A47A8E4A}"/>
+      <thm15:themeFamily xmlns:thm15="http://schemas.microsoft.com/office/thememl/2012/main" name="Droplet" id="{8984A317-299A-4E50-B45D-BFC9EDE2337A}" vid="{A633B6A3-9E7F-4C10-9C98-2517A3134361}"/>
     </a:ext>
   </a:extLst>
 </a:theme>
